--- a/Verkefni3/kynning/Kynning.pptx
+++ b/Verkefni3/kynning/Kynning.pptx
@@ -8789,11 +8789,7 @@
             </a:pPr>
             <a:r>
               <a:rPr lang="is-IS" dirty="0" smtClean="0"/>
-              <a:t>Í </a:t>
-            </a:r>
-            <a:r>
-              <a:rPr lang="is-IS" dirty="0" smtClean="0"/>
-              <a:t>þessu verkefni skoðuðum við gagnasöfn frá World Bank. Okkur fannst spennandi að fá mikið af gögn um öll lönd (og heimsálfur) í heiminum og bera þau saman. Við tókum eftir áhugaverðum hlutum eins og raforkunotkun á hvern íbúa þar var Ísland í fyrsta sæti, tvöfalt meira en næsta þjóð.</a:t>
+              <a:t>Í þessu verkefni skoðuðum við gagnasöfn frá World Bank. Okkur fannst spennandi að fá mikið af gögn um öll lönd (og heimsálfur) í heiminum og bera þau saman. Við tókum eftir áhugaverðum hlutum eins og raforkunotkun á hvern íbúa þar var Ísland í fyrsta sæti, tvöfalt meira en næsta þjóð.</a:t>
             </a:r>
           </a:p>
           <a:p>
@@ -8822,6 +8818,36 @@
           </a:p>
         </p:txBody>
       </p:sp>
+      <p:pic>
+        <p:nvPicPr>
+          <p:cNvPr id="4" name="Picture 3"/>
+          <p:cNvPicPr>
+            <a:picLocks noChangeAspect="1"/>
+          </p:cNvPicPr>
+          <p:nvPr/>
+        </p:nvPicPr>
+        <p:blipFill>
+          <a:blip r:embed="rId2" cstate="print">
+            <a:extLst>
+              <a:ext uri="{28A0092B-C50C-407E-A947-70E740481C1C}">
+                <a14:useLocalDpi xmlns:a14="http://schemas.microsoft.com/office/drawing/2010/main" val="0"/>
+              </a:ext>
+            </a:extLst>
+          </a:blip>
+          <a:stretch>
+            <a:fillRect/>
+          </a:stretch>
+        </p:blipFill>
+        <p:spPr>
+          <a:xfrm>
+            <a:off x="1952052" y="5074873"/>
+            <a:ext cx="1903852" cy="1496428"/>
+          </a:xfrm>
+          <a:prstGeom prst="rect">
+            <a:avLst/>
+          </a:prstGeom>
+        </p:spPr>
+      </p:pic>
     </p:spTree>
     <p:extLst>
       <p:ext uri="{BB962C8B-B14F-4D97-AF65-F5344CB8AC3E}">
@@ -10121,6 +10147,36 @@
           </a:p>
         </p:txBody>
       </p:sp>
+      <p:pic>
+        <p:nvPicPr>
+          <p:cNvPr id="5" name="Picture 4"/>
+          <p:cNvPicPr>
+            <a:picLocks noChangeAspect="1"/>
+          </p:cNvPicPr>
+          <p:nvPr/>
+        </p:nvPicPr>
+        <p:blipFill>
+          <a:blip r:embed="rId2">
+            <a:extLst>
+              <a:ext uri="{28A0092B-C50C-407E-A947-70E740481C1C}">
+                <a14:useLocalDpi xmlns:a14="http://schemas.microsoft.com/office/drawing/2010/main" val="0"/>
+              </a:ext>
+            </a:extLst>
+          </a:blip>
+          <a:stretch>
+            <a:fillRect/>
+          </a:stretch>
+        </p:blipFill>
+        <p:spPr>
+          <a:xfrm>
+            <a:off x="774701" y="2598930"/>
+            <a:ext cx="4266564" cy="2846962"/>
+          </a:xfrm>
+          <a:prstGeom prst="rect">
+            <a:avLst/>
+          </a:prstGeom>
+        </p:spPr>
+      </p:pic>
     </p:spTree>
     <p:extLst>
       <p:ext uri="{BB962C8B-B14F-4D97-AF65-F5344CB8AC3E}">

--- a/Verkefni3/kynning/Kynning.pptx
+++ b/Verkefni3/kynning/Kynning.pptx
@@ -7991,7 +7991,7 @@
       </p:sp>
       <p:pic>
         <p:nvPicPr>
-          <p:cNvPr id="4" name="Content Placeholder 3"/>
+          <p:cNvPr id="5" name="Content Placeholder 4"/>
           <p:cNvPicPr>
             <a:picLocks noGrp="1" noChangeAspect="1"/>
           </p:cNvPicPr>
@@ -8014,7 +8014,7 @@
         <p:spPr>
           <a:xfrm>
             <a:off x="0" y="0"/>
-            <a:ext cx="12192000" cy="7190670"/>
+            <a:ext cx="12190899" cy="6857999"/>
           </a:xfrm>
         </p:spPr>
       </p:pic>
@@ -8080,7 +8080,7 @@
       </p:sp>
       <p:pic>
         <p:nvPicPr>
-          <p:cNvPr id="4" name="Content Placeholder 3"/>
+          <p:cNvPr id="5" name="Content Placeholder 4"/>
           <p:cNvPicPr>
             <a:picLocks noGrp="1" noChangeAspect="1"/>
           </p:cNvPicPr>
@@ -8102,8 +8102,8 @@
         </p:blipFill>
         <p:spPr>
           <a:xfrm>
-            <a:off x="2173674" y="1905000"/>
-            <a:ext cx="9330938" cy="3710994"/>
+            <a:off x="915117" y="1905000"/>
+            <a:ext cx="10589495" cy="3566655"/>
           </a:xfrm>
         </p:spPr>
       </p:pic>
@@ -8787,15 +8787,6 @@
             <a:pPr marL="0" indent="0">
               <a:buNone/>
             </a:pPr>
-            <a:r>
-              <a:rPr lang="is-IS" dirty="0" smtClean="0"/>
-              <a:t>Í þessu verkefni skoðuðum við gagnasöfn frá World Bank. Okkur fannst spennandi að fá mikið af gögn um öll lönd (og heimsálfur) í heiminum og bera þau saman. Við tókum eftir áhugaverðum hlutum eins og raforkunotkun á hvern íbúa þar var Ísland í fyrsta sæti, tvöfalt meira en næsta þjóð.</a:t>
-            </a:r>
-          </a:p>
-          <a:p>
-            <a:pPr marL="0" indent="0">
-              <a:buNone/>
-            </a:pPr>
             <a:endParaRPr lang="is-IS" dirty="0"/>
           </a:p>
           <a:p>
@@ -8840,7 +8831,7 @@
         </p:blipFill>
         <p:spPr>
           <a:xfrm>
-            <a:off x="1952052" y="5074873"/>
+            <a:off x="1637286" y="4022411"/>
             <a:ext cx="1903852" cy="1496428"/>
           </a:xfrm>
           <a:prstGeom prst="rect">
@@ -9096,7 +9087,7 @@
         </p:blipFill>
         <p:spPr>
           <a:xfrm>
-            <a:off x="4166169" y="398554"/>
+            <a:off x="4142106" y="634965"/>
             <a:ext cx="5600132" cy="4309952"/>
           </a:xfrm>
           <a:prstGeom prst="rect">
@@ -9814,9 +9805,6 @@
           </a:bodyPr>
           <a:lstStyle/>
           <a:p>
-            <a:pPr marL="0" indent="0">
-              <a:buNone/>
-            </a:pPr>
             <a:r>
               <a:rPr lang="en-US" dirty="0"/>
               <a:t>Electric power consumption (kWh per capita</a:t>
@@ -9827,9 +9815,6 @@
             </a:r>
           </a:p>
           <a:p>
-            <a:pPr marL="0" indent="0">
-              <a:buNone/>
-            </a:pPr>
             <a:r>
               <a:rPr lang="en-US" dirty="0"/>
               <a:t>Health expenditure, total (% of GDP</a:t>
@@ -9840,9 +9825,6 @@
             </a:r>
           </a:p>
           <a:p>
-            <a:pPr marL="0" indent="0">
-              <a:buNone/>
-            </a:pPr>
             <a:r>
               <a:rPr lang="en-US" dirty="0"/>
               <a:t>Internet users (per 100 people</a:t>
@@ -9853,9 +9835,6 @@
             </a:r>
           </a:p>
           <a:p>
-            <a:pPr marL="0" indent="0">
-              <a:buNone/>
-            </a:pPr>
             <a:r>
               <a:rPr lang="en-US" dirty="0"/>
               <a:t>Life expectancy at birth, total (years</a:t>
@@ -9866,9 +9845,6 @@
             </a:r>
           </a:p>
           <a:p>
-            <a:pPr marL="0" indent="0">
-              <a:buNone/>
-            </a:pPr>
             <a:r>
               <a:rPr lang="en-US" dirty="0"/>
               <a:t>Long-term unemployment (% of total unemployment</a:t>
@@ -9879,9 +9855,6 @@
             </a:r>
           </a:p>
           <a:p>
-            <a:pPr marL="0" indent="0">
-              <a:buNone/>
-            </a:pPr>
             <a:r>
               <a:rPr lang="en-US" dirty="0"/>
               <a:t>Mortality rate, infant (per 1,000 live births</a:t>
@@ -9892,9 +9865,6 @@
             </a:r>
           </a:p>
           <a:p>
-            <a:pPr marL="0" indent="0">
-              <a:buNone/>
-            </a:pPr>
             <a:r>
               <a:rPr lang="en-US" dirty="0"/>
               <a:t>Public spending on education, total (% of GDP</a:t>
@@ -9905,9 +9875,6 @@
             </a:r>
           </a:p>
           <a:p>
-            <a:pPr marL="0" indent="0">
-              <a:buNone/>
-            </a:pPr>
             <a:r>
               <a:rPr lang="en-US" dirty="0"/>
               <a:t>Strength of legal rights index (0=weak to 12=strong</a:t>
@@ -9918,9 +9885,6 @@
             </a:r>
           </a:p>
           <a:p>
-            <a:pPr marL="0" indent="0">
-              <a:buNone/>
-            </a:pPr>
             <a:r>
               <a:rPr lang="en-US" dirty="0"/>
               <a:t>Tax revenue (% of GDP</a:t>
@@ -9931,9 +9895,6 @@
             </a:r>
           </a:p>
           <a:p>
-            <a:pPr marL="0" indent="0">
-              <a:buNone/>
-            </a:pPr>
             <a:r>
               <a:rPr lang="en-US" dirty="0"/>
               <a:t>Unemployment, total (% of total labor force)</a:t>
@@ -10190,7 +10151,326 @@
   <p:timing>
     <p:tnLst>
       <p:par>
-        <p:cTn id="1" dur="indefinite" restart="never" nodeType="tmRoot"/>
+        <p:cTn id="1" dur="indefinite" restart="never" nodeType="tmRoot">
+          <p:childTnLst>
+            <p:seq concurrent="1" nextAc="seek">
+              <p:cTn id="2" dur="indefinite" nodeType="mainSeq">
+                <p:childTnLst>
+                  <p:par>
+                    <p:cTn id="3" fill="hold">
+                      <p:stCondLst>
+                        <p:cond delay="indefinite"/>
+                      </p:stCondLst>
+                      <p:childTnLst>
+                        <p:par>
+                          <p:cTn id="4" fill="hold">
+                            <p:stCondLst>
+                              <p:cond delay="0"/>
+                            </p:stCondLst>
+                            <p:childTnLst>
+                              <p:par>
+                                <p:cTn id="5" presetID="26" presetClass="entr" presetSubtype="0" fill="hold" nodeType="clickEffect">
+                                  <p:stCondLst>
+                                    <p:cond delay="0"/>
+                                  </p:stCondLst>
+                                  <p:childTnLst>
+                                    <p:set>
+                                      <p:cBhvr>
+                                        <p:cTn id="6" dur="1" fill="hold">
+                                          <p:stCondLst>
+                                            <p:cond delay="0"/>
+                                          </p:stCondLst>
+                                        </p:cTn>
+                                        <p:tgtEl>
+                                          <p:spTgt spid="5"/>
+                                        </p:tgtEl>
+                                        <p:attrNameLst>
+                                          <p:attrName>style.visibility</p:attrName>
+                                        </p:attrNameLst>
+                                      </p:cBhvr>
+                                      <p:to>
+                                        <p:strVal val="visible"/>
+                                      </p:to>
+                                    </p:set>
+                                    <p:animEffect transition="in" filter="wipe(down)">
+                                      <p:cBhvr>
+                                        <p:cTn id="7" dur="580">
+                                          <p:stCondLst>
+                                            <p:cond delay="0"/>
+                                          </p:stCondLst>
+                                        </p:cTn>
+                                        <p:tgtEl>
+                                          <p:spTgt spid="5"/>
+                                        </p:tgtEl>
+                                      </p:cBhvr>
+                                    </p:animEffect>
+                                    <p:anim calcmode="lin" valueType="num">
+                                      <p:cBhvr>
+                                        <p:cTn id="8" dur="1822" tmFilter="0,0; 0.14,0.36; 0.43,0.73; 0.71,0.91; 1.0,1.0">
+                                          <p:stCondLst>
+                                            <p:cond delay="0"/>
+                                          </p:stCondLst>
+                                        </p:cTn>
+                                        <p:tgtEl>
+                                          <p:spTgt spid="5"/>
+                                        </p:tgtEl>
+                                        <p:attrNameLst>
+                                          <p:attrName>ppt_x</p:attrName>
+                                        </p:attrNameLst>
+                                      </p:cBhvr>
+                                      <p:tavLst>
+                                        <p:tav tm="0">
+                                          <p:val>
+                                            <p:strVal val="#ppt_x-0.25"/>
+                                          </p:val>
+                                        </p:tav>
+                                        <p:tav tm="100000">
+                                          <p:val>
+                                            <p:strVal val="#ppt_x"/>
+                                          </p:val>
+                                        </p:tav>
+                                      </p:tavLst>
+                                    </p:anim>
+                                    <p:anim calcmode="lin" valueType="num">
+                                      <p:cBhvr>
+                                        <p:cTn id="9" dur="664" tmFilter="0.0,0.0; 0.25,0.07; 0.50,0.2; 0.75,0.467; 1.0,1.0">
+                                          <p:stCondLst>
+                                            <p:cond delay="0"/>
+                                          </p:stCondLst>
+                                        </p:cTn>
+                                        <p:tgtEl>
+                                          <p:spTgt spid="5"/>
+                                        </p:tgtEl>
+                                        <p:attrNameLst>
+                                          <p:attrName>ppt_y</p:attrName>
+                                        </p:attrNameLst>
+                                      </p:cBhvr>
+                                      <p:tavLst>
+                                        <p:tav tm="0" fmla="#ppt_y-sin(pi*$)/3">
+                                          <p:val>
+                                            <p:fltVal val="0.5"/>
+                                          </p:val>
+                                        </p:tav>
+                                        <p:tav tm="100000">
+                                          <p:val>
+                                            <p:fltVal val="1"/>
+                                          </p:val>
+                                        </p:tav>
+                                      </p:tavLst>
+                                    </p:anim>
+                                    <p:anim calcmode="lin" valueType="num">
+                                      <p:cBhvr>
+                                        <p:cTn id="10" dur="664" tmFilter="0, 0; 0.125,0.2665; 0.25,0.4; 0.375,0.465; 0.5,0.5;  0.625,0.535; 0.75,0.6; 0.875,0.7335; 1,1">
+                                          <p:stCondLst>
+                                            <p:cond delay="664"/>
+                                          </p:stCondLst>
+                                        </p:cTn>
+                                        <p:tgtEl>
+                                          <p:spTgt spid="5"/>
+                                        </p:tgtEl>
+                                        <p:attrNameLst>
+                                          <p:attrName>ppt_y</p:attrName>
+                                        </p:attrNameLst>
+                                      </p:cBhvr>
+                                      <p:tavLst>
+                                        <p:tav tm="0" fmla="#ppt_y-sin(pi*$)/9">
+                                          <p:val>
+                                            <p:fltVal val="0"/>
+                                          </p:val>
+                                        </p:tav>
+                                        <p:tav tm="100000">
+                                          <p:val>
+                                            <p:fltVal val="1"/>
+                                          </p:val>
+                                        </p:tav>
+                                      </p:tavLst>
+                                    </p:anim>
+                                    <p:anim calcmode="lin" valueType="num">
+                                      <p:cBhvr>
+                                        <p:cTn id="11" dur="332" tmFilter="0, 0; 0.125,0.2665; 0.25,0.4; 0.375,0.465; 0.5,0.5;  0.625,0.535; 0.75,0.6; 0.875,0.7335; 1,1">
+                                          <p:stCondLst>
+                                            <p:cond delay="1324"/>
+                                          </p:stCondLst>
+                                        </p:cTn>
+                                        <p:tgtEl>
+                                          <p:spTgt spid="5"/>
+                                        </p:tgtEl>
+                                        <p:attrNameLst>
+                                          <p:attrName>ppt_y</p:attrName>
+                                        </p:attrNameLst>
+                                      </p:cBhvr>
+                                      <p:tavLst>
+                                        <p:tav tm="0" fmla="#ppt_y-sin(pi*$)/27">
+                                          <p:val>
+                                            <p:fltVal val="0"/>
+                                          </p:val>
+                                        </p:tav>
+                                        <p:tav tm="100000">
+                                          <p:val>
+                                            <p:fltVal val="1"/>
+                                          </p:val>
+                                        </p:tav>
+                                      </p:tavLst>
+                                    </p:anim>
+                                    <p:anim calcmode="lin" valueType="num">
+                                      <p:cBhvr>
+                                        <p:cTn id="12" dur="164" tmFilter="0, 0; 0.125,0.2665; 0.25,0.4; 0.375,0.465; 0.5,0.5;  0.625,0.535; 0.75,0.6; 0.875,0.7335; 1,1">
+                                          <p:stCondLst>
+                                            <p:cond delay="1656"/>
+                                          </p:stCondLst>
+                                        </p:cTn>
+                                        <p:tgtEl>
+                                          <p:spTgt spid="5"/>
+                                        </p:tgtEl>
+                                        <p:attrNameLst>
+                                          <p:attrName>ppt_y</p:attrName>
+                                        </p:attrNameLst>
+                                      </p:cBhvr>
+                                      <p:tavLst>
+                                        <p:tav tm="0" fmla="#ppt_y-sin(pi*$)/81">
+                                          <p:val>
+                                            <p:fltVal val="0"/>
+                                          </p:val>
+                                        </p:tav>
+                                        <p:tav tm="100000">
+                                          <p:val>
+                                            <p:fltVal val="1"/>
+                                          </p:val>
+                                        </p:tav>
+                                      </p:tavLst>
+                                    </p:anim>
+                                    <p:animScale>
+                                      <p:cBhvr>
+                                        <p:cTn id="13" dur="26">
+                                          <p:stCondLst>
+                                            <p:cond delay="650"/>
+                                          </p:stCondLst>
+                                        </p:cTn>
+                                        <p:tgtEl>
+                                          <p:spTgt spid="5"/>
+                                        </p:tgtEl>
+                                      </p:cBhvr>
+                                      <p:to x="100000" y="60000"/>
+                                    </p:animScale>
+                                    <p:animScale>
+                                      <p:cBhvr>
+                                        <p:cTn id="14" dur="166" decel="50000">
+                                          <p:stCondLst>
+                                            <p:cond delay="676"/>
+                                          </p:stCondLst>
+                                        </p:cTn>
+                                        <p:tgtEl>
+                                          <p:spTgt spid="5"/>
+                                        </p:tgtEl>
+                                      </p:cBhvr>
+                                      <p:to x="100000" y="100000"/>
+                                    </p:animScale>
+                                    <p:animScale>
+                                      <p:cBhvr>
+                                        <p:cTn id="15" dur="26">
+                                          <p:stCondLst>
+                                            <p:cond delay="1312"/>
+                                          </p:stCondLst>
+                                        </p:cTn>
+                                        <p:tgtEl>
+                                          <p:spTgt spid="5"/>
+                                        </p:tgtEl>
+                                      </p:cBhvr>
+                                      <p:to x="100000" y="80000"/>
+                                    </p:animScale>
+                                    <p:animScale>
+                                      <p:cBhvr>
+                                        <p:cTn id="16" dur="166" decel="50000">
+                                          <p:stCondLst>
+                                            <p:cond delay="1338"/>
+                                          </p:stCondLst>
+                                        </p:cTn>
+                                        <p:tgtEl>
+                                          <p:spTgt spid="5"/>
+                                        </p:tgtEl>
+                                      </p:cBhvr>
+                                      <p:to x="100000" y="100000"/>
+                                    </p:animScale>
+                                    <p:animScale>
+                                      <p:cBhvr>
+                                        <p:cTn id="17" dur="26">
+                                          <p:stCondLst>
+                                            <p:cond delay="1642"/>
+                                          </p:stCondLst>
+                                        </p:cTn>
+                                        <p:tgtEl>
+                                          <p:spTgt spid="5"/>
+                                        </p:tgtEl>
+                                      </p:cBhvr>
+                                      <p:to x="100000" y="90000"/>
+                                    </p:animScale>
+                                    <p:animScale>
+                                      <p:cBhvr>
+                                        <p:cTn id="18" dur="166" decel="50000">
+                                          <p:stCondLst>
+                                            <p:cond delay="1668"/>
+                                          </p:stCondLst>
+                                        </p:cTn>
+                                        <p:tgtEl>
+                                          <p:spTgt spid="5"/>
+                                        </p:tgtEl>
+                                      </p:cBhvr>
+                                      <p:to x="100000" y="100000"/>
+                                    </p:animScale>
+                                    <p:animScale>
+                                      <p:cBhvr>
+                                        <p:cTn id="19" dur="26">
+                                          <p:stCondLst>
+                                            <p:cond delay="1808"/>
+                                          </p:stCondLst>
+                                        </p:cTn>
+                                        <p:tgtEl>
+                                          <p:spTgt spid="5"/>
+                                        </p:tgtEl>
+                                      </p:cBhvr>
+                                      <p:to x="100000" y="95000"/>
+                                    </p:animScale>
+                                    <p:animScale>
+                                      <p:cBhvr>
+                                        <p:cTn id="20" dur="166" decel="50000">
+                                          <p:stCondLst>
+                                            <p:cond delay="1834"/>
+                                          </p:stCondLst>
+                                        </p:cTn>
+                                        <p:tgtEl>
+                                          <p:spTgt spid="5"/>
+                                        </p:tgtEl>
+                                      </p:cBhvr>
+                                      <p:to x="100000" y="100000"/>
+                                    </p:animScale>
+                                  </p:childTnLst>
+                                </p:cTn>
+                              </p:par>
+                            </p:childTnLst>
+                          </p:cTn>
+                        </p:par>
+                      </p:childTnLst>
+                    </p:cTn>
+                  </p:par>
+                </p:childTnLst>
+              </p:cTn>
+              <p:prevCondLst>
+                <p:cond evt="onPrev" delay="0">
+                  <p:tgtEl>
+                    <p:sldTgt/>
+                  </p:tgtEl>
+                </p:cond>
+              </p:prevCondLst>
+              <p:nextCondLst>
+                <p:cond evt="onNext" delay="0">
+                  <p:tgtEl>
+                    <p:sldTgt/>
+                  </p:tgtEl>
+                </p:cond>
+              </p:nextCondLst>
+            </p:seq>
+          </p:childTnLst>
+        </p:cTn>
       </p:par>
     </p:tnLst>
   </p:timing>
@@ -10247,7 +10527,12 @@
             <p:ph idx="1"/>
           </p:nvPr>
         </p:nvSpPr>
-        <p:spPr/>
+        <p:spPr>
+          <a:xfrm>
+            <a:off x="1724916" y="1944337"/>
+            <a:ext cx="8915400" cy="3777622"/>
+          </a:xfrm>
+        </p:spPr>
         <p:txBody>
           <a:bodyPr>
             <a:normAutofit fontScale="70000" lnSpcReduction="20000"/>
@@ -10287,7 +10572,7 @@
             </a:pPr>
             <a:r>
               <a:rPr lang="en-US" dirty="0"/>
-              <a:t>Iceland 0.5154</a:t>
+              <a:t>Iceland 0.4254</a:t>
             </a:r>
           </a:p>
           <a:p>
@@ -10297,7 +10582,7 @@
             </a:pPr>
             <a:r>
               <a:rPr lang="en-US" dirty="0"/>
-              <a:t>United States 0.4557</a:t>
+              <a:t>Denmark 0.3651</a:t>
             </a:r>
           </a:p>
           <a:p>
@@ -10307,7 +10592,7 @@
             </a:pPr>
             <a:r>
               <a:rPr lang="en-US" dirty="0"/>
-              <a:t>North America 0.4283</a:t>
+              <a:t>United States 0.3447</a:t>
             </a:r>
           </a:p>
           <a:p>
@@ -10317,7 +10602,7 @@
             </a:pPr>
             <a:r>
               <a:rPr lang="en-US" dirty="0"/>
-              <a:t>New Zealand 0.4081</a:t>
+              <a:t>Norway 0.3435</a:t>
             </a:r>
           </a:p>
           <a:p>
@@ -10327,7 +10612,7 @@
             </a:pPr>
             <a:r>
               <a:rPr lang="en-US" dirty="0"/>
-              <a:t>Denmark 0.4017</a:t>
+              <a:t>United Kingdom 0.3295</a:t>
             </a:r>
           </a:p>
           <a:p>
@@ -10337,7 +10622,7 @@
             </a:pPr>
             <a:r>
               <a:rPr lang="en-US" dirty="0"/>
-              <a:t>Norway 0.3947</a:t>
+              <a:t>New Zealand 0.3273</a:t>
             </a:r>
           </a:p>
           <a:p>
@@ -10347,7 +10632,7 @@
             </a:pPr>
             <a:r>
               <a:rPr lang="en-US" dirty="0"/>
-              <a:t>Australia 0.3758</a:t>
+              <a:t>North America 0.3229</a:t>
             </a:r>
           </a:p>
           <a:p>
@@ -10357,7 +10642,7 @@
             </a:pPr>
             <a:r>
               <a:rPr lang="en-US" dirty="0"/>
-              <a:t>United Kingdom 0.3721</a:t>
+              <a:t>Germany 0.3209</a:t>
             </a:r>
           </a:p>
           <a:p>
@@ -10367,7 +10652,7 @@
             </a:pPr>
             <a:r>
               <a:rPr lang="en-US" dirty="0"/>
-              <a:t>Germany 0.369</a:t>
+              <a:t>Finland 0.3189</a:t>
             </a:r>
           </a:p>
           <a:p>
@@ -10377,7 +10662,7 @@
             </a:pPr>
             <a:r>
               <a:rPr lang="en-US" dirty="0"/>
-              <a:t>Finland 0.3669</a:t>
+              <a:t>Sweden 0.3107</a:t>
             </a:r>
             <a:endParaRPr lang="is-IS" dirty="0"/>
           </a:p>

--- a/Verkefni3/kynning/Kynning.pptx
+++ b/Verkefni3/kynning/Kynning.pptx
@@ -7,18 +7,18 @@
   <p:sldIdLst>
     <p:sldId id="256" r:id="rId2"/>
     <p:sldId id="257" r:id="rId3"/>
-    <p:sldId id="268" r:id="rId4"/>
-    <p:sldId id="267" r:id="rId5"/>
-    <p:sldId id="263" r:id="rId6"/>
-    <p:sldId id="264" r:id="rId7"/>
-    <p:sldId id="269" r:id="rId8"/>
-    <p:sldId id="270" r:id="rId9"/>
-    <p:sldId id="259" r:id="rId10"/>
-    <p:sldId id="265" r:id="rId11"/>
-    <p:sldId id="266" r:id="rId12"/>
-    <p:sldId id="258" r:id="rId13"/>
-    <p:sldId id="261" r:id="rId14"/>
-    <p:sldId id="262" r:id="rId15"/>
+    <p:sldId id="267" r:id="rId4"/>
+    <p:sldId id="263" r:id="rId5"/>
+    <p:sldId id="264" r:id="rId6"/>
+    <p:sldId id="265" r:id="rId7"/>
+    <p:sldId id="266" r:id="rId8"/>
+    <p:sldId id="258" r:id="rId9"/>
+    <p:sldId id="261" r:id="rId10"/>
+    <p:sldId id="262" r:id="rId11"/>
+    <p:sldId id="268" r:id="rId12"/>
+    <p:sldId id="269" r:id="rId13"/>
+    <p:sldId id="270" r:id="rId14"/>
+    <p:sldId id="259" r:id="rId15"/>
     <p:sldId id="260" r:id="rId16"/>
   </p:sldIdLst>
   <p:sldSz cx="12192000" cy="6858000"/>
@@ -7796,507 +7796,6 @@
           <a:lstStyle/>
           <a:p>
             <a:r>
-              <a:rPr lang="is-IS" dirty="0" smtClean="0"/>
-              <a:t>Áhugaverð Gröf</a:t>
-            </a:r>
-            <a:endParaRPr lang="is-IS" dirty="0"/>
-          </a:p>
-        </p:txBody>
-      </p:sp>
-      <p:sp>
-        <p:nvSpPr>
-          <p:cNvPr id="3" name="Content Placeholder 2"/>
-          <p:cNvSpPr>
-            <a:spLocks noGrp="1"/>
-          </p:cNvSpPr>
-          <p:nvPr>
-            <p:ph idx="1"/>
-          </p:nvPr>
-        </p:nvSpPr>
-        <p:spPr>
-          <a:xfrm>
-            <a:off x="2589212" y="2133600"/>
-            <a:ext cx="3895515" cy="3777622"/>
-          </a:xfrm>
-        </p:spPr>
-        <p:txBody>
-          <a:bodyPr/>
-          <a:lstStyle/>
-          <a:p>
-            <a:r>
-              <a:rPr lang="is-IS" dirty="0" smtClean="0"/>
-              <a:t>Öllu gögn frá WorldBank eru lesin inn og hægt er að skoða hvern „vísi“ fyrir hvert land</a:t>
-            </a:r>
-            <a:endParaRPr lang="is-IS" dirty="0"/>
-          </a:p>
-        </p:txBody>
-      </p:sp>
-      <p:pic>
-        <p:nvPicPr>
-          <p:cNvPr id="5" name="Picture 4"/>
-          <p:cNvPicPr>
-            <a:picLocks noChangeAspect="1"/>
-          </p:cNvPicPr>
-          <p:nvPr/>
-        </p:nvPicPr>
-        <p:blipFill>
-          <a:blip r:embed="rId2">
-            <a:extLst>
-              <a:ext uri="{28A0092B-C50C-407E-A947-70E740481C1C}">
-                <a14:useLocalDpi xmlns:a14="http://schemas.microsoft.com/office/drawing/2010/main" val="0"/>
-              </a:ext>
-            </a:extLst>
-          </a:blip>
-          <a:stretch>
-            <a:fillRect/>
-          </a:stretch>
-        </p:blipFill>
-        <p:spPr>
-          <a:xfrm>
-            <a:off x="5582300" y="4248186"/>
-            <a:ext cx="2932935" cy="1753019"/>
-          </a:xfrm>
-          <a:prstGeom prst="rect">
-            <a:avLst/>
-          </a:prstGeom>
-        </p:spPr>
-      </p:pic>
-      <p:pic>
-        <p:nvPicPr>
-          <p:cNvPr id="6" name="Picture 5"/>
-          <p:cNvPicPr>
-            <a:picLocks noChangeAspect="1"/>
-          </p:cNvPicPr>
-          <p:nvPr/>
-        </p:nvPicPr>
-        <p:blipFill>
-          <a:blip r:embed="rId3">
-            <a:extLst>
-              <a:ext uri="{28A0092B-C50C-407E-A947-70E740481C1C}">
-                <a14:useLocalDpi xmlns:a14="http://schemas.microsoft.com/office/drawing/2010/main" val="0"/>
-              </a:ext>
-            </a:extLst>
-          </a:blip>
-          <a:stretch>
-            <a:fillRect/>
-          </a:stretch>
-        </p:blipFill>
-        <p:spPr>
-          <a:xfrm>
-            <a:off x="8832436" y="1370219"/>
-            <a:ext cx="2514600" cy="4629150"/>
-          </a:xfrm>
-          <a:prstGeom prst="rect">
-            <a:avLst/>
-          </a:prstGeom>
-        </p:spPr>
-      </p:pic>
-      <p:pic>
-        <p:nvPicPr>
-          <p:cNvPr id="7" name="Picture 6"/>
-          <p:cNvPicPr>
-            <a:picLocks noChangeAspect="1"/>
-          </p:cNvPicPr>
-          <p:nvPr/>
-        </p:nvPicPr>
-        <p:blipFill>
-          <a:blip r:embed="rId4" cstate="print">
-            <a:extLst>
-              <a:ext uri="{28A0092B-C50C-407E-A947-70E740481C1C}">
-                <a14:useLocalDpi xmlns:a14="http://schemas.microsoft.com/office/drawing/2010/main" val="0"/>
-              </a:ext>
-            </a:extLst>
-          </a:blip>
-          <a:stretch>
-            <a:fillRect/>
-          </a:stretch>
-        </p:blipFill>
-        <p:spPr>
-          <a:xfrm>
-            <a:off x="2295914" y="4248186"/>
-            <a:ext cx="2969185" cy="1751183"/>
-          </a:xfrm>
-          <a:prstGeom prst="rect">
-            <a:avLst/>
-          </a:prstGeom>
-        </p:spPr>
-      </p:pic>
-    </p:spTree>
-    <p:extLst>
-      <p:ext uri="{BB962C8B-B14F-4D97-AF65-F5344CB8AC3E}">
-        <p14:creationId xmlns:p14="http://schemas.microsoft.com/office/powerpoint/2010/main" val="1428249607"/>
-      </p:ext>
-    </p:extLst>
-  </p:cSld>
-  <p:clrMapOvr>
-    <a:masterClrMapping/>
-  </p:clrMapOvr>
-  <mc:AlternateContent xmlns:mc="http://schemas.openxmlformats.org/markup-compatibility/2006" xmlns:p14="http://schemas.microsoft.com/office/powerpoint/2010/main">
-    <mc:Choice Requires="p14">
-      <p:transition spd="slow" p14:dur="1500">
-        <p:split orient="vert"/>
-      </p:transition>
-    </mc:Choice>
-    <mc:Fallback xmlns="">
-      <p:transition spd="slow">
-        <p:split orient="vert"/>
-      </p:transition>
-    </mc:Fallback>
-  </mc:AlternateContent>
-  <p:timing>
-    <p:tnLst>
-      <p:par>
-        <p:cTn id="1" dur="indefinite" restart="never" nodeType="tmRoot"/>
-      </p:par>
-    </p:tnLst>
-  </p:timing>
-</p:sld>
-</file>
-
-<file path=ppt/slides/slide11.xml><?xml version="1.0" encoding="utf-8"?>
-<p:sld xmlns:a="http://schemas.openxmlformats.org/drawingml/2006/main" xmlns:r="http://schemas.openxmlformats.org/officeDocument/2006/relationships" xmlns:p="http://schemas.openxmlformats.org/presentationml/2006/main">
-  <p:cSld>
-    <p:spTree>
-      <p:nvGrpSpPr>
-        <p:cNvPr id="1" name=""/>
-        <p:cNvGrpSpPr/>
-        <p:nvPr/>
-      </p:nvGrpSpPr>
-      <p:grpSpPr>
-        <a:xfrm>
-          <a:off x="0" y="0"/>
-          <a:ext cx="0" cy="0"/>
-          <a:chOff x="0" y="0"/>
-          <a:chExt cx="0" cy="0"/>
-        </a:xfrm>
-      </p:grpSpPr>
-      <p:sp>
-        <p:nvSpPr>
-          <p:cNvPr id="2" name="Title 1"/>
-          <p:cNvSpPr>
-            <a:spLocks noGrp="1"/>
-          </p:cNvSpPr>
-          <p:nvPr>
-            <p:ph type="title"/>
-          </p:nvPr>
-        </p:nvSpPr>
-        <p:spPr/>
-        <p:txBody>
-          <a:bodyPr/>
-          <a:lstStyle/>
-          <a:p>
-            <a:endParaRPr lang="en-GB"/>
-          </a:p>
-        </p:txBody>
-      </p:sp>
-      <p:pic>
-        <p:nvPicPr>
-          <p:cNvPr id="5" name="Content Placeholder 4"/>
-          <p:cNvPicPr>
-            <a:picLocks noGrp="1" noChangeAspect="1"/>
-          </p:cNvPicPr>
-          <p:nvPr>
-            <p:ph idx="1"/>
-          </p:nvPr>
-        </p:nvPicPr>
-        <p:blipFill>
-          <a:blip r:embed="rId2">
-            <a:extLst>
-              <a:ext uri="{28A0092B-C50C-407E-A947-70E740481C1C}">
-                <a14:useLocalDpi xmlns:a14="http://schemas.microsoft.com/office/drawing/2010/main" val="0"/>
-              </a:ext>
-            </a:extLst>
-          </a:blip>
-          <a:stretch>
-            <a:fillRect/>
-          </a:stretch>
-        </p:blipFill>
-        <p:spPr>
-          <a:xfrm>
-            <a:off x="0" y="0"/>
-            <a:ext cx="12190899" cy="6857999"/>
-          </a:xfrm>
-        </p:spPr>
-      </p:pic>
-    </p:spTree>
-    <p:extLst>
-      <p:ext uri="{BB962C8B-B14F-4D97-AF65-F5344CB8AC3E}">
-        <p14:creationId xmlns:p14="http://schemas.microsoft.com/office/powerpoint/2010/main" val="3560646934"/>
-      </p:ext>
-    </p:extLst>
-  </p:cSld>
-  <p:clrMapOvr>
-    <a:masterClrMapping/>
-  </p:clrMapOvr>
-  <p:timing>
-    <p:tnLst>
-      <p:par>
-        <p:cTn id="1" dur="indefinite" restart="never" nodeType="tmRoot"/>
-      </p:par>
-    </p:tnLst>
-  </p:timing>
-</p:sld>
-</file>
-
-<file path=ppt/slides/slide12.xml><?xml version="1.0" encoding="utf-8"?>
-<p:sld xmlns:a="http://schemas.openxmlformats.org/drawingml/2006/main" xmlns:r="http://schemas.openxmlformats.org/officeDocument/2006/relationships" xmlns:p="http://schemas.openxmlformats.org/presentationml/2006/main">
-  <p:cSld>
-    <p:spTree>
-      <p:nvGrpSpPr>
-        <p:cNvPr id="1" name=""/>
-        <p:cNvGrpSpPr/>
-        <p:nvPr/>
-      </p:nvGrpSpPr>
-      <p:grpSpPr>
-        <a:xfrm>
-          <a:off x="0" y="0"/>
-          <a:ext cx="0" cy="0"/>
-          <a:chOff x="0" y="0"/>
-          <a:chExt cx="0" cy="0"/>
-        </a:xfrm>
-      </p:grpSpPr>
-      <p:sp>
-        <p:nvSpPr>
-          <p:cNvPr id="2" name="Title 1"/>
-          <p:cNvSpPr>
-            <a:spLocks noGrp="1"/>
-          </p:cNvSpPr>
-          <p:nvPr>
-            <p:ph type="title"/>
-          </p:nvPr>
-        </p:nvSpPr>
-        <p:spPr/>
-        <p:txBody>
-          <a:bodyPr/>
-          <a:lstStyle/>
-          <a:p>
-            <a:r>
-              <a:rPr lang="is-IS" dirty="0" smtClean="0"/>
-              <a:t>Áhugavert</a:t>
-            </a:r>
-            <a:endParaRPr lang="is-IS" dirty="0"/>
-          </a:p>
-        </p:txBody>
-      </p:sp>
-      <p:pic>
-        <p:nvPicPr>
-          <p:cNvPr id="5" name="Content Placeholder 4"/>
-          <p:cNvPicPr>
-            <a:picLocks noGrp="1" noChangeAspect="1"/>
-          </p:cNvPicPr>
-          <p:nvPr>
-            <p:ph idx="1"/>
-          </p:nvPr>
-        </p:nvPicPr>
-        <p:blipFill>
-          <a:blip r:embed="rId2">
-            <a:extLst>
-              <a:ext uri="{28A0092B-C50C-407E-A947-70E740481C1C}">
-                <a14:useLocalDpi xmlns:a14="http://schemas.microsoft.com/office/drawing/2010/main" val="0"/>
-              </a:ext>
-            </a:extLst>
-          </a:blip>
-          <a:stretch>
-            <a:fillRect/>
-          </a:stretch>
-        </p:blipFill>
-        <p:spPr>
-          <a:xfrm>
-            <a:off x="915117" y="1905000"/>
-            <a:ext cx="10589495" cy="3566655"/>
-          </a:xfrm>
-        </p:spPr>
-      </p:pic>
-    </p:spTree>
-    <p:extLst>
-      <p:ext uri="{BB962C8B-B14F-4D97-AF65-F5344CB8AC3E}">
-        <p14:creationId xmlns:p14="http://schemas.microsoft.com/office/powerpoint/2010/main" val="821489740"/>
-      </p:ext>
-    </p:extLst>
-  </p:cSld>
-  <p:clrMapOvr>
-    <a:masterClrMapping/>
-  </p:clrMapOvr>
-  <mc:AlternateContent xmlns:mc="http://schemas.openxmlformats.org/markup-compatibility/2006" xmlns:p15="http://schemas.microsoft.com/office/powerpoint/2012/main">
-    <mc:Choice Requires="p15">
-      <p:transition xmlns:p14="http://schemas.microsoft.com/office/powerpoint/2010/main" spd="slow" p14:dur="2000">
-        <p15:prstTrans prst="fallOver"/>
-      </p:transition>
-    </mc:Choice>
-    <mc:Fallback xmlns="">
-      <p:transition spd="slow">
-        <p:fade/>
-      </p:transition>
-    </mc:Fallback>
-  </mc:AlternateContent>
-  <p:timing>
-    <p:tnLst>
-      <p:par>
-        <p:cTn id="1" dur="indefinite" restart="never" nodeType="tmRoot"/>
-      </p:par>
-    </p:tnLst>
-  </p:timing>
-</p:sld>
-</file>
-
-<file path=ppt/slides/slide13.xml><?xml version="1.0" encoding="utf-8"?>
-<p:sld xmlns:a="http://schemas.openxmlformats.org/drawingml/2006/main" xmlns:r="http://schemas.openxmlformats.org/officeDocument/2006/relationships" xmlns:p="http://schemas.openxmlformats.org/presentationml/2006/main">
-  <p:cSld>
-    <p:spTree>
-      <p:nvGrpSpPr>
-        <p:cNvPr id="1" name=""/>
-        <p:cNvGrpSpPr/>
-        <p:nvPr/>
-      </p:nvGrpSpPr>
-      <p:grpSpPr>
-        <a:xfrm>
-          <a:off x="0" y="0"/>
-          <a:ext cx="0" cy="0"/>
-          <a:chOff x="0" y="0"/>
-          <a:chExt cx="0" cy="0"/>
-        </a:xfrm>
-      </p:grpSpPr>
-      <p:sp>
-        <p:nvSpPr>
-          <p:cNvPr id="2" name="Title 1"/>
-          <p:cNvSpPr>
-            <a:spLocks noGrp="1"/>
-          </p:cNvSpPr>
-          <p:nvPr>
-            <p:ph type="title"/>
-          </p:nvPr>
-        </p:nvSpPr>
-        <p:spPr/>
-        <p:txBody>
-          <a:bodyPr/>
-          <a:lstStyle/>
-          <a:p>
-            <a:r>
-              <a:rPr lang="is-IS" dirty="0" smtClean="0"/>
-              <a:t>Topp tíu listi</a:t>
-            </a:r>
-            <a:endParaRPr lang="is-IS" dirty="0"/>
-          </a:p>
-        </p:txBody>
-      </p:sp>
-      <p:sp>
-        <p:nvSpPr>
-          <p:cNvPr id="3" name="Content Placeholder 2"/>
-          <p:cNvSpPr>
-            <a:spLocks noGrp="1"/>
-          </p:cNvSpPr>
-          <p:nvPr>
-            <p:ph idx="1"/>
-          </p:nvPr>
-        </p:nvSpPr>
-        <p:spPr/>
-        <p:txBody>
-          <a:bodyPr/>
-          <a:lstStyle/>
-          <a:p>
-            <a:r>
-              <a:rPr lang="is-IS" dirty="0" smtClean="0"/>
-              <a:t>Hægt er að velja viðfangsefni eins og t.d. „Fertility Rate“ eða „Life expectancy at birth“ og fá lista yfir þau lönd sem lenda hæst á þeim lista.</a:t>
-            </a:r>
-            <a:endParaRPr lang="is-IS" dirty="0"/>
-          </a:p>
-        </p:txBody>
-      </p:sp>
-      <p:pic>
-        <p:nvPicPr>
-          <p:cNvPr id="4" name="Picture 3"/>
-          <p:cNvPicPr>
-            <a:picLocks noChangeAspect="1"/>
-          </p:cNvPicPr>
-          <p:nvPr/>
-        </p:nvPicPr>
-        <p:blipFill>
-          <a:blip r:embed="rId2">
-            <a:extLst>
-              <a:ext uri="{28A0092B-C50C-407E-A947-70E740481C1C}">
-                <a14:useLocalDpi xmlns:a14="http://schemas.microsoft.com/office/drawing/2010/main" val="0"/>
-              </a:ext>
-            </a:extLst>
-          </a:blip>
-          <a:stretch>
-            <a:fillRect/>
-          </a:stretch>
-        </p:blipFill>
-        <p:spPr>
-          <a:xfrm>
-            <a:off x="2589212" y="2931903"/>
-            <a:ext cx="8915400" cy="3750991"/>
-          </a:xfrm>
-          <a:prstGeom prst="rect">
-            <a:avLst/>
-          </a:prstGeom>
-        </p:spPr>
-      </p:pic>
-    </p:spTree>
-    <p:extLst>
-      <p:ext uri="{BB962C8B-B14F-4D97-AF65-F5344CB8AC3E}">
-        <p14:creationId xmlns:p14="http://schemas.microsoft.com/office/powerpoint/2010/main" val="1288756868"/>
-      </p:ext>
-    </p:extLst>
-  </p:cSld>
-  <p:clrMapOvr>
-    <a:masterClrMapping/>
-  </p:clrMapOvr>
-  <mc:AlternateContent xmlns:mc="http://schemas.openxmlformats.org/markup-compatibility/2006" xmlns:p14="http://schemas.microsoft.com/office/powerpoint/2010/main">
-    <mc:Choice Requires="p14">
-      <p:transition spd="slow">
-        <p14:flash/>
-      </p:transition>
-    </mc:Choice>
-    <mc:Fallback xmlns="">
-      <p:transition spd="slow">
-        <p:fade/>
-      </p:transition>
-    </mc:Fallback>
-  </mc:AlternateContent>
-  <p:timing>
-    <p:tnLst>
-      <p:par>
-        <p:cTn id="1" dur="indefinite" restart="never" nodeType="tmRoot"/>
-      </p:par>
-    </p:tnLst>
-  </p:timing>
-</p:sld>
-</file>
-
-<file path=ppt/slides/slide14.xml><?xml version="1.0" encoding="utf-8"?>
-<p:sld xmlns:a="http://schemas.openxmlformats.org/drawingml/2006/main" xmlns:r="http://schemas.openxmlformats.org/officeDocument/2006/relationships" xmlns:p="http://schemas.openxmlformats.org/presentationml/2006/main">
-  <p:cSld>
-    <p:spTree>
-      <p:nvGrpSpPr>
-        <p:cNvPr id="1" name=""/>
-        <p:cNvGrpSpPr/>
-        <p:nvPr/>
-      </p:nvGrpSpPr>
-      <p:grpSpPr>
-        <a:xfrm>
-          <a:off x="0" y="0"/>
-          <a:ext cx="0" cy="0"/>
-          <a:chOff x="0" y="0"/>
-          <a:chExt cx="0" cy="0"/>
-        </a:xfrm>
-      </p:grpSpPr>
-      <p:sp>
-        <p:nvSpPr>
-          <p:cNvPr id="2" name="Title 1"/>
-          <p:cNvSpPr>
-            <a:spLocks noGrp="1"/>
-          </p:cNvSpPr>
-          <p:nvPr>
-            <p:ph type="title"/>
-          </p:nvPr>
-        </p:nvSpPr>
-        <p:spPr/>
-        <p:txBody>
-          <a:bodyPr/>
-          <a:lstStyle/>
-          <a:p>
-            <a:r>
               <a:rPr lang="is-IS" dirty="0"/>
               <a:t>Topp tíu listi</a:t>
             </a:r>
@@ -8603,275 +8102,7 @@
 </p:sld>
 </file>
 
-<file path=ppt/slides/slide15.xml><?xml version="1.0" encoding="utf-8"?>
-<p:sld xmlns:a="http://schemas.openxmlformats.org/drawingml/2006/main" xmlns:r="http://schemas.openxmlformats.org/officeDocument/2006/relationships" xmlns:p="http://schemas.openxmlformats.org/presentationml/2006/main">
-  <p:cSld>
-    <p:spTree>
-      <p:nvGrpSpPr>
-        <p:cNvPr id="1" name=""/>
-        <p:cNvGrpSpPr/>
-        <p:nvPr/>
-      </p:nvGrpSpPr>
-      <p:grpSpPr>
-        <a:xfrm>
-          <a:off x="0" y="0"/>
-          <a:ext cx="0" cy="0"/>
-          <a:chOff x="0" y="0"/>
-          <a:chExt cx="0" cy="0"/>
-        </a:xfrm>
-      </p:grpSpPr>
-      <p:sp>
-        <p:nvSpPr>
-          <p:cNvPr id="4" name="Title 3"/>
-          <p:cNvSpPr>
-            <a:spLocks noGrp="1"/>
-          </p:cNvSpPr>
-          <p:nvPr>
-            <p:ph type="title"/>
-          </p:nvPr>
-        </p:nvSpPr>
-        <p:spPr/>
-        <p:txBody>
-          <a:bodyPr/>
-          <a:lstStyle/>
-          <a:p>
-            <a:pPr algn="ctr"/>
-            <a:r>
-              <a:rPr lang="is-IS" dirty="0" smtClean="0"/>
-              <a:t>Takk fyrir okkur</a:t>
-            </a:r>
-            <a:endParaRPr lang="is-IS" dirty="0"/>
-          </a:p>
-        </p:txBody>
-      </p:sp>
-      <p:sp>
-        <p:nvSpPr>
-          <p:cNvPr id="5" name="Text Placeholder 4"/>
-          <p:cNvSpPr>
-            <a:spLocks noGrp="1"/>
-          </p:cNvSpPr>
-          <p:nvPr>
-            <p:ph type="body" idx="1"/>
-          </p:nvPr>
-        </p:nvSpPr>
-        <p:spPr/>
-        <p:txBody>
-          <a:bodyPr/>
-          <a:lstStyle/>
-          <a:p>
-            <a:pPr algn="ctr"/>
-            <a:endParaRPr lang="is-IS" dirty="0"/>
-          </a:p>
-        </p:txBody>
-      </p:sp>
-    </p:spTree>
-    <p:extLst>
-      <p:ext uri="{BB962C8B-B14F-4D97-AF65-F5344CB8AC3E}">
-        <p14:creationId xmlns:p14="http://schemas.microsoft.com/office/powerpoint/2010/main" val="407384379"/>
-      </p:ext>
-    </p:extLst>
-  </p:cSld>
-  <p:clrMapOvr>
-    <a:masterClrMapping/>
-  </p:clrMapOvr>
-  <mc:AlternateContent xmlns:mc="http://schemas.openxmlformats.org/markup-compatibility/2006" xmlns:p15="http://schemas.microsoft.com/office/powerpoint/2012/main">
-    <mc:Choice Requires="p15">
-      <p:transition xmlns:p14="http://schemas.microsoft.com/office/powerpoint/2010/main" spd="slow" p14:dur="2000">
-        <p15:prstTrans prst="wind"/>
-      </p:transition>
-    </mc:Choice>
-    <mc:Fallback xmlns="">
-      <p:transition spd="slow">
-        <p:fade/>
-      </p:transition>
-    </mc:Fallback>
-  </mc:AlternateContent>
-  <p:timing>
-    <p:tnLst>
-      <p:par>
-        <p:cTn id="1" dur="indefinite" restart="never" nodeType="tmRoot"/>
-      </p:par>
-    </p:tnLst>
-  </p:timing>
-</p:sld>
-</file>
-
-<file path=ppt/slides/slide2.xml><?xml version="1.0" encoding="utf-8"?>
-<p:sld xmlns:a="http://schemas.openxmlformats.org/drawingml/2006/main" xmlns:r="http://schemas.openxmlformats.org/officeDocument/2006/relationships" xmlns:p="http://schemas.openxmlformats.org/presentationml/2006/main">
-  <p:cSld>
-    <p:spTree>
-      <p:nvGrpSpPr>
-        <p:cNvPr id="1" name=""/>
-        <p:cNvGrpSpPr/>
-        <p:nvPr/>
-      </p:nvGrpSpPr>
-      <p:grpSpPr>
-        <a:xfrm>
-          <a:off x="0" y="0"/>
-          <a:ext cx="0" cy="0"/>
-          <a:chOff x="0" y="0"/>
-          <a:chExt cx="0" cy="0"/>
-        </a:xfrm>
-      </p:grpSpPr>
-      <p:sp>
-        <p:nvSpPr>
-          <p:cNvPr id="2" name="Title 1"/>
-          <p:cNvSpPr>
-            <a:spLocks noGrp="1"/>
-          </p:cNvSpPr>
-          <p:nvPr>
-            <p:ph type="title"/>
-          </p:nvPr>
-        </p:nvSpPr>
-        <p:spPr/>
-        <p:txBody>
-          <a:bodyPr/>
-          <a:lstStyle/>
-          <a:p>
-            <a:r>
-              <a:rPr lang="is-IS" dirty="0" smtClean="0"/>
-              <a:t>Inngangur</a:t>
-            </a:r>
-            <a:endParaRPr lang="is-IS" dirty="0"/>
-          </a:p>
-        </p:txBody>
-      </p:sp>
-      <p:sp>
-        <p:nvSpPr>
-          <p:cNvPr id="3" name="Content Placeholder 2"/>
-          <p:cNvSpPr>
-            <a:spLocks noGrp="1"/>
-          </p:cNvSpPr>
-          <p:nvPr>
-            <p:ph idx="1"/>
-          </p:nvPr>
-        </p:nvSpPr>
-        <p:spPr/>
-        <p:txBody>
-          <a:bodyPr>
-            <a:normAutofit/>
-          </a:bodyPr>
-          <a:lstStyle/>
-          <a:p>
-            <a:pPr marL="0" indent="0">
-              <a:buNone/>
-            </a:pPr>
-            <a:r>
-              <a:rPr lang="is-IS" dirty="0" smtClean="0"/>
-              <a:t>Í þessu verkefni vildum við kanna hvar væri best að búa. </a:t>
-            </a:r>
-          </a:p>
-          <a:p>
-            <a:pPr marL="0" indent="0">
-              <a:buNone/>
-            </a:pPr>
-            <a:r>
-              <a:rPr lang="is-IS" dirty="0" smtClean="0"/>
-              <a:t>Áhugaverð gögn í gagnasafni. </a:t>
-            </a:r>
-            <a:endParaRPr lang="is-IS" dirty="0"/>
-          </a:p>
-          <a:p>
-            <a:pPr marL="0" indent="0">
-              <a:buNone/>
-            </a:pPr>
-            <a:endParaRPr lang="is-IS" dirty="0" smtClean="0"/>
-          </a:p>
-          <a:p>
-            <a:pPr marL="0" indent="0">
-              <a:buNone/>
-            </a:pPr>
-            <a:endParaRPr lang="is-IS" dirty="0"/>
-          </a:p>
-          <a:p>
-            <a:pPr marL="0" indent="0">
-              <a:buNone/>
-            </a:pPr>
-            <a:endParaRPr lang="is-IS" dirty="0"/>
-          </a:p>
-          <a:p>
-            <a:pPr marL="0" indent="0" algn="ctr">
-              <a:buNone/>
-            </a:pPr>
-            <a:r>
-              <a:rPr lang="is-IS" dirty="0" smtClean="0">
-                <a:solidFill>
-                  <a:srgbClr val="FF0000"/>
-                </a:solidFill>
-              </a:rPr>
-              <a:t>Komið með okkur í þessa æsiferð um verkefnið okkar</a:t>
-            </a:r>
-            <a:endParaRPr lang="is-IS" dirty="0">
-              <a:solidFill>
-                <a:srgbClr val="FF0000"/>
-              </a:solidFill>
-            </a:endParaRPr>
-          </a:p>
-        </p:txBody>
-      </p:sp>
-      <p:pic>
-        <p:nvPicPr>
-          <p:cNvPr id="4" name="Picture 3"/>
-          <p:cNvPicPr>
-            <a:picLocks noChangeAspect="1"/>
-          </p:cNvPicPr>
-          <p:nvPr/>
-        </p:nvPicPr>
-        <p:blipFill>
-          <a:blip r:embed="rId2" cstate="print">
-            <a:extLst>
-              <a:ext uri="{28A0092B-C50C-407E-A947-70E740481C1C}">
-                <a14:useLocalDpi xmlns:a14="http://schemas.microsoft.com/office/drawing/2010/main" val="0"/>
-              </a:ext>
-            </a:extLst>
-          </a:blip>
-          <a:stretch>
-            <a:fillRect/>
-          </a:stretch>
-        </p:blipFill>
-        <p:spPr>
-          <a:xfrm>
-            <a:off x="1637286" y="4022411"/>
-            <a:ext cx="1903852" cy="1496428"/>
-          </a:xfrm>
-          <a:prstGeom prst="rect">
-            <a:avLst/>
-          </a:prstGeom>
-        </p:spPr>
-      </p:pic>
-    </p:spTree>
-    <p:extLst>
-      <p:ext uri="{BB962C8B-B14F-4D97-AF65-F5344CB8AC3E}">
-        <p14:creationId xmlns:p14="http://schemas.microsoft.com/office/powerpoint/2010/main" val="3685947117"/>
-      </p:ext>
-    </p:extLst>
-  </p:cSld>
-  <p:clrMapOvr>
-    <a:masterClrMapping/>
-  </p:clrMapOvr>
-  <mc:AlternateContent xmlns:mc="http://schemas.openxmlformats.org/markup-compatibility/2006" xmlns:p14="http://schemas.microsoft.com/office/powerpoint/2010/main">
-    <mc:Choice Requires="p14">
-      <p:transition spd="med" p14:dur="700">
-        <p:fade/>
-      </p:transition>
-    </mc:Choice>
-    <mc:Fallback xmlns="">
-      <p:transition spd="med">
-        <p:fade/>
-      </p:transition>
-    </mc:Fallback>
-  </mc:AlternateContent>
-  <p:timing>
-    <p:tnLst>
-      <p:par>
-        <p:cTn id="1" dur="indefinite" restart="never" nodeType="tmRoot"/>
-      </p:par>
-    </p:tnLst>
-  </p:timing>
-</p:sld>
-</file>
-
-<file path=ppt/slides/slide3.xml><?xml version="1.0" encoding="utf-8"?>
+<file path=ppt/slides/slide11.xml><?xml version="1.0" encoding="utf-8"?>
 <p:sld xmlns:a="http://schemas.openxmlformats.org/drawingml/2006/main" xmlns:r="http://schemas.openxmlformats.org/officeDocument/2006/relationships" xmlns:p="http://schemas.openxmlformats.org/presentationml/2006/main">
   <p:cSld>
     <p:spTree>
@@ -8988,767 +8219,7 @@
 </p:sld>
 </file>
 
-<file path=ppt/slides/slide4.xml><?xml version="1.0" encoding="utf-8"?>
-<p:sld xmlns:a="http://schemas.openxmlformats.org/drawingml/2006/main" xmlns:r="http://schemas.openxmlformats.org/officeDocument/2006/relationships" xmlns:p="http://schemas.openxmlformats.org/presentationml/2006/main">
-  <p:cSld>
-    <p:spTree>
-      <p:nvGrpSpPr>
-        <p:cNvPr id="1" name=""/>
-        <p:cNvGrpSpPr/>
-        <p:nvPr/>
-      </p:nvGrpSpPr>
-      <p:grpSpPr>
-        <a:xfrm>
-          <a:off x="0" y="0"/>
-          <a:ext cx="0" cy="0"/>
-          <a:chOff x="0" y="0"/>
-          <a:chExt cx="0" cy="0"/>
-        </a:xfrm>
-      </p:grpSpPr>
-      <p:sp>
-        <p:nvSpPr>
-          <p:cNvPr id="5" name="Title 4"/>
-          <p:cNvSpPr>
-            <a:spLocks noGrp="1"/>
-          </p:cNvSpPr>
-          <p:nvPr>
-            <p:ph type="title"/>
-          </p:nvPr>
-        </p:nvSpPr>
-        <p:spPr/>
-        <p:txBody>
-          <a:bodyPr/>
-          <a:lstStyle/>
-          <a:p>
-            <a:pPr algn="ctr"/>
-            <a:r>
-              <a:rPr lang="is-IS" dirty="0" smtClean="0"/>
-              <a:t>World Bank</a:t>
-            </a:r>
-            <a:endParaRPr lang="is-IS" dirty="0"/>
-          </a:p>
-        </p:txBody>
-      </p:sp>
-      <p:sp>
-        <p:nvSpPr>
-          <p:cNvPr id="6" name="Picture Placeholder 5"/>
-          <p:cNvSpPr>
-            <a:spLocks noGrp="1"/>
-          </p:cNvSpPr>
-          <p:nvPr>
-            <p:ph type="pic" idx="1"/>
-          </p:nvPr>
-        </p:nvSpPr>
-        <p:spPr/>
-      </p:sp>
-      <p:sp>
-        <p:nvSpPr>
-          <p:cNvPr id="7" name="Text Placeholder 6"/>
-          <p:cNvSpPr>
-            <a:spLocks noGrp="1"/>
-          </p:cNvSpPr>
-          <p:nvPr>
-            <p:ph type="body" sz="half" idx="2"/>
-          </p:nvPr>
-        </p:nvSpPr>
-        <p:spPr/>
-        <p:txBody>
-          <a:bodyPr/>
-          <a:lstStyle/>
-          <a:p>
-            <a:pPr algn="ctr"/>
-            <a:r>
-              <a:rPr lang="is-IS" dirty="0" smtClean="0"/>
-              <a:t>Gagnasafn um heimsþróun landa og heimsálfa</a:t>
-            </a:r>
-            <a:endParaRPr lang="is-IS" dirty="0"/>
-          </a:p>
-        </p:txBody>
-      </p:sp>
-      <p:pic>
-        <p:nvPicPr>
-          <p:cNvPr id="4" name="Picture 3"/>
-          <p:cNvPicPr>
-            <a:picLocks noChangeAspect="1"/>
-          </p:cNvPicPr>
-          <p:nvPr/>
-        </p:nvPicPr>
-        <p:blipFill>
-          <a:blip r:embed="rId2">
-            <a:extLst>
-              <a:ext uri="{28A0092B-C50C-407E-A947-70E740481C1C}">
-                <a14:useLocalDpi xmlns:a14="http://schemas.microsoft.com/office/drawing/2010/main" val="0"/>
-              </a:ext>
-            </a:extLst>
-          </a:blip>
-          <a:stretch>
-            <a:fillRect/>
-          </a:stretch>
-        </p:blipFill>
-        <p:spPr>
-          <a:xfrm>
-            <a:off x="4142106" y="634965"/>
-            <a:ext cx="5600132" cy="4309952"/>
-          </a:xfrm>
-          <a:prstGeom prst="rect">
-            <a:avLst/>
-          </a:prstGeom>
-        </p:spPr>
-      </p:pic>
-    </p:spTree>
-    <p:extLst>
-      <p:ext uri="{BB962C8B-B14F-4D97-AF65-F5344CB8AC3E}">
-        <p14:creationId xmlns:p14="http://schemas.microsoft.com/office/powerpoint/2010/main" val="1780333106"/>
-      </p:ext>
-    </p:extLst>
-  </p:cSld>
-  <p:clrMapOvr>
-    <a:masterClrMapping/>
-  </p:clrMapOvr>
-  <p:timing>
-    <p:tnLst>
-      <p:par>
-        <p:cTn id="1" dur="indefinite" restart="never" nodeType="tmRoot"/>
-      </p:par>
-    </p:tnLst>
-  </p:timing>
-</p:sld>
-</file>
-
-<file path=ppt/slides/slide5.xml><?xml version="1.0" encoding="utf-8"?>
-<p:sld xmlns:a="http://schemas.openxmlformats.org/drawingml/2006/main" xmlns:r="http://schemas.openxmlformats.org/officeDocument/2006/relationships" xmlns:p="http://schemas.openxmlformats.org/presentationml/2006/main">
-  <p:cSld>
-    <p:spTree>
-      <p:nvGrpSpPr>
-        <p:cNvPr id="1" name=""/>
-        <p:cNvGrpSpPr/>
-        <p:nvPr/>
-      </p:nvGrpSpPr>
-      <p:grpSpPr>
-        <a:xfrm>
-          <a:off x="0" y="0"/>
-          <a:ext cx="0" cy="0"/>
-          <a:chOff x="0" y="0"/>
-          <a:chExt cx="0" cy="0"/>
-        </a:xfrm>
-      </p:grpSpPr>
-      <p:sp>
-        <p:nvSpPr>
-          <p:cNvPr id="2" name="Title 1"/>
-          <p:cNvSpPr>
-            <a:spLocks noGrp="1"/>
-          </p:cNvSpPr>
-          <p:nvPr>
-            <p:ph type="title"/>
-          </p:nvPr>
-        </p:nvSpPr>
-        <p:spPr/>
-        <p:txBody>
-          <a:bodyPr/>
-          <a:lstStyle/>
-          <a:p>
-            <a:r>
-              <a:rPr lang="is-IS" dirty="0" smtClean="0"/>
-              <a:t>Leiðin í SQL</a:t>
-            </a:r>
-            <a:endParaRPr lang="is-IS" dirty="0"/>
-          </a:p>
-        </p:txBody>
-      </p:sp>
-      <p:pic>
-        <p:nvPicPr>
-          <p:cNvPr id="6" name="Picture 5"/>
-          <p:cNvPicPr>
-            <a:picLocks noChangeAspect="1"/>
-          </p:cNvPicPr>
-          <p:nvPr/>
-        </p:nvPicPr>
-        <p:blipFill>
-          <a:blip r:embed="rId2" cstate="print">
-            <a:extLst>
-              <a:ext uri="{28A0092B-C50C-407E-A947-70E740481C1C}">
-                <a14:useLocalDpi xmlns:a14="http://schemas.microsoft.com/office/drawing/2010/main" val="0"/>
-              </a:ext>
-            </a:extLst>
-          </a:blip>
-          <a:stretch>
-            <a:fillRect/>
-          </a:stretch>
-        </p:blipFill>
-        <p:spPr>
-          <a:xfrm>
-            <a:off x="569251" y="2349499"/>
-            <a:ext cx="3586554" cy="2609021"/>
-          </a:xfrm>
-          <a:prstGeom prst="rect">
-            <a:avLst/>
-          </a:prstGeom>
-        </p:spPr>
-      </p:pic>
-      <p:pic>
-        <p:nvPicPr>
-          <p:cNvPr id="7" name="Picture 6"/>
-          <p:cNvPicPr>
-            <a:picLocks noChangeAspect="1"/>
-          </p:cNvPicPr>
-          <p:nvPr/>
-        </p:nvPicPr>
-        <p:blipFill>
-          <a:blip r:embed="rId3" cstate="print">
-            <a:extLst>
-              <a:ext uri="{28A0092B-C50C-407E-A947-70E740481C1C}">
-                <a14:useLocalDpi xmlns:a14="http://schemas.microsoft.com/office/drawing/2010/main" val="0"/>
-              </a:ext>
-            </a:extLst>
-          </a:blip>
-          <a:stretch>
-            <a:fillRect/>
-          </a:stretch>
-        </p:blipFill>
-        <p:spPr>
-          <a:xfrm>
-            <a:off x="4306343" y="2349499"/>
-            <a:ext cx="2905733" cy="2609021"/>
-          </a:xfrm>
-          <a:prstGeom prst="rect">
-            <a:avLst/>
-          </a:prstGeom>
-        </p:spPr>
-      </p:pic>
-      <p:pic>
-        <p:nvPicPr>
-          <p:cNvPr id="4" name="Content Placeholder 3"/>
-          <p:cNvPicPr>
-            <a:picLocks noGrp="1" noChangeAspect="1"/>
-          </p:cNvPicPr>
-          <p:nvPr>
-            <p:ph idx="1"/>
-          </p:nvPr>
-        </p:nvPicPr>
-        <p:blipFill>
-          <a:blip r:embed="rId4" cstate="print">
-            <a:extLst>
-              <a:ext uri="{28A0092B-C50C-407E-A947-70E740481C1C}">
-                <a14:useLocalDpi xmlns:a14="http://schemas.microsoft.com/office/drawing/2010/main" val="0"/>
-              </a:ext>
-            </a:extLst>
-          </a:blip>
-          <a:stretch>
-            <a:fillRect/>
-          </a:stretch>
-        </p:blipFill>
-        <p:spPr>
-          <a:xfrm>
-            <a:off x="7457069" y="2349499"/>
-            <a:ext cx="4047543" cy="2624468"/>
-          </a:xfrm>
-        </p:spPr>
-      </p:pic>
-      <p:sp>
-        <p:nvSpPr>
-          <p:cNvPr id="8" name="TextBox 7"/>
-          <p:cNvSpPr txBox="1"/>
-          <p:nvPr/>
-        </p:nvSpPr>
-        <p:spPr>
-          <a:xfrm>
-            <a:off x="1616068" y="1757917"/>
-            <a:ext cx="2755900" cy="369332"/>
-          </a:xfrm>
-          <a:prstGeom prst="rect">
-            <a:avLst/>
-          </a:prstGeom>
-          <a:noFill/>
-        </p:spPr>
-        <p:txBody>
-          <a:bodyPr wrap="square" rtlCol="0">
-            <a:spAutoFit/>
-          </a:bodyPr>
-          <a:lstStyle/>
-          <a:p>
-            <a:r>
-              <a:rPr lang="is-IS" dirty="0" smtClean="0"/>
-              <a:t>Gögn</a:t>
-            </a:r>
-            <a:endParaRPr lang="is-IS" dirty="0"/>
-          </a:p>
-        </p:txBody>
-      </p:sp>
-      <p:sp>
-        <p:nvSpPr>
-          <p:cNvPr id="12" name="TextBox 11"/>
-          <p:cNvSpPr txBox="1"/>
-          <p:nvPr/>
-        </p:nvSpPr>
-        <p:spPr>
-          <a:xfrm>
-            <a:off x="5040376" y="1757917"/>
-            <a:ext cx="1068324" cy="369332"/>
-          </a:xfrm>
-          <a:prstGeom prst="rect">
-            <a:avLst/>
-          </a:prstGeom>
-          <a:noFill/>
-        </p:spPr>
-        <p:txBody>
-          <a:bodyPr wrap="square" rtlCol="0">
-            <a:spAutoFit/>
-          </a:bodyPr>
-          <a:lstStyle/>
-          <a:p>
-            <a:r>
-              <a:rPr lang="is-IS" dirty="0" smtClean="0"/>
-              <a:t>Python</a:t>
-            </a:r>
-            <a:endParaRPr lang="is-IS" dirty="0"/>
-          </a:p>
-        </p:txBody>
-      </p:sp>
-      <p:sp>
-        <p:nvSpPr>
-          <p:cNvPr id="13" name="TextBox 12"/>
-          <p:cNvSpPr txBox="1"/>
-          <p:nvPr/>
-        </p:nvSpPr>
-        <p:spPr>
-          <a:xfrm>
-            <a:off x="9176040" y="1757917"/>
-            <a:ext cx="609600" cy="369332"/>
-          </a:xfrm>
-          <a:prstGeom prst="rect">
-            <a:avLst/>
-          </a:prstGeom>
-          <a:noFill/>
-        </p:spPr>
-        <p:txBody>
-          <a:bodyPr wrap="square" rtlCol="0">
-            <a:spAutoFit/>
-          </a:bodyPr>
-          <a:lstStyle/>
-          <a:p>
-            <a:r>
-              <a:rPr lang="is-IS" dirty="0" smtClean="0"/>
-              <a:t>SQL</a:t>
-            </a:r>
-            <a:endParaRPr lang="is-IS" dirty="0"/>
-          </a:p>
-        </p:txBody>
-      </p:sp>
-    </p:spTree>
-    <p:extLst>
-      <p:ext uri="{BB962C8B-B14F-4D97-AF65-F5344CB8AC3E}">
-        <p14:creationId xmlns:p14="http://schemas.microsoft.com/office/powerpoint/2010/main" val="418967576"/>
-      </p:ext>
-    </p:extLst>
-  </p:cSld>
-  <p:clrMapOvr>
-    <a:masterClrMapping/>
-  </p:clrMapOvr>
-  <p:transition spd="slow">
-    <p:push dir="u"/>
-  </p:transition>
-  <p:timing>
-    <p:tnLst>
-      <p:par>
-        <p:cTn id="1" dur="indefinite" restart="never" nodeType="tmRoot">
-          <p:childTnLst>
-            <p:seq concurrent="1" nextAc="seek">
-              <p:cTn id="2" dur="indefinite" nodeType="mainSeq">
-                <p:childTnLst>
-                  <p:par>
-                    <p:cTn id="3" fill="hold">
-                      <p:stCondLst>
-                        <p:cond delay="indefinite"/>
-                      </p:stCondLst>
-                      <p:childTnLst>
-                        <p:par>
-                          <p:cTn id="4" fill="hold">
-                            <p:stCondLst>
-                              <p:cond delay="0"/>
-                            </p:stCondLst>
-                            <p:childTnLst>
-                              <p:par>
-                                <p:cTn id="5" presetID="10" presetClass="entr" presetSubtype="0" fill="hold" nodeType="clickEffect">
-                                  <p:stCondLst>
-                                    <p:cond delay="0"/>
-                                  </p:stCondLst>
-                                  <p:childTnLst>
-                                    <p:set>
-                                      <p:cBhvr>
-                                        <p:cTn id="6" dur="1" fill="hold">
-                                          <p:stCondLst>
-                                            <p:cond delay="0"/>
-                                          </p:stCondLst>
-                                        </p:cTn>
-                                        <p:tgtEl>
-                                          <p:spTgt spid="6"/>
-                                        </p:tgtEl>
-                                        <p:attrNameLst>
-                                          <p:attrName>style.visibility</p:attrName>
-                                        </p:attrNameLst>
-                                      </p:cBhvr>
-                                      <p:to>
-                                        <p:strVal val="visible"/>
-                                      </p:to>
-                                    </p:set>
-                                    <p:animEffect transition="in" filter="fade">
-                                      <p:cBhvr>
-                                        <p:cTn id="7" dur="500"/>
-                                        <p:tgtEl>
-                                          <p:spTgt spid="6"/>
-                                        </p:tgtEl>
-                                      </p:cBhvr>
-                                    </p:animEffect>
-                                  </p:childTnLst>
-                                </p:cTn>
-                              </p:par>
-                              <p:par>
-                                <p:cTn id="8" presetID="10" presetClass="entr" presetSubtype="0" fill="hold" grpId="0" nodeType="withEffect">
-                                  <p:stCondLst>
-                                    <p:cond delay="0"/>
-                                  </p:stCondLst>
-                                  <p:childTnLst>
-                                    <p:set>
-                                      <p:cBhvr>
-                                        <p:cTn id="9" dur="1" fill="hold">
-                                          <p:stCondLst>
-                                            <p:cond delay="0"/>
-                                          </p:stCondLst>
-                                        </p:cTn>
-                                        <p:tgtEl>
-                                          <p:spTgt spid="8"/>
-                                        </p:tgtEl>
-                                        <p:attrNameLst>
-                                          <p:attrName>style.visibility</p:attrName>
-                                        </p:attrNameLst>
-                                      </p:cBhvr>
-                                      <p:to>
-                                        <p:strVal val="visible"/>
-                                      </p:to>
-                                    </p:set>
-                                    <p:animEffect transition="in" filter="fade">
-                                      <p:cBhvr>
-                                        <p:cTn id="10" dur="500"/>
-                                        <p:tgtEl>
-                                          <p:spTgt spid="8"/>
-                                        </p:tgtEl>
-                                      </p:cBhvr>
-                                    </p:animEffect>
-                                  </p:childTnLst>
-                                </p:cTn>
-                              </p:par>
-                            </p:childTnLst>
-                          </p:cTn>
-                        </p:par>
-                      </p:childTnLst>
-                    </p:cTn>
-                  </p:par>
-                  <p:par>
-                    <p:cTn id="11" fill="hold">
-                      <p:stCondLst>
-                        <p:cond delay="indefinite"/>
-                      </p:stCondLst>
-                      <p:childTnLst>
-                        <p:par>
-                          <p:cTn id="12" fill="hold">
-                            <p:stCondLst>
-                              <p:cond delay="0"/>
-                            </p:stCondLst>
-                            <p:childTnLst>
-                              <p:par>
-                                <p:cTn id="13" presetID="10" presetClass="entr" presetSubtype="0" fill="hold" grpId="0" nodeType="clickEffect">
-                                  <p:stCondLst>
-                                    <p:cond delay="0"/>
-                                  </p:stCondLst>
-                                  <p:childTnLst>
-                                    <p:set>
-                                      <p:cBhvr>
-                                        <p:cTn id="14" dur="1" fill="hold">
-                                          <p:stCondLst>
-                                            <p:cond delay="0"/>
-                                          </p:stCondLst>
-                                        </p:cTn>
-                                        <p:tgtEl>
-                                          <p:spTgt spid="12"/>
-                                        </p:tgtEl>
-                                        <p:attrNameLst>
-                                          <p:attrName>style.visibility</p:attrName>
-                                        </p:attrNameLst>
-                                      </p:cBhvr>
-                                      <p:to>
-                                        <p:strVal val="visible"/>
-                                      </p:to>
-                                    </p:set>
-                                    <p:animEffect transition="in" filter="fade">
-                                      <p:cBhvr>
-                                        <p:cTn id="15" dur="500"/>
-                                        <p:tgtEl>
-                                          <p:spTgt spid="12"/>
-                                        </p:tgtEl>
-                                      </p:cBhvr>
-                                    </p:animEffect>
-                                  </p:childTnLst>
-                                </p:cTn>
-                              </p:par>
-                              <p:par>
-                                <p:cTn id="16" presetID="10" presetClass="entr" presetSubtype="0" fill="hold" nodeType="withEffect">
-                                  <p:stCondLst>
-                                    <p:cond delay="0"/>
-                                  </p:stCondLst>
-                                  <p:childTnLst>
-                                    <p:set>
-                                      <p:cBhvr>
-                                        <p:cTn id="17" dur="1" fill="hold">
-                                          <p:stCondLst>
-                                            <p:cond delay="0"/>
-                                          </p:stCondLst>
-                                        </p:cTn>
-                                        <p:tgtEl>
-                                          <p:spTgt spid="7"/>
-                                        </p:tgtEl>
-                                        <p:attrNameLst>
-                                          <p:attrName>style.visibility</p:attrName>
-                                        </p:attrNameLst>
-                                      </p:cBhvr>
-                                      <p:to>
-                                        <p:strVal val="visible"/>
-                                      </p:to>
-                                    </p:set>
-                                    <p:animEffect transition="in" filter="fade">
-                                      <p:cBhvr>
-                                        <p:cTn id="18" dur="500"/>
-                                        <p:tgtEl>
-                                          <p:spTgt spid="7"/>
-                                        </p:tgtEl>
-                                      </p:cBhvr>
-                                    </p:animEffect>
-                                  </p:childTnLst>
-                                </p:cTn>
-                              </p:par>
-                            </p:childTnLst>
-                          </p:cTn>
-                        </p:par>
-                      </p:childTnLst>
-                    </p:cTn>
-                  </p:par>
-                  <p:par>
-                    <p:cTn id="19" fill="hold">
-                      <p:stCondLst>
-                        <p:cond delay="indefinite"/>
-                      </p:stCondLst>
-                      <p:childTnLst>
-                        <p:par>
-                          <p:cTn id="20" fill="hold">
-                            <p:stCondLst>
-                              <p:cond delay="0"/>
-                            </p:stCondLst>
-                            <p:childTnLst>
-                              <p:par>
-                                <p:cTn id="21" presetID="10" presetClass="entr" presetSubtype="0" fill="hold" grpId="0" nodeType="clickEffect">
-                                  <p:stCondLst>
-                                    <p:cond delay="0"/>
-                                  </p:stCondLst>
-                                  <p:childTnLst>
-                                    <p:set>
-                                      <p:cBhvr>
-                                        <p:cTn id="22" dur="1" fill="hold">
-                                          <p:stCondLst>
-                                            <p:cond delay="0"/>
-                                          </p:stCondLst>
-                                        </p:cTn>
-                                        <p:tgtEl>
-                                          <p:spTgt spid="13"/>
-                                        </p:tgtEl>
-                                        <p:attrNameLst>
-                                          <p:attrName>style.visibility</p:attrName>
-                                        </p:attrNameLst>
-                                      </p:cBhvr>
-                                      <p:to>
-                                        <p:strVal val="visible"/>
-                                      </p:to>
-                                    </p:set>
-                                    <p:animEffect transition="in" filter="fade">
-                                      <p:cBhvr>
-                                        <p:cTn id="23" dur="500"/>
-                                        <p:tgtEl>
-                                          <p:spTgt spid="13"/>
-                                        </p:tgtEl>
-                                      </p:cBhvr>
-                                    </p:animEffect>
-                                  </p:childTnLst>
-                                </p:cTn>
-                              </p:par>
-                              <p:par>
-                                <p:cTn id="24" presetID="10" presetClass="entr" presetSubtype="0" fill="hold" nodeType="withEffect">
-                                  <p:stCondLst>
-                                    <p:cond delay="0"/>
-                                  </p:stCondLst>
-                                  <p:childTnLst>
-                                    <p:set>
-                                      <p:cBhvr>
-                                        <p:cTn id="25" dur="1" fill="hold">
-                                          <p:stCondLst>
-                                            <p:cond delay="0"/>
-                                          </p:stCondLst>
-                                        </p:cTn>
-                                        <p:tgtEl>
-                                          <p:spTgt spid="4"/>
-                                        </p:tgtEl>
-                                        <p:attrNameLst>
-                                          <p:attrName>style.visibility</p:attrName>
-                                        </p:attrNameLst>
-                                      </p:cBhvr>
-                                      <p:to>
-                                        <p:strVal val="visible"/>
-                                      </p:to>
-                                    </p:set>
-                                    <p:animEffect transition="in" filter="fade">
-                                      <p:cBhvr>
-                                        <p:cTn id="26" dur="500"/>
-                                        <p:tgtEl>
-                                          <p:spTgt spid="4"/>
-                                        </p:tgtEl>
-                                      </p:cBhvr>
-                                    </p:animEffect>
-                                  </p:childTnLst>
-                                </p:cTn>
-                              </p:par>
-                            </p:childTnLst>
-                          </p:cTn>
-                        </p:par>
-                      </p:childTnLst>
-                    </p:cTn>
-                  </p:par>
-                </p:childTnLst>
-              </p:cTn>
-              <p:prevCondLst>
-                <p:cond evt="onPrev" delay="0">
-                  <p:tgtEl>
-                    <p:sldTgt/>
-                  </p:tgtEl>
-                </p:cond>
-              </p:prevCondLst>
-              <p:nextCondLst>
-                <p:cond evt="onNext" delay="0">
-                  <p:tgtEl>
-                    <p:sldTgt/>
-                  </p:tgtEl>
-                </p:cond>
-              </p:nextCondLst>
-            </p:seq>
-          </p:childTnLst>
-        </p:cTn>
-      </p:par>
-    </p:tnLst>
-    <p:bldLst>
-      <p:bldP spid="8" grpId="0"/>
-      <p:bldP spid="12" grpId="0"/>
-      <p:bldP spid="13" grpId="0"/>
-    </p:bldLst>
-  </p:timing>
-</p:sld>
-</file>
-
-<file path=ppt/slides/slide6.xml><?xml version="1.0" encoding="utf-8"?>
-<p:sld xmlns:a="http://schemas.openxmlformats.org/drawingml/2006/main" xmlns:r="http://schemas.openxmlformats.org/officeDocument/2006/relationships" xmlns:p="http://schemas.openxmlformats.org/presentationml/2006/main">
-  <p:cSld>
-    <p:spTree>
-      <p:nvGrpSpPr>
-        <p:cNvPr id="1" name=""/>
-        <p:cNvGrpSpPr/>
-        <p:nvPr/>
-      </p:nvGrpSpPr>
-      <p:grpSpPr>
-        <a:xfrm>
-          <a:off x="0" y="0"/>
-          <a:ext cx="0" cy="0"/>
-          <a:chOff x="0" y="0"/>
-          <a:chExt cx="0" cy="0"/>
-        </a:xfrm>
-      </p:grpSpPr>
-      <p:sp>
-        <p:nvSpPr>
-          <p:cNvPr id="2" name="Title 1"/>
-          <p:cNvSpPr>
-            <a:spLocks noGrp="1"/>
-          </p:cNvSpPr>
-          <p:nvPr>
-            <p:ph type="title"/>
-          </p:nvPr>
-        </p:nvSpPr>
-        <p:spPr/>
-        <p:txBody>
-          <a:bodyPr/>
-          <a:lstStyle/>
-          <a:p>
-            <a:r>
-              <a:rPr lang="is-IS" dirty="0" smtClean="0"/>
-              <a:t>Leiðin </a:t>
-            </a:r>
-            <a:r>
-              <a:rPr lang="is-IS" dirty="0" err="1" smtClean="0"/>
-              <a:t>úr</a:t>
-            </a:r>
-            <a:r>
-              <a:rPr lang="is-IS" dirty="0" smtClean="0"/>
-              <a:t> SQL</a:t>
-            </a:r>
-            <a:endParaRPr lang="is-IS" dirty="0"/>
-          </a:p>
-        </p:txBody>
-      </p:sp>
-      <p:sp>
-        <p:nvSpPr>
-          <p:cNvPr id="3" name="Content Placeholder 2"/>
-          <p:cNvSpPr>
-            <a:spLocks noGrp="1"/>
-          </p:cNvSpPr>
-          <p:nvPr>
-            <p:ph idx="1"/>
-          </p:nvPr>
-        </p:nvSpPr>
-        <p:spPr/>
-        <p:txBody>
-          <a:bodyPr/>
-          <a:lstStyle/>
-          <a:p>
-            <a:endParaRPr lang="is-IS"/>
-          </a:p>
-        </p:txBody>
-      </p:sp>
-    </p:spTree>
-    <p:extLst>
-      <p:ext uri="{BB962C8B-B14F-4D97-AF65-F5344CB8AC3E}">
-        <p14:creationId xmlns:p14="http://schemas.microsoft.com/office/powerpoint/2010/main" val="574316553"/>
-      </p:ext>
-    </p:extLst>
-  </p:cSld>
-  <p:clrMapOvr>
-    <a:masterClrMapping/>
-  </p:clrMapOvr>
-  <mc:AlternateContent xmlns:mc="http://schemas.openxmlformats.org/markup-compatibility/2006" xmlns:p14="http://schemas.microsoft.com/office/powerpoint/2010/main">
-    <mc:Choice Requires="p14">
-      <p:transition spd="slow" p14:dur="3400">
-        <p14:reveal/>
-      </p:transition>
-    </mc:Choice>
-    <mc:Fallback xmlns="">
-      <p:transition spd="slow">
-        <p:fade/>
-      </p:transition>
-    </mc:Fallback>
-  </mc:AlternateContent>
-  <p:timing>
-    <p:tnLst>
-      <p:par>
-        <p:cTn id="1" dur="indefinite" restart="never" nodeType="tmRoot"/>
-      </p:par>
-    </p:tnLst>
-  </p:timing>
-</p:sld>
-</file>
-
-<file path=ppt/slides/slide7.xml><?xml version="1.0" encoding="utf-8"?>
+<file path=ppt/slides/slide12.xml><?xml version="1.0" encoding="utf-8"?>
 <p:sld xmlns:a="http://schemas.openxmlformats.org/drawingml/2006/main" xmlns:r="http://schemas.openxmlformats.org/officeDocument/2006/relationships" xmlns:p="http://schemas.openxmlformats.org/presentationml/2006/main">
   <p:cSld>
     <p:spTree>
@@ -9922,7 +8393,7 @@
 </p:sld>
 </file>
 
-<file path=ppt/slides/slide8.xml><?xml version="1.0" encoding="utf-8"?>
+<file path=ppt/slides/slide13.xml><?xml version="1.0" encoding="utf-8"?>
 <p:sld xmlns:a="http://schemas.openxmlformats.org/drawingml/2006/main" xmlns:r="http://schemas.openxmlformats.org/officeDocument/2006/relationships" xmlns:p="http://schemas.openxmlformats.org/presentationml/2006/main">
   <p:cSld>
     <p:spTree>
@@ -10477,7 +8948,7 @@
 </p:sld>
 </file>
 
-<file path=ppt/slides/slide9.xml><?xml version="1.0" encoding="utf-8"?>
+<file path=ppt/slides/slide14.xml><?xml version="1.0" encoding="utf-8"?>
 <p:sld xmlns:a="http://schemas.openxmlformats.org/drawingml/2006/main" xmlns:r="http://schemas.openxmlformats.org/officeDocument/2006/relationships" xmlns:p="http://schemas.openxmlformats.org/presentationml/2006/main">
   <p:cSld>
     <p:spTree>
@@ -10712,6 +9183,1527 @@
     <mc:Choice Requires="p15">
       <p:transition xmlns:p14="http://schemas.microsoft.com/office/powerpoint/2010/main" spd="slow" p14:dur="1250">
         <p15:prstTrans prst="airplane"/>
+      </p:transition>
+    </mc:Choice>
+    <mc:Fallback xmlns="">
+      <p:transition spd="slow">
+        <p:fade/>
+      </p:transition>
+    </mc:Fallback>
+  </mc:AlternateContent>
+  <p:timing>
+    <p:tnLst>
+      <p:par>
+        <p:cTn id="1" dur="indefinite" restart="never" nodeType="tmRoot"/>
+      </p:par>
+    </p:tnLst>
+  </p:timing>
+</p:sld>
+</file>
+
+<file path=ppt/slides/slide15.xml><?xml version="1.0" encoding="utf-8"?>
+<p:sld xmlns:a="http://schemas.openxmlformats.org/drawingml/2006/main" xmlns:r="http://schemas.openxmlformats.org/officeDocument/2006/relationships" xmlns:p="http://schemas.openxmlformats.org/presentationml/2006/main">
+  <p:cSld>
+    <p:spTree>
+      <p:nvGrpSpPr>
+        <p:cNvPr id="1" name=""/>
+        <p:cNvGrpSpPr/>
+        <p:nvPr/>
+      </p:nvGrpSpPr>
+      <p:grpSpPr>
+        <a:xfrm>
+          <a:off x="0" y="0"/>
+          <a:ext cx="0" cy="0"/>
+          <a:chOff x="0" y="0"/>
+          <a:chExt cx="0" cy="0"/>
+        </a:xfrm>
+      </p:grpSpPr>
+      <p:sp>
+        <p:nvSpPr>
+          <p:cNvPr id="4" name="Title 3"/>
+          <p:cNvSpPr>
+            <a:spLocks noGrp="1"/>
+          </p:cNvSpPr>
+          <p:nvPr>
+            <p:ph type="title"/>
+          </p:nvPr>
+        </p:nvSpPr>
+        <p:spPr/>
+        <p:txBody>
+          <a:bodyPr/>
+          <a:lstStyle/>
+          <a:p>
+            <a:pPr algn="ctr"/>
+            <a:r>
+              <a:rPr lang="is-IS" dirty="0" smtClean="0"/>
+              <a:t>Takk fyrir okkur</a:t>
+            </a:r>
+            <a:endParaRPr lang="is-IS" dirty="0"/>
+          </a:p>
+        </p:txBody>
+      </p:sp>
+      <p:sp>
+        <p:nvSpPr>
+          <p:cNvPr id="5" name="Text Placeholder 4"/>
+          <p:cNvSpPr>
+            <a:spLocks noGrp="1"/>
+          </p:cNvSpPr>
+          <p:nvPr>
+            <p:ph type="body" idx="1"/>
+          </p:nvPr>
+        </p:nvSpPr>
+        <p:spPr/>
+        <p:txBody>
+          <a:bodyPr/>
+          <a:lstStyle/>
+          <a:p>
+            <a:pPr algn="ctr"/>
+            <a:endParaRPr lang="is-IS" dirty="0"/>
+          </a:p>
+        </p:txBody>
+      </p:sp>
+    </p:spTree>
+    <p:extLst>
+      <p:ext uri="{BB962C8B-B14F-4D97-AF65-F5344CB8AC3E}">
+        <p14:creationId xmlns:p14="http://schemas.microsoft.com/office/powerpoint/2010/main" val="407384379"/>
+      </p:ext>
+    </p:extLst>
+  </p:cSld>
+  <p:clrMapOvr>
+    <a:masterClrMapping/>
+  </p:clrMapOvr>
+  <mc:AlternateContent xmlns:mc="http://schemas.openxmlformats.org/markup-compatibility/2006" xmlns:p15="http://schemas.microsoft.com/office/powerpoint/2012/main">
+    <mc:Choice Requires="p15">
+      <p:transition xmlns:p14="http://schemas.microsoft.com/office/powerpoint/2010/main" spd="slow" p14:dur="2000">
+        <p15:prstTrans prst="wind"/>
+      </p:transition>
+    </mc:Choice>
+    <mc:Fallback xmlns="">
+      <p:transition spd="slow">
+        <p:fade/>
+      </p:transition>
+    </mc:Fallback>
+  </mc:AlternateContent>
+  <p:timing>
+    <p:tnLst>
+      <p:par>
+        <p:cTn id="1" dur="indefinite" restart="never" nodeType="tmRoot"/>
+      </p:par>
+    </p:tnLst>
+  </p:timing>
+</p:sld>
+</file>
+
+<file path=ppt/slides/slide2.xml><?xml version="1.0" encoding="utf-8"?>
+<p:sld xmlns:a="http://schemas.openxmlformats.org/drawingml/2006/main" xmlns:r="http://schemas.openxmlformats.org/officeDocument/2006/relationships" xmlns:p="http://schemas.openxmlformats.org/presentationml/2006/main">
+  <p:cSld>
+    <p:spTree>
+      <p:nvGrpSpPr>
+        <p:cNvPr id="1" name=""/>
+        <p:cNvGrpSpPr/>
+        <p:nvPr/>
+      </p:nvGrpSpPr>
+      <p:grpSpPr>
+        <a:xfrm>
+          <a:off x="0" y="0"/>
+          <a:ext cx="0" cy="0"/>
+          <a:chOff x="0" y="0"/>
+          <a:chExt cx="0" cy="0"/>
+        </a:xfrm>
+      </p:grpSpPr>
+      <p:pic>
+        <p:nvPicPr>
+          <p:cNvPr id="4" name="Picture 3"/>
+          <p:cNvPicPr>
+            <a:picLocks noChangeAspect="1"/>
+          </p:cNvPicPr>
+          <p:nvPr/>
+        </p:nvPicPr>
+        <p:blipFill>
+          <a:blip r:embed="rId2" cstate="print">
+            <a:extLst>
+              <a:ext uri="{28A0092B-C50C-407E-A947-70E740481C1C}">
+                <a14:useLocalDpi xmlns:a14="http://schemas.microsoft.com/office/drawing/2010/main" val="0"/>
+              </a:ext>
+            </a:extLst>
+          </a:blip>
+          <a:stretch>
+            <a:fillRect/>
+          </a:stretch>
+        </p:blipFill>
+        <p:spPr>
+          <a:xfrm>
+            <a:off x="6124075" y="2472258"/>
+            <a:ext cx="4788568" cy="3763816"/>
+          </a:xfrm>
+          <a:prstGeom prst="rect">
+            <a:avLst/>
+          </a:prstGeom>
+        </p:spPr>
+      </p:pic>
+      <p:sp>
+        <p:nvSpPr>
+          <p:cNvPr id="2" name="Title 1"/>
+          <p:cNvSpPr>
+            <a:spLocks noGrp="1"/>
+          </p:cNvSpPr>
+          <p:nvPr>
+            <p:ph type="title"/>
+          </p:nvPr>
+        </p:nvSpPr>
+        <p:spPr/>
+        <p:txBody>
+          <a:bodyPr/>
+          <a:lstStyle/>
+          <a:p>
+            <a:r>
+              <a:rPr lang="is-IS" dirty="0" smtClean="0"/>
+              <a:t>Inngangur</a:t>
+            </a:r>
+            <a:endParaRPr lang="is-IS" dirty="0"/>
+          </a:p>
+        </p:txBody>
+      </p:sp>
+      <p:sp>
+        <p:nvSpPr>
+          <p:cNvPr id="3" name="Content Placeholder 2"/>
+          <p:cNvSpPr>
+            <a:spLocks noGrp="1"/>
+          </p:cNvSpPr>
+          <p:nvPr>
+            <p:ph idx="1"/>
+          </p:nvPr>
+        </p:nvSpPr>
+        <p:spPr/>
+        <p:txBody>
+          <a:bodyPr>
+            <a:normAutofit/>
+          </a:bodyPr>
+          <a:lstStyle/>
+          <a:p>
+            <a:pPr marL="0" indent="0">
+              <a:buNone/>
+            </a:pPr>
+            <a:r>
+              <a:rPr lang="is-IS" dirty="0" smtClean="0"/>
+              <a:t>Í þessu verkefni vildum við kanna hvar væri best að búa. </a:t>
+            </a:r>
+          </a:p>
+          <a:p>
+            <a:pPr marL="0" indent="0">
+              <a:buNone/>
+            </a:pPr>
+            <a:r>
+              <a:rPr lang="is-IS" dirty="0" smtClean="0"/>
+              <a:t>Áhugaverð gögn í gagnasafni. </a:t>
+            </a:r>
+            <a:endParaRPr lang="is-IS" dirty="0"/>
+          </a:p>
+          <a:p>
+            <a:pPr marL="0" indent="0">
+              <a:buNone/>
+            </a:pPr>
+            <a:endParaRPr lang="is-IS" dirty="0" smtClean="0"/>
+          </a:p>
+          <a:p>
+            <a:pPr marL="0" indent="0">
+              <a:buNone/>
+            </a:pPr>
+            <a:endParaRPr lang="is-IS" dirty="0"/>
+          </a:p>
+          <a:p>
+            <a:pPr marL="0" indent="0">
+              <a:buNone/>
+            </a:pPr>
+            <a:endParaRPr lang="is-IS" dirty="0"/>
+          </a:p>
+          <a:p>
+            <a:pPr marL="0" indent="0" algn="ctr">
+              <a:buNone/>
+            </a:pPr>
+            <a:endParaRPr lang="is-IS" dirty="0">
+              <a:solidFill>
+                <a:srgbClr val="FF0000"/>
+              </a:solidFill>
+            </a:endParaRPr>
+          </a:p>
+        </p:txBody>
+      </p:sp>
+    </p:spTree>
+    <p:extLst>
+      <p:ext uri="{BB962C8B-B14F-4D97-AF65-F5344CB8AC3E}">
+        <p14:creationId xmlns:p14="http://schemas.microsoft.com/office/powerpoint/2010/main" val="3685947117"/>
+      </p:ext>
+    </p:extLst>
+  </p:cSld>
+  <p:clrMapOvr>
+    <a:masterClrMapping/>
+  </p:clrMapOvr>
+  <mc:AlternateContent xmlns:mc="http://schemas.openxmlformats.org/markup-compatibility/2006" xmlns:p14="http://schemas.microsoft.com/office/powerpoint/2010/main">
+    <mc:Choice Requires="p14">
+      <p:transition spd="med" p14:dur="700">
+        <p:fade/>
+      </p:transition>
+    </mc:Choice>
+    <mc:Fallback xmlns="">
+      <p:transition spd="med">
+        <p:fade/>
+      </p:transition>
+    </mc:Fallback>
+  </mc:AlternateContent>
+  <p:timing>
+    <p:tnLst>
+      <p:par>
+        <p:cTn id="1" dur="indefinite" restart="never" nodeType="tmRoot"/>
+      </p:par>
+    </p:tnLst>
+  </p:timing>
+</p:sld>
+</file>
+
+<file path=ppt/slides/slide3.xml><?xml version="1.0" encoding="utf-8"?>
+<p:sld xmlns:a="http://schemas.openxmlformats.org/drawingml/2006/main" xmlns:r="http://schemas.openxmlformats.org/officeDocument/2006/relationships" xmlns:p="http://schemas.openxmlformats.org/presentationml/2006/main">
+  <p:cSld>
+    <p:spTree>
+      <p:nvGrpSpPr>
+        <p:cNvPr id="1" name=""/>
+        <p:cNvGrpSpPr/>
+        <p:nvPr/>
+      </p:nvGrpSpPr>
+      <p:grpSpPr>
+        <a:xfrm>
+          <a:off x="0" y="0"/>
+          <a:ext cx="0" cy="0"/>
+          <a:chOff x="0" y="0"/>
+          <a:chExt cx="0" cy="0"/>
+        </a:xfrm>
+      </p:grpSpPr>
+      <p:sp>
+        <p:nvSpPr>
+          <p:cNvPr id="5" name="Title 4"/>
+          <p:cNvSpPr>
+            <a:spLocks noGrp="1"/>
+          </p:cNvSpPr>
+          <p:nvPr>
+            <p:ph type="title"/>
+          </p:nvPr>
+        </p:nvSpPr>
+        <p:spPr/>
+        <p:txBody>
+          <a:bodyPr/>
+          <a:lstStyle/>
+          <a:p>
+            <a:pPr algn="ctr"/>
+            <a:r>
+              <a:rPr lang="is-IS" dirty="0" smtClean="0"/>
+              <a:t>World Bank</a:t>
+            </a:r>
+            <a:endParaRPr lang="is-IS" dirty="0"/>
+          </a:p>
+        </p:txBody>
+      </p:sp>
+      <p:sp>
+        <p:nvSpPr>
+          <p:cNvPr id="6" name="Picture Placeholder 5"/>
+          <p:cNvSpPr>
+            <a:spLocks noGrp="1"/>
+          </p:cNvSpPr>
+          <p:nvPr>
+            <p:ph type="pic" idx="1"/>
+          </p:nvPr>
+        </p:nvSpPr>
+        <p:spPr/>
+      </p:sp>
+      <p:sp>
+        <p:nvSpPr>
+          <p:cNvPr id="7" name="Text Placeholder 6"/>
+          <p:cNvSpPr>
+            <a:spLocks noGrp="1"/>
+          </p:cNvSpPr>
+          <p:nvPr>
+            <p:ph type="body" sz="half" idx="2"/>
+          </p:nvPr>
+        </p:nvSpPr>
+        <p:spPr/>
+        <p:txBody>
+          <a:bodyPr/>
+          <a:lstStyle/>
+          <a:p>
+            <a:pPr algn="ctr"/>
+            <a:r>
+              <a:rPr lang="is-IS" dirty="0" smtClean="0"/>
+              <a:t>Gagnasafn um heimsþróun landa og heimsálfa</a:t>
+            </a:r>
+            <a:endParaRPr lang="is-IS" dirty="0"/>
+          </a:p>
+        </p:txBody>
+      </p:sp>
+      <p:pic>
+        <p:nvPicPr>
+          <p:cNvPr id="4" name="Picture 3"/>
+          <p:cNvPicPr>
+            <a:picLocks noChangeAspect="1"/>
+          </p:cNvPicPr>
+          <p:nvPr/>
+        </p:nvPicPr>
+        <p:blipFill>
+          <a:blip r:embed="rId2">
+            <a:extLst>
+              <a:ext uri="{28A0092B-C50C-407E-A947-70E740481C1C}">
+                <a14:useLocalDpi xmlns:a14="http://schemas.microsoft.com/office/drawing/2010/main" val="0"/>
+              </a:ext>
+            </a:extLst>
+          </a:blip>
+          <a:stretch>
+            <a:fillRect/>
+          </a:stretch>
+        </p:blipFill>
+        <p:spPr>
+          <a:xfrm>
+            <a:off x="4142106" y="634965"/>
+            <a:ext cx="5600132" cy="4309952"/>
+          </a:xfrm>
+          <a:prstGeom prst="rect">
+            <a:avLst/>
+          </a:prstGeom>
+        </p:spPr>
+      </p:pic>
+    </p:spTree>
+    <p:extLst>
+      <p:ext uri="{BB962C8B-B14F-4D97-AF65-F5344CB8AC3E}">
+        <p14:creationId xmlns:p14="http://schemas.microsoft.com/office/powerpoint/2010/main" val="1780333106"/>
+      </p:ext>
+    </p:extLst>
+  </p:cSld>
+  <p:clrMapOvr>
+    <a:masterClrMapping/>
+  </p:clrMapOvr>
+  <p:timing>
+    <p:tnLst>
+      <p:par>
+        <p:cTn id="1" dur="indefinite" restart="never" nodeType="tmRoot"/>
+      </p:par>
+    </p:tnLst>
+  </p:timing>
+</p:sld>
+</file>
+
+<file path=ppt/slides/slide4.xml><?xml version="1.0" encoding="utf-8"?>
+<p:sld xmlns:a="http://schemas.openxmlformats.org/drawingml/2006/main" xmlns:r="http://schemas.openxmlformats.org/officeDocument/2006/relationships" xmlns:p="http://schemas.openxmlformats.org/presentationml/2006/main">
+  <p:cSld>
+    <p:spTree>
+      <p:nvGrpSpPr>
+        <p:cNvPr id="1" name=""/>
+        <p:cNvGrpSpPr/>
+        <p:nvPr/>
+      </p:nvGrpSpPr>
+      <p:grpSpPr>
+        <a:xfrm>
+          <a:off x="0" y="0"/>
+          <a:ext cx="0" cy="0"/>
+          <a:chOff x="0" y="0"/>
+          <a:chExt cx="0" cy="0"/>
+        </a:xfrm>
+      </p:grpSpPr>
+      <p:sp>
+        <p:nvSpPr>
+          <p:cNvPr id="2" name="Title 1"/>
+          <p:cNvSpPr>
+            <a:spLocks noGrp="1"/>
+          </p:cNvSpPr>
+          <p:nvPr>
+            <p:ph type="title"/>
+          </p:nvPr>
+        </p:nvSpPr>
+        <p:spPr/>
+        <p:txBody>
+          <a:bodyPr/>
+          <a:lstStyle/>
+          <a:p>
+            <a:r>
+              <a:rPr lang="is-IS" dirty="0" smtClean="0"/>
+              <a:t>Leiðin í SQL</a:t>
+            </a:r>
+            <a:endParaRPr lang="is-IS" dirty="0"/>
+          </a:p>
+        </p:txBody>
+      </p:sp>
+      <p:pic>
+        <p:nvPicPr>
+          <p:cNvPr id="6" name="Picture 5"/>
+          <p:cNvPicPr>
+            <a:picLocks noChangeAspect="1"/>
+          </p:cNvPicPr>
+          <p:nvPr/>
+        </p:nvPicPr>
+        <p:blipFill>
+          <a:blip r:embed="rId2" cstate="print">
+            <a:extLst>
+              <a:ext uri="{28A0092B-C50C-407E-A947-70E740481C1C}">
+                <a14:useLocalDpi xmlns:a14="http://schemas.microsoft.com/office/drawing/2010/main" val="0"/>
+              </a:ext>
+            </a:extLst>
+          </a:blip>
+          <a:stretch>
+            <a:fillRect/>
+          </a:stretch>
+        </p:blipFill>
+        <p:spPr>
+          <a:xfrm>
+            <a:off x="569251" y="2349499"/>
+            <a:ext cx="3586554" cy="2609021"/>
+          </a:xfrm>
+          <a:prstGeom prst="rect">
+            <a:avLst/>
+          </a:prstGeom>
+        </p:spPr>
+      </p:pic>
+      <p:pic>
+        <p:nvPicPr>
+          <p:cNvPr id="7" name="Picture 6"/>
+          <p:cNvPicPr>
+            <a:picLocks noChangeAspect="1"/>
+          </p:cNvPicPr>
+          <p:nvPr/>
+        </p:nvPicPr>
+        <p:blipFill>
+          <a:blip r:embed="rId3" cstate="print">
+            <a:extLst>
+              <a:ext uri="{28A0092B-C50C-407E-A947-70E740481C1C}">
+                <a14:useLocalDpi xmlns:a14="http://schemas.microsoft.com/office/drawing/2010/main" val="0"/>
+              </a:ext>
+            </a:extLst>
+          </a:blip>
+          <a:stretch>
+            <a:fillRect/>
+          </a:stretch>
+        </p:blipFill>
+        <p:spPr>
+          <a:xfrm>
+            <a:off x="4306343" y="2349499"/>
+            <a:ext cx="2905733" cy="2609021"/>
+          </a:xfrm>
+          <a:prstGeom prst="rect">
+            <a:avLst/>
+          </a:prstGeom>
+        </p:spPr>
+      </p:pic>
+      <p:pic>
+        <p:nvPicPr>
+          <p:cNvPr id="4" name="Content Placeholder 3"/>
+          <p:cNvPicPr>
+            <a:picLocks noGrp="1" noChangeAspect="1"/>
+          </p:cNvPicPr>
+          <p:nvPr>
+            <p:ph idx="1"/>
+          </p:nvPr>
+        </p:nvPicPr>
+        <p:blipFill>
+          <a:blip r:embed="rId4" cstate="print">
+            <a:extLst>
+              <a:ext uri="{28A0092B-C50C-407E-A947-70E740481C1C}">
+                <a14:useLocalDpi xmlns:a14="http://schemas.microsoft.com/office/drawing/2010/main" val="0"/>
+              </a:ext>
+            </a:extLst>
+          </a:blip>
+          <a:stretch>
+            <a:fillRect/>
+          </a:stretch>
+        </p:blipFill>
+        <p:spPr>
+          <a:xfrm>
+            <a:off x="7457069" y="2349499"/>
+            <a:ext cx="4047543" cy="2624468"/>
+          </a:xfrm>
+        </p:spPr>
+      </p:pic>
+      <p:sp>
+        <p:nvSpPr>
+          <p:cNvPr id="8" name="TextBox 7"/>
+          <p:cNvSpPr txBox="1"/>
+          <p:nvPr/>
+        </p:nvSpPr>
+        <p:spPr>
+          <a:xfrm>
+            <a:off x="1616068" y="1757917"/>
+            <a:ext cx="2755900" cy="369332"/>
+          </a:xfrm>
+          <a:prstGeom prst="rect">
+            <a:avLst/>
+          </a:prstGeom>
+          <a:noFill/>
+        </p:spPr>
+        <p:txBody>
+          <a:bodyPr wrap="square" rtlCol="0">
+            <a:spAutoFit/>
+          </a:bodyPr>
+          <a:lstStyle/>
+          <a:p>
+            <a:r>
+              <a:rPr lang="is-IS" dirty="0" smtClean="0"/>
+              <a:t>Gögn</a:t>
+            </a:r>
+            <a:endParaRPr lang="is-IS" dirty="0"/>
+          </a:p>
+        </p:txBody>
+      </p:sp>
+      <p:sp>
+        <p:nvSpPr>
+          <p:cNvPr id="12" name="TextBox 11"/>
+          <p:cNvSpPr txBox="1"/>
+          <p:nvPr/>
+        </p:nvSpPr>
+        <p:spPr>
+          <a:xfrm>
+            <a:off x="5040376" y="1757917"/>
+            <a:ext cx="1068324" cy="369332"/>
+          </a:xfrm>
+          <a:prstGeom prst="rect">
+            <a:avLst/>
+          </a:prstGeom>
+          <a:noFill/>
+        </p:spPr>
+        <p:txBody>
+          <a:bodyPr wrap="square" rtlCol="0">
+            <a:spAutoFit/>
+          </a:bodyPr>
+          <a:lstStyle/>
+          <a:p>
+            <a:r>
+              <a:rPr lang="is-IS" dirty="0" smtClean="0"/>
+              <a:t>Python</a:t>
+            </a:r>
+            <a:endParaRPr lang="is-IS" dirty="0"/>
+          </a:p>
+        </p:txBody>
+      </p:sp>
+      <p:sp>
+        <p:nvSpPr>
+          <p:cNvPr id="13" name="TextBox 12"/>
+          <p:cNvSpPr txBox="1"/>
+          <p:nvPr/>
+        </p:nvSpPr>
+        <p:spPr>
+          <a:xfrm>
+            <a:off x="9176040" y="1757917"/>
+            <a:ext cx="609600" cy="369332"/>
+          </a:xfrm>
+          <a:prstGeom prst="rect">
+            <a:avLst/>
+          </a:prstGeom>
+          <a:noFill/>
+        </p:spPr>
+        <p:txBody>
+          <a:bodyPr wrap="square" rtlCol="0">
+            <a:spAutoFit/>
+          </a:bodyPr>
+          <a:lstStyle/>
+          <a:p>
+            <a:r>
+              <a:rPr lang="is-IS" dirty="0" smtClean="0"/>
+              <a:t>SQL</a:t>
+            </a:r>
+            <a:endParaRPr lang="is-IS" dirty="0"/>
+          </a:p>
+        </p:txBody>
+      </p:sp>
+    </p:spTree>
+    <p:extLst>
+      <p:ext uri="{BB962C8B-B14F-4D97-AF65-F5344CB8AC3E}">
+        <p14:creationId xmlns:p14="http://schemas.microsoft.com/office/powerpoint/2010/main" val="418967576"/>
+      </p:ext>
+    </p:extLst>
+  </p:cSld>
+  <p:clrMapOvr>
+    <a:masterClrMapping/>
+  </p:clrMapOvr>
+  <p:transition spd="slow">
+    <p:push dir="u"/>
+  </p:transition>
+  <p:timing>
+    <p:tnLst>
+      <p:par>
+        <p:cTn id="1" dur="indefinite" restart="never" nodeType="tmRoot">
+          <p:childTnLst>
+            <p:seq concurrent="1" nextAc="seek">
+              <p:cTn id="2" dur="indefinite" nodeType="mainSeq">
+                <p:childTnLst>
+                  <p:par>
+                    <p:cTn id="3" fill="hold">
+                      <p:stCondLst>
+                        <p:cond delay="indefinite"/>
+                      </p:stCondLst>
+                      <p:childTnLst>
+                        <p:par>
+                          <p:cTn id="4" fill="hold">
+                            <p:stCondLst>
+                              <p:cond delay="0"/>
+                            </p:stCondLst>
+                            <p:childTnLst>
+                              <p:par>
+                                <p:cTn id="5" presetID="10" presetClass="entr" presetSubtype="0" fill="hold" nodeType="clickEffect">
+                                  <p:stCondLst>
+                                    <p:cond delay="0"/>
+                                  </p:stCondLst>
+                                  <p:childTnLst>
+                                    <p:set>
+                                      <p:cBhvr>
+                                        <p:cTn id="6" dur="1" fill="hold">
+                                          <p:stCondLst>
+                                            <p:cond delay="0"/>
+                                          </p:stCondLst>
+                                        </p:cTn>
+                                        <p:tgtEl>
+                                          <p:spTgt spid="6"/>
+                                        </p:tgtEl>
+                                        <p:attrNameLst>
+                                          <p:attrName>style.visibility</p:attrName>
+                                        </p:attrNameLst>
+                                      </p:cBhvr>
+                                      <p:to>
+                                        <p:strVal val="visible"/>
+                                      </p:to>
+                                    </p:set>
+                                    <p:animEffect transition="in" filter="fade">
+                                      <p:cBhvr>
+                                        <p:cTn id="7" dur="500"/>
+                                        <p:tgtEl>
+                                          <p:spTgt spid="6"/>
+                                        </p:tgtEl>
+                                      </p:cBhvr>
+                                    </p:animEffect>
+                                  </p:childTnLst>
+                                </p:cTn>
+                              </p:par>
+                              <p:par>
+                                <p:cTn id="8" presetID="10" presetClass="entr" presetSubtype="0" fill="hold" grpId="0" nodeType="withEffect">
+                                  <p:stCondLst>
+                                    <p:cond delay="0"/>
+                                  </p:stCondLst>
+                                  <p:childTnLst>
+                                    <p:set>
+                                      <p:cBhvr>
+                                        <p:cTn id="9" dur="1" fill="hold">
+                                          <p:stCondLst>
+                                            <p:cond delay="0"/>
+                                          </p:stCondLst>
+                                        </p:cTn>
+                                        <p:tgtEl>
+                                          <p:spTgt spid="8"/>
+                                        </p:tgtEl>
+                                        <p:attrNameLst>
+                                          <p:attrName>style.visibility</p:attrName>
+                                        </p:attrNameLst>
+                                      </p:cBhvr>
+                                      <p:to>
+                                        <p:strVal val="visible"/>
+                                      </p:to>
+                                    </p:set>
+                                    <p:animEffect transition="in" filter="fade">
+                                      <p:cBhvr>
+                                        <p:cTn id="10" dur="500"/>
+                                        <p:tgtEl>
+                                          <p:spTgt spid="8"/>
+                                        </p:tgtEl>
+                                      </p:cBhvr>
+                                    </p:animEffect>
+                                  </p:childTnLst>
+                                </p:cTn>
+                              </p:par>
+                            </p:childTnLst>
+                          </p:cTn>
+                        </p:par>
+                      </p:childTnLst>
+                    </p:cTn>
+                  </p:par>
+                  <p:par>
+                    <p:cTn id="11" fill="hold">
+                      <p:stCondLst>
+                        <p:cond delay="indefinite"/>
+                      </p:stCondLst>
+                      <p:childTnLst>
+                        <p:par>
+                          <p:cTn id="12" fill="hold">
+                            <p:stCondLst>
+                              <p:cond delay="0"/>
+                            </p:stCondLst>
+                            <p:childTnLst>
+                              <p:par>
+                                <p:cTn id="13" presetID="10" presetClass="entr" presetSubtype="0" fill="hold" grpId="0" nodeType="clickEffect">
+                                  <p:stCondLst>
+                                    <p:cond delay="0"/>
+                                  </p:stCondLst>
+                                  <p:childTnLst>
+                                    <p:set>
+                                      <p:cBhvr>
+                                        <p:cTn id="14" dur="1" fill="hold">
+                                          <p:stCondLst>
+                                            <p:cond delay="0"/>
+                                          </p:stCondLst>
+                                        </p:cTn>
+                                        <p:tgtEl>
+                                          <p:spTgt spid="12"/>
+                                        </p:tgtEl>
+                                        <p:attrNameLst>
+                                          <p:attrName>style.visibility</p:attrName>
+                                        </p:attrNameLst>
+                                      </p:cBhvr>
+                                      <p:to>
+                                        <p:strVal val="visible"/>
+                                      </p:to>
+                                    </p:set>
+                                    <p:animEffect transition="in" filter="fade">
+                                      <p:cBhvr>
+                                        <p:cTn id="15" dur="500"/>
+                                        <p:tgtEl>
+                                          <p:spTgt spid="12"/>
+                                        </p:tgtEl>
+                                      </p:cBhvr>
+                                    </p:animEffect>
+                                  </p:childTnLst>
+                                </p:cTn>
+                              </p:par>
+                              <p:par>
+                                <p:cTn id="16" presetID="10" presetClass="entr" presetSubtype="0" fill="hold" nodeType="withEffect">
+                                  <p:stCondLst>
+                                    <p:cond delay="0"/>
+                                  </p:stCondLst>
+                                  <p:childTnLst>
+                                    <p:set>
+                                      <p:cBhvr>
+                                        <p:cTn id="17" dur="1" fill="hold">
+                                          <p:stCondLst>
+                                            <p:cond delay="0"/>
+                                          </p:stCondLst>
+                                        </p:cTn>
+                                        <p:tgtEl>
+                                          <p:spTgt spid="7"/>
+                                        </p:tgtEl>
+                                        <p:attrNameLst>
+                                          <p:attrName>style.visibility</p:attrName>
+                                        </p:attrNameLst>
+                                      </p:cBhvr>
+                                      <p:to>
+                                        <p:strVal val="visible"/>
+                                      </p:to>
+                                    </p:set>
+                                    <p:animEffect transition="in" filter="fade">
+                                      <p:cBhvr>
+                                        <p:cTn id="18" dur="500"/>
+                                        <p:tgtEl>
+                                          <p:spTgt spid="7"/>
+                                        </p:tgtEl>
+                                      </p:cBhvr>
+                                    </p:animEffect>
+                                  </p:childTnLst>
+                                </p:cTn>
+                              </p:par>
+                            </p:childTnLst>
+                          </p:cTn>
+                        </p:par>
+                      </p:childTnLst>
+                    </p:cTn>
+                  </p:par>
+                  <p:par>
+                    <p:cTn id="19" fill="hold">
+                      <p:stCondLst>
+                        <p:cond delay="indefinite"/>
+                      </p:stCondLst>
+                      <p:childTnLst>
+                        <p:par>
+                          <p:cTn id="20" fill="hold">
+                            <p:stCondLst>
+                              <p:cond delay="0"/>
+                            </p:stCondLst>
+                            <p:childTnLst>
+                              <p:par>
+                                <p:cTn id="21" presetID="10" presetClass="entr" presetSubtype="0" fill="hold" grpId="0" nodeType="clickEffect">
+                                  <p:stCondLst>
+                                    <p:cond delay="0"/>
+                                  </p:stCondLst>
+                                  <p:childTnLst>
+                                    <p:set>
+                                      <p:cBhvr>
+                                        <p:cTn id="22" dur="1" fill="hold">
+                                          <p:stCondLst>
+                                            <p:cond delay="0"/>
+                                          </p:stCondLst>
+                                        </p:cTn>
+                                        <p:tgtEl>
+                                          <p:spTgt spid="13"/>
+                                        </p:tgtEl>
+                                        <p:attrNameLst>
+                                          <p:attrName>style.visibility</p:attrName>
+                                        </p:attrNameLst>
+                                      </p:cBhvr>
+                                      <p:to>
+                                        <p:strVal val="visible"/>
+                                      </p:to>
+                                    </p:set>
+                                    <p:animEffect transition="in" filter="fade">
+                                      <p:cBhvr>
+                                        <p:cTn id="23" dur="500"/>
+                                        <p:tgtEl>
+                                          <p:spTgt spid="13"/>
+                                        </p:tgtEl>
+                                      </p:cBhvr>
+                                    </p:animEffect>
+                                  </p:childTnLst>
+                                </p:cTn>
+                              </p:par>
+                              <p:par>
+                                <p:cTn id="24" presetID="10" presetClass="entr" presetSubtype="0" fill="hold" nodeType="withEffect">
+                                  <p:stCondLst>
+                                    <p:cond delay="0"/>
+                                  </p:stCondLst>
+                                  <p:childTnLst>
+                                    <p:set>
+                                      <p:cBhvr>
+                                        <p:cTn id="25" dur="1" fill="hold">
+                                          <p:stCondLst>
+                                            <p:cond delay="0"/>
+                                          </p:stCondLst>
+                                        </p:cTn>
+                                        <p:tgtEl>
+                                          <p:spTgt spid="4"/>
+                                        </p:tgtEl>
+                                        <p:attrNameLst>
+                                          <p:attrName>style.visibility</p:attrName>
+                                        </p:attrNameLst>
+                                      </p:cBhvr>
+                                      <p:to>
+                                        <p:strVal val="visible"/>
+                                      </p:to>
+                                    </p:set>
+                                    <p:animEffect transition="in" filter="fade">
+                                      <p:cBhvr>
+                                        <p:cTn id="26" dur="500"/>
+                                        <p:tgtEl>
+                                          <p:spTgt spid="4"/>
+                                        </p:tgtEl>
+                                      </p:cBhvr>
+                                    </p:animEffect>
+                                  </p:childTnLst>
+                                </p:cTn>
+                              </p:par>
+                            </p:childTnLst>
+                          </p:cTn>
+                        </p:par>
+                      </p:childTnLst>
+                    </p:cTn>
+                  </p:par>
+                </p:childTnLst>
+              </p:cTn>
+              <p:prevCondLst>
+                <p:cond evt="onPrev" delay="0">
+                  <p:tgtEl>
+                    <p:sldTgt/>
+                  </p:tgtEl>
+                </p:cond>
+              </p:prevCondLst>
+              <p:nextCondLst>
+                <p:cond evt="onNext" delay="0">
+                  <p:tgtEl>
+                    <p:sldTgt/>
+                  </p:tgtEl>
+                </p:cond>
+              </p:nextCondLst>
+            </p:seq>
+          </p:childTnLst>
+        </p:cTn>
+      </p:par>
+    </p:tnLst>
+    <p:bldLst>
+      <p:bldP spid="8" grpId="0"/>
+      <p:bldP spid="12" grpId="0"/>
+      <p:bldP spid="13" grpId="0"/>
+    </p:bldLst>
+  </p:timing>
+</p:sld>
+</file>
+
+<file path=ppt/slides/slide5.xml><?xml version="1.0" encoding="utf-8"?>
+<p:sld xmlns:a="http://schemas.openxmlformats.org/drawingml/2006/main" xmlns:r="http://schemas.openxmlformats.org/officeDocument/2006/relationships" xmlns:p="http://schemas.openxmlformats.org/presentationml/2006/main">
+  <p:cSld>
+    <p:spTree>
+      <p:nvGrpSpPr>
+        <p:cNvPr id="1" name=""/>
+        <p:cNvGrpSpPr/>
+        <p:nvPr/>
+      </p:nvGrpSpPr>
+      <p:grpSpPr>
+        <a:xfrm>
+          <a:off x="0" y="0"/>
+          <a:ext cx="0" cy="0"/>
+          <a:chOff x="0" y="0"/>
+          <a:chExt cx="0" cy="0"/>
+        </a:xfrm>
+      </p:grpSpPr>
+      <p:sp>
+        <p:nvSpPr>
+          <p:cNvPr id="2" name="Title 1"/>
+          <p:cNvSpPr>
+            <a:spLocks noGrp="1"/>
+          </p:cNvSpPr>
+          <p:nvPr>
+            <p:ph type="title"/>
+          </p:nvPr>
+        </p:nvSpPr>
+        <p:spPr/>
+        <p:txBody>
+          <a:bodyPr/>
+          <a:lstStyle/>
+          <a:p>
+            <a:r>
+              <a:rPr lang="is-IS" dirty="0" smtClean="0"/>
+              <a:t>Leiðin </a:t>
+            </a:r>
+            <a:r>
+              <a:rPr lang="is-IS" dirty="0" err="1" smtClean="0"/>
+              <a:t>úr</a:t>
+            </a:r>
+            <a:r>
+              <a:rPr lang="is-IS" dirty="0" smtClean="0"/>
+              <a:t> SQL</a:t>
+            </a:r>
+            <a:endParaRPr lang="is-IS" dirty="0"/>
+          </a:p>
+        </p:txBody>
+      </p:sp>
+      <p:sp>
+        <p:nvSpPr>
+          <p:cNvPr id="3" name="Content Placeholder 2"/>
+          <p:cNvSpPr>
+            <a:spLocks noGrp="1"/>
+          </p:cNvSpPr>
+          <p:nvPr>
+            <p:ph idx="1"/>
+          </p:nvPr>
+        </p:nvSpPr>
+        <p:spPr/>
+        <p:txBody>
+          <a:bodyPr/>
+          <a:lstStyle/>
+          <a:p>
+            <a:endParaRPr lang="is-IS"/>
+          </a:p>
+        </p:txBody>
+      </p:sp>
+    </p:spTree>
+    <p:extLst>
+      <p:ext uri="{BB962C8B-B14F-4D97-AF65-F5344CB8AC3E}">
+        <p14:creationId xmlns:p14="http://schemas.microsoft.com/office/powerpoint/2010/main" val="574316553"/>
+      </p:ext>
+    </p:extLst>
+  </p:cSld>
+  <p:clrMapOvr>
+    <a:masterClrMapping/>
+  </p:clrMapOvr>
+  <mc:AlternateContent xmlns:mc="http://schemas.openxmlformats.org/markup-compatibility/2006" xmlns:p14="http://schemas.microsoft.com/office/powerpoint/2010/main">
+    <mc:Choice Requires="p14">
+      <p:transition spd="slow" p14:dur="3400">
+        <p14:reveal/>
+      </p:transition>
+    </mc:Choice>
+    <mc:Fallback xmlns="">
+      <p:transition spd="slow">
+        <p:fade/>
+      </p:transition>
+    </mc:Fallback>
+  </mc:AlternateContent>
+  <p:timing>
+    <p:tnLst>
+      <p:par>
+        <p:cTn id="1" dur="indefinite" restart="never" nodeType="tmRoot"/>
+      </p:par>
+    </p:tnLst>
+  </p:timing>
+</p:sld>
+</file>
+
+<file path=ppt/slides/slide6.xml><?xml version="1.0" encoding="utf-8"?>
+<p:sld xmlns:a="http://schemas.openxmlformats.org/drawingml/2006/main" xmlns:r="http://schemas.openxmlformats.org/officeDocument/2006/relationships" xmlns:p="http://schemas.openxmlformats.org/presentationml/2006/main">
+  <p:cSld>
+    <p:spTree>
+      <p:nvGrpSpPr>
+        <p:cNvPr id="1" name=""/>
+        <p:cNvGrpSpPr/>
+        <p:nvPr/>
+      </p:nvGrpSpPr>
+      <p:grpSpPr>
+        <a:xfrm>
+          <a:off x="0" y="0"/>
+          <a:ext cx="0" cy="0"/>
+          <a:chOff x="0" y="0"/>
+          <a:chExt cx="0" cy="0"/>
+        </a:xfrm>
+      </p:grpSpPr>
+      <p:sp>
+        <p:nvSpPr>
+          <p:cNvPr id="2" name="Title 1"/>
+          <p:cNvSpPr>
+            <a:spLocks noGrp="1"/>
+          </p:cNvSpPr>
+          <p:nvPr>
+            <p:ph type="title"/>
+          </p:nvPr>
+        </p:nvSpPr>
+        <p:spPr/>
+        <p:txBody>
+          <a:bodyPr/>
+          <a:lstStyle/>
+          <a:p>
+            <a:r>
+              <a:rPr lang="is-IS" dirty="0" smtClean="0"/>
+              <a:t>Áhugaverð Gröf</a:t>
+            </a:r>
+            <a:endParaRPr lang="is-IS" dirty="0"/>
+          </a:p>
+        </p:txBody>
+      </p:sp>
+      <p:sp>
+        <p:nvSpPr>
+          <p:cNvPr id="3" name="Content Placeholder 2"/>
+          <p:cNvSpPr>
+            <a:spLocks noGrp="1"/>
+          </p:cNvSpPr>
+          <p:nvPr>
+            <p:ph idx="1"/>
+          </p:nvPr>
+        </p:nvSpPr>
+        <p:spPr>
+          <a:xfrm>
+            <a:off x="2589212" y="2133600"/>
+            <a:ext cx="3895515" cy="3777622"/>
+          </a:xfrm>
+        </p:spPr>
+        <p:txBody>
+          <a:bodyPr/>
+          <a:lstStyle/>
+          <a:p>
+            <a:r>
+              <a:rPr lang="is-IS" dirty="0" smtClean="0"/>
+              <a:t>Öllu gögn frá WorldBank eru lesin inn og hægt er að skoða hvern „vísi“ fyrir hvert land</a:t>
+            </a:r>
+            <a:endParaRPr lang="is-IS" dirty="0"/>
+          </a:p>
+        </p:txBody>
+      </p:sp>
+      <p:pic>
+        <p:nvPicPr>
+          <p:cNvPr id="5" name="Picture 4"/>
+          <p:cNvPicPr>
+            <a:picLocks noChangeAspect="1"/>
+          </p:cNvPicPr>
+          <p:nvPr/>
+        </p:nvPicPr>
+        <p:blipFill>
+          <a:blip r:embed="rId2">
+            <a:extLst>
+              <a:ext uri="{28A0092B-C50C-407E-A947-70E740481C1C}">
+                <a14:useLocalDpi xmlns:a14="http://schemas.microsoft.com/office/drawing/2010/main" val="0"/>
+              </a:ext>
+            </a:extLst>
+          </a:blip>
+          <a:stretch>
+            <a:fillRect/>
+          </a:stretch>
+        </p:blipFill>
+        <p:spPr>
+          <a:xfrm>
+            <a:off x="5582300" y="4248186"/>
+            <a:ext cx="2932935" cy="1753019"/>
+          </a:xfrm>
+          <a:prstGeom prst="rect">
+            <a:avLst/>
+          </a:prstGeom>
+        </p:spPr>
+      </p:pic>
+      <p:pic>
+        <p:nvPicPr>
+          <p:cNvPr id="6" name="Picture 5"/>
+          <p:cNvPicPr>
+            <a:picLocks noChangeAspect="1"/>
+          </p:cNvPicPr>
+          <p:nvPr/>
+        </p:nvPicPr>
+        <p:blipFill>
+          <a:blip r:embed="rId3">
+            <a:extLst>
+              <a:ext uri="{28A0092B-C50C-407E-A947-70E740481C1C}">
+                <a14:useLocalDpi xmlns:a14="http://schemas.microsoft.com/office/drawing/2010/main" val="0"/>
+              </a:ext>
+            </a:extLst>
+          </a:blip>
+          <a:stretch>
+            <a:fillRect/>
+          </a:stretch>
+        </p:blipFill>
+        <p:spPr>
+          <a:xfrm>
+            <a:off x="8832436" y="1370219"/>
+            <a:ext cx="2514600" cy="4629150"/>
+          </a:xfrm>
+          <a:prstGeom prst="rect">
+            <a:avLst/>
+          </a:prstGeom>
+        </p:spPr>
+      </p:pic>
+      <p:pic>
+        <p:nvPicPr>
+          <p:cNvPr id="7" name="Picture 6"/>
+          <p:cNvPicPr>
+            <a:picLocks noChangeAspect="1"/>
+          </p:cNvPicPr>
+          <p:nvPr/>
+        </p:nvPicPr>
+        <p:blipFill>
+          <a:blip r:embed="rId4" cstate="print">
+            <a:extLst>
+              <a:ext uri="{28A0092B-C50C-407E-A947-70E740481C1C}">
+                <a14:useLocalDpi xmlns:a14="http://schemas.microsoft.com/office/drawing/2010/main" val="0"/>
+              </a:ext>
+            </a:extLst>
+          </a:blip>
+          <a:stretch>
+            <a:fillRect/>
+          </a:stretch>
+        </p:blipFill>
+        <p:spPr>
+          <a:xfrm>
+            <a:off x="2295914" y="4248186"/>
+            <a:ext cx="2969185" cy="1751183"/>
+          </a:xfrm>
+          <a:prstGeom prst="rect">
+            <a:avLst/>
+          </a:prstGeom>
+        </p:spPr>
+      </p:pic>
+    </p:spTree>
+    <p:extLst>
+      <p:ext uri="{BB962C8B-B14F-4D97-AF65-F5344CB8AC3E}">
+        <p14:creationId xmlns:p14="http://schemas.microsoft.com/office/powerpoint/2010/main" val="1428249607"/>
+      </p:ext>
+    </p:extLst>
+  </p:cSld>
+  <p:clrMapOvr>
+    <a:masterClrMapping/>
+  </p:clrMapOvr>
+  <mc:AlternateContent xmlns:mc="http://schemas.openxmlformats.org/markup-compatibility/2006" xmlns:p14="http://schemas.microsoft.com/office/powerpoint/2010/main">
+    <mc:Choice Requires="p14">
+      <p:transition spd="slow" p14:dur="1500">
+        <p:split orient="vert"/>
+      </p:transition>
+    </mc:Choice>
+    <mc:Fallback xmlns="">
+      <p:transition spd="slow">
+        <p:split orient="vert"/>
+      </p:transition>
+    </mc:Fallback>
+  </mc:AlternateContent>
+  <p:timing>
+    <p:tnLst>
+      <p:par>
+        <p:cTn id="1" dur="indefinite" restart="never" nodeType="tmRoot"/>
+      </p:par>
+    </p:tnLst>
+  </p:timing>
+</p:sld>
+</file>
+
+<file path=ppt/slides/slide7.xml><?xml version="1.0" encoding="utf-8"?>
+<p:sld xmlns:a="http://schemas.openxmlformats.org/drawingml/2006/main" xmlns:r="http://schemas.openxmlformats.org/officeDocument/2006/relationships" xmlns:p="http://schemas.openxmlformats.org/presentationml/2006/main">
+  <p:cSld>
+    <p:spTree>
+      <p:nvGrpSpPr>
+        <p:cNvPr id="1" name=""/>
+        <p:cNvGrpSpPr/>
+        <p:nvPr/>
+      </p:nvGrpSpPr>
+      <p:grpSpPr>
+        <a:xfrm>
+          <a:off x="0" y="0"/>
+          <a:ext cx="0" cy="0"/>
+          <a:chOff x="0" y="0"/>
+          <a:chExt cx="0" cy="0"/>
+        </a:xfrm>
+      </p:grpSpPr>
+      <p:sp>
+        <p:nvSpPr>
+          <p:cNvPr id="2" name="Title 1"/>
+          <p:cNvSpPr>
+            <a:spLocks noGrp="1"/>
+          </p:cNvSpPr>
+          <p:nvPr>
+            <p:ph type="title"/>
+          </p:nvPr>
+        </p:nvSpPr>
+        <p:spPr/>
+        <p:txBody>
+          <a:bodyPr/>
+          <a:lstStyle/>
+          <a:p>
+            <a:endParaRPr lang="en-GB"/>
+          </a:p>
+        </p:txBody>
+      </p:sp>
+      <p:pic>
+        <p:nvPicPr>
+          <p:cNvPr id="5" name="Content Placeholder 4"/>
+          <p:cNvPicPr>
+            <a:picLocks noGrp="1" noChangeAspect="1"/>
+          </p:cNvPicPr>
+          <p:nvPr>
+            <p:ph idx="1"/>
+          </p:nvPr>
+        </p:nvPicPr>
+        <p:blipFill>
+          <a:blip r:embed="rId2">
+            <a:extLst>
+              <a:ext uri="{28A0092B-C50C-407E-A947-70E740481C1C}">
+                <a14:useLocalDpi xmlns:a14="http://schemas.microsoft.com/office/drawing/2010/main" val="0"/>
+              </a:ext>
+            </a:extLst>
+          </a:blip>
+          <a:stretch>
+            <a:fillRect/>
+          </a:stretch>
+        </p:blipFill>
+        <p:spPr>
+          <a:xfrm>
+            <a:off x="0" y="0"/>
+            <a:ext cx="12190899" cy="6857999"/>
+          </a:xfrm>
+        </p:spPr>
+      </p:pic>
+    </p:spTree>
+    <p:extLst>
+      <p:ext uri="{BB962C8B-B14F-4D97-AF65-F5344CB8AC3E}">
+        <p14:creationId xmlns:p14="http://schemas.microsoft.com/office/powerpoint/2010/main" val="3560646934"/>
+      </p:ext>
+    </p:extLst>
+  </p:cSld>
+  <p:clrMapOvr>
+    <a:masterClrMapping/>
+  </p:clrMapOvr>
+  <p:timing>
+    <p:tnLst>
+      <p:par>
+        <p:cTn id="1" dur="indefinite" restart="never" nodeType="tmRoot"/>
+      </p:par>
+    </p:tnLst>
+  </p:timing>
+</p:sld>
+</file>
+
+<file path=ppt/slides/slide8.xml><?xml version="1.0" encoding="utf-8"?>
+<p:sld xmlns:a="http://schemas.openxmlformats.org/drawingml/2006/main" xmlns:r="http://schemas.openxmlformats.org/officeDocument/2006/relationships" xmlns:p="http://schemas.openxmlformats.org/presentationml/2006/main">
+  <p:cSld>
+    <p:spTree>
+      <p:nvGrpSpPr>
+        <p:cNvPr id="1" name=""/>
+        <p:cNvGrpSpPr/>
+        <p:nvPr/>
+      </p:nvGrpSpPr>
+      <p:grpSpPr>
+        <a:xfrm>
+          <a:off x="0" y="0"/>
+          <a:ext cx="0" cy="0"/>
+          <a:chOff x="0" y="0"/>
+          <a:chExt cx="0" cy="0"/>
+        </a:xfrm>
+      </p:grpSpPr>
+      <p:sp>
+        <p:nvSpPr>
+          <p:cNvPr id="2" name="Title 1"/>
+          <p:cNvSpPr>
+            <a:spLocks noGrp="1"/>
+          </p:cNvSpPr>
+          <p:nvPr>
+            <p:ph type="title"/>
+          </p:nvPr>
+        </p:nvSpPr>
+        <p:spPr/>
+        <p:txBody>
+          <a:bodyPr/>
+          <a:lstStyle/>
+          <a:p>
+            <a:r>
+              <a:rPr lang="is-IS" dirty="0" smtClean="0"/>
+              <a:t>Áhugavert</a:t>
+            </a:r>
+            <a:endParaRPr lang="is-IS" dirty="0"/>
+          </a:p>
+        </p:txBody>
+      </p:sp>
+      <p:pic>
+        <p:nvPicPr>
+          <p:cNvPr id="5" name="Content Placeholder 4"/>
+          <p:cNvPicPr>
+            <a:picLocks noGrp="1" noChangeAspect="1"/>
+          </p:cNvPicPr>
+          <p:nvPr>
+            <p:ph idx="1"/>
+          </p:nvPr>
+        </p:nvPicPr>
+        <p:blipFill>
+          <a:blip r:embed="rId2">
+            <a:extLst>
+              <a:ext uri="{28A0092B-C50C-407E-A947-70E740481C1C}">
+                <a14:useLocalDpi xmlns:a14="http://schemas.microsoft.com/office/drawing/2010/main" val="0"/>
+              </a:ext>
+            </a:extLst>
+          </a:blip>
+          <a:stretch>
+            <a:fillRect/>
+          </a:stretch>
+        </p:blipFill>
+        <p:spPr>
+          <a:xfrm>
+            <a:off x="915117" y="1905000"/>
+            <a:ext cx="10589495" cy="3566655"/>
+          </a:xfrm>
+        </p:spPr>
+      </p:pic>
+    </p:spTree>
+    <p:extLst>
+      <p:ext uri="{BB962C8B-B14F-4D97-AF65-F5344CB8AC3E}">
+        <p14:creationId xmlns:p14="http://schemas.microsoft.com/office/powerpoint/2010/main" val="821489740"/>
+      </p:ext>
+    </p:extLst>
+  </p:cSld>
+  <p:clrMapOvr>
+    <a:masterClrMapping/>
+  </p:clrMapOvr>
+  <mc:AlternateContent xmlns:mc="http://schemas.openxmlformats.org/markup-compatibility/2006" xmlns:p15="http://schemas.microsoft.com/office/powerpoint/2012/main">
+    <mc:Choice Requires="p15">
+      <p:transition xmlns:p14="http://schemas.microsoft.com/office/powerpoint/2010/main" spd="slow" p14:dur="2000">
+        <p15:prstTrans prst="fallOver"/>
+      </p:transition>
+    </mc:Choice>
+    <mc:Fallback xmlns="">
+      <p:transition spd="slow">
+        <p:fade/>
+      </p:transition>
+    </mc:Fallback>
+  </mc:AlternateContent>
+  <p:timing>
+    <p:tnLst>
+      <p:par>
+        <p:cTn id="1" dur="indefinite" restart="never" nodeType="tmRoot"/>
+      </p:par>
+    </p:tnLst>
+  </p:timing>
+</p:sld>
+</file>
+
+<file path=ppt/slides/slide9.xml><?xml version="1.0" encoding="utf-8"?>
+<p:sld xmlns:a="http://schemas.openxmlformats.org/drawingml/2006/main" xmlns:r="http://schemas.openxmlformats.org/officeDocument/2006/relationships" xmlns:p="http://schemas.openxmlformats.org/presentationml/2006/main">
+  <p:cSld>
+    <p:spTree>
+      <p:nvGrpSpPr>
+        <p:cNvPr id="1" name=""/>
+        <p:cNvGrpSpPr/>
+        <p:nvPr/>
+      </p:nvGrpSpPr>
+      <p:grpSpPr>
+        <a:xfrm>
+          <a:off x="0" y="0"/>
+          <a:ext cx="0" cy="0"/>
+          <a:chOff x="0" y="0"/>
+          <a:chExt cx="0" cy="0"/>
+        </a:xfrm>
+      </p:grpSpPr>
+      <p:sp>
+        <p:nvSpPr>
+          <p:cNvPr id="2" name="Title 1"/>
+          <p:cNvSpPr>
+            <a:spLocks noGrp="1"/>
+          </p:cNvSpPr>
+          <p:nvPr>
+            <p:ph type="title"/>
+          </p:nvPr>
+        </p:nvSpPr>
+        <p:spPr/>
+        <p:txBody>
+          <a:bodyPr/>
+          <a:lstStyle/>
+          <a:p>
+            <a:r>
+              <a:rPr lang="is-IS" dirty="0" smtClean="0"/>
+              <a:t>Topp tíu listi</a:t>
+            </a:r>
+            <a:endParaRPr lang="is-IS" dirty="0"/>
+          </a:p>
+        </p:txBody>
+      </p:sp>
+      <p:sp>
+        <p:nvSpPr>
+          <p:cNvPr id="3" name="Content Placeholder 2"/>
+          <p:cNvSpPr>
+            <a:spLocks noGrp="1"/>
+          </p:cNvSpPr>
+          <p:nvPr>
+            <p:ph idx="1"/>
+          </p:nvPr>
+        </p:nvSpPr>
+        <p:spPr/>
+        <p:txBody>
+          <a:bodyPr/>
+          <a:lstStyle/>
+          <a:p>
+            <a:r>
+              <a:rPr lang="is-IS" dirty="0" smtClean="0"/>
+              <a:t>Hægt er að velja viðfangsefni eins og t.d. „Fertility Rate“ eða „Life expectancy at birth“ og fá lista yfir þau lönd sem lenda hæst á þeim lista.</a:t>
+            </a:r>
+            <a:endParaRPr lang="is-IS" dirty="0"/>
+          </a:p>
+        </p:txBody>
+      </p:sp>
+      <p:pic>
+        <p:nvPicPr>
+          <p:cNvPr id="4" name="Picture 3"/>
+          <p:cNvPicPr>
+            <a:picLocks noChangeAspect="1"/>
+          </p:cNvPicPr>
+          <p:nvPr/>
+        </p:nvPicPr>
+        <p:blipFill>
+          <a:blip r:embed="rId2">
+            <a:extLst>
+              <a:ext uri="{28A0092B-C50C-407E-A947-70E740481C1C}">
+                <a14:useLocalDpi xmlns:a14="http://schemas.microsoft.com/office/drawing/2010/main" val="0"/>
+              </a:ext>
+            </a:extLst>
+          </a:blip>
+          <a:stretch>
+            <a:fillRect/>
+          </a:stretch>
+        </p:blipFill>
+        <p:spPr>
+          <a:xfrm>
+            <a:off x="2589212" y="2931903"/>
+            <a:ext cx="8915400" cy="3750991"/>
+          </a:xfrm>
+          <a:prstGeom prst="rect">
+            <a:avLst/>
+          </a:prstGeom>
+        </p:spPr>
+      </p:pic>
+    </p:spTree>
+    <p:extLst>
+      <p:ext uri="{BB962C8B-B14F-4D97-AF65-F5344CB8AC3E}">
+        <p14:creationId xmlns:p14="http://schemas.microsoft.com/office/powerpoint/2010/main" val="1288756868"/>
+      </p:ext>
+    </p:extLst>
+  </p:cSld>
+  <p:clrMapOvr>
+    <a:masterClrMapping/>
+  </p:clrMapOvr>
+  <mc:AlternateContent xmlns:mc="http://schemas.openxmlformats.org/markup-compatibility/2006" xmlns:p14="http://schemas.microsoft.com/office/powerpoint/2010/main">
+    <mc:Choice Requires="p14">
+      <p:transition spd="slow">
+        <p14:flash/>
       </p:transition>
     </mc:Choice>
     <mc:Fallback xmlns="">

--- a/Verkefni3/kynning/Kynning.pptx
+++ b/Verkefni3/kynning/Kynning.pptx
@@ -10170,25 +10170,35 @@
           </a:p>
         </p:txBody>
       </p:sp>
-      <p:sp>
-        <p:nvSpPr>
-          <p:cNvPr id="3" name="Content Placeholder 2"/>
-          <p:cNvSpPr>
-            <a:spLocks noGrp="1"/>
-          </p:cNvSpPr>
+      <p:pic>
+        <p:nvPicPr>
+          <p:cNvPr id="4" name="Content Placeholder 3"/>
+          <p:cNvPicPr>
+            <a:picLocks noGrp="1" noChangeAspect="1"/>
+          </p:cNvPicPr>
           <p:nvPr>
             <p:ph idx="1"/>
           </p:nvPr>
-        </p:nvSpPr>
-        <p:spPr/>
-        <p:txBody>
-          <a:bodyPr/>
-          <a:lstStyle/>
-          <a:p>
-            <a:endParaRPr lang="is-IS"/>
-          </a:p>
-        </p:txBody>
-      </p:sp>
+        </p:nvPicPr>
+        <p:blipFill>
+          <a:blip r:embed="rId2">
+            <a:extLst>
+              <a:ext uri="{28A0092B-C50C-407E-A947-70E740481C1C}">
+                <a14:useLocalDpi xmlns:a14="http://schemas.microsoft.com/office/drawing/2010/main" val="0"/>
+              </a:ext>
+            </a:extLst>
+          </a:blip>
+          <a:stretch>
+            <a:fillRect/>
+          </a:stretch>
+        </p:blipFill>
+        <p:spPr>
+          <a:xfrm>
+            <a:off x="957323" y="2490537"/>
+            <a:ext cx="10547290" cy="2653779"/>
+          </a:xfrm>
+        </p:spPr>
+      </p:pic>
     </p:spTree>
     <p:extLst>
       <p:ext uri="{BB962C8B-B14F-4D97-AF65-F5344CB8AC3E}">

--- a/Verkefni3/kynning/Kynning.pptx
+++ b/Verkefni3/kynning/Kynning.pptx
@@ -7,19 +7,17 @@
   <p:sldIdLst>
     <p:sldId id="256" r:id="rId2"/>
     <p:sldId id="257" r:id="rId3"/>
-    <p:sldId id="267" r:id="rId4"/>
-    <p:sldId id="263" r:id="rId5"/>
-    <p:sldId id="264" r:id="rId6"/>
-    <p:sldId id="265" r:id="rId7"/>
-    <p:sldId id="266" r:id="rId8"/>
-    <p:sldId id="258" r:id="rId9"/>
-    <p:sldId id="261" r:id="rId10"/>
-    <p:sldId id="262" r:id="rId11"/>
-    <p:sldId id="268" r:id="rId12"/>
-    <p:sldId id="269" r:id="rId13"/>
-    <p:sldId id="270" r:id="rId14"/>
-    <p:sldId id="259" r:id="rId15"/>
-    <p:sldId id="260" r:id="rId16"/>
+    <p:sldId id="263" r:id="rId4"/>
+    <p:sldId id="264" r:id="rId5"/>
+    <p:sldId id="265" r:id="rId6"/>
+    <p:sldId id="266" r:id="rId7"/>
+    <p:sldId id="258" r:id="rId8"/>
+    <p:sldId id="262" r:id="rId9"/>
+    <p:sldId id="268" r:id="rId10"/>
+    <p:sldId id="269" r:id="rId11"/>
+    <p:sldId id="270" r:id="rId12"/>
+    <p:sldId id="259" r:id="rId13"/>
+    <p:sldId id="260" r:id="rId14"/>
   </p:sldIdLst>
   <p:sldSz cx="12192000" cy="6858000"/>
   <p:notesSz cx="6858000" cy="9144000"/>
@@ -7796,462 +7794,6 @@
           <a:lstStyle/>
           <a:p>
             <a:r>
-              <a:rPr lang="is-IS" dirty="0"/>
-              <a:t>Topp tíu listi</a:t>
-            </a:r>
-          </a:p>
-        </p:txBody>
-      </p:sp>
-      <p:pic>
-        <p:nvPicPr>
-          <p:cNvPr id="4" name="Content Placeholder 3"/>
-          <p:cNvPicPr>
-            <a:picLocks noGrp="1" noChangeAspect="1"/>
-          </p:cNvPicPr>
-          <p:nvPr>
-            <p:ph idx="1"/>
-          </p:nvPr>
-        </p:nvPicPr>
-        <p:blipFill>
-          <a:blip r:embed="rId2">
-            <a:extLst>
-              <a:ext uri="{28A0092B-C50C-407E-A947-70E740481C1C}">
-                <a14:useLocalDpi xmlns:a14="http://schemas.microsoft.com/office/drawing/2010/main" val="0"/>
-              </a:ext>
-            </a:extLst>
-          </a:blip>
-          <a:stretch>
-            <a:fillRect/>
-          </a:stretch>
-        </p:blipFill>
-        <p:spPr>
-          <a:xfrm>
-            <a:off x="2589212" y="2926996"/>
-            <a:ext cx="8915400" cy="3761466"/>
-          </a:xfrm>
-        </p:spPr>
-      </p:pic>
-      <p:sp>
-        <p:nvSpPr>
-          <p:cNvPr id="5" name="Content Placeholder 2"/>
-          <p:cNvSpPr txBox="1">
-            <a:spLocks/>
-          </p:cNvSpPr>
-          <p:nvPr/>
-        </p:nvSpPr>
-        <p:spPr>
-          <a:xfrm>
-            <a:off x="2589212" y="2133600"/>
-            <a:ext cx="8915400" cy="3777622"/>
-          </a:xfrm>
-          <a:prstGeom prst="rect">
-            <a:avLst/>
-          </a:prstGeom>
-        </p:spPr>
-        <p:txBody>
-          <a:bodyPr vert="horz" lIns="91440" tIns="45720" rIns="91440" bIns="45720" rtlCol="0">
-            <a:normAutofit/>
-          </a:bodyPr>
-          <a:lstStyle>
-            <a:lvl1pPr marL="342900" indent="-342900" algn="l" defTabSz="457200" rtl="0" eaLnBrk="1" latinLnBrk="0" hangingPunct="1">
-              <a:spcBef>
-                <a:spcPts val="1000"/>
-              </a:spcBef>
-              <a:spcAft>
-                <a:spcPts val="0"/>
-              </a:spcAft>
-              <a:buClr>
-                <a:schemeClr val="accent1"/>
-              </a:buClr>
-              <a:buFont typeface="Wingdings 3" charset="2"/>
-              <a:buChar char=""/>
-              <a:defRPr sz="1800" kern="1200">
-                <a:solidFill>
-                  <a:schemeClr val="tx1">
-                    <a:lumMod val="75000"/>
-                    <a:lumOff val="25000"/>
-                  </a:schemeClr>
-                </a:solidFill>
-                <a:latin typeface="+mn-lt"/>
-                <a:ea typeface="+mn-ea"/>
-                <a:cs typeface="+mn-cs"/>
-              </a:defRPr>
-            </a:lvl1pPr>
-            <a:lvl2pPr marL="742950" indent="-285750" algn="l" defTabSz="457200" rtl="0" eaLnBrk="1" latinLnBrk="0" hangingPunct="1">
-              <a:spcBef>
-                <a:spcPts val="1000"/>
-              </a:spcBef>
-              <a:spcAft>
-                <a:spcPts val="0"/>
-              </a:spcAft>
-              <a:buClr>
-                <a:schemeClr val="accent1"/>
-              </a:buClr>
-              <a:buFont typeface="Wingdings 3" charset="2"/>
-              <a:buChar char=""/>
-              <a:defRPr sz="1600" kern="1200">
-                <a:solidFill>
-                  <a:schemeClr val="tx1">
-                    <a:lumMod val="75000"/>
-                    <a:lumOff val="25000"/>
-                  </a:schemeClr>
-                </a:solidFill>
-                <a:latin typeface="+mn-lt"/>
-                <a:ea typeface="+mn-ea"/>
-                <a:cs typeface="+mn-cs"/>
-              </a:defRPr>
-            </a:lvl2pPr>
-            <a:lvl3pPr marL="1143000" indent="-228600" algn="l" defTabSz="457200" rtl="0" eaLnBrk="1" latinLnBrk="0" hangingPunct="1">
-              <a:spcBef>
-                <a:spcPts val="1000"/>
-              </a:spcBef>
-              <a:spcAft>
-                <a:spcPts val="0"/>
-              </a:spcAft>
-              <a:buClr>
-                <a:schemeClr val="accent1"/>
-              </a:buClr>
-              <a:buFont typeface="Wingdings 3" charset="2"/>
-              <a:buChar char=""/>
-              <a:defRPr sz="1400" kern="1200">
-                <a:solidFill>
-                  <a:schemeClr val="tx1">
-                    <a:lumMod val="75000"/>
-                    <a:lumOff val="25000"/>
-                  </a:schemeClr>
-                </a:solidFill>
-                <a:latin typeface="+mn-lt"/>
-                <a:ea typeface="+mn-ea"/>
-                <a:cs typeface="+mn-cs"/>
-              </a:defRPr>
-            </a:lvl3pPr>
-            <a:lvl4pPr marL="1600200" indent="-228600" algn="l" defTabSz="457200" rtl="0" eaLnBrk="1" latinLnBrk="0" hangingPunct="1">
-              <a:spcBef>
-                <a:spcPts val="1000"/>
-              </a:spcBef>
-              <a:spcAft>
-                <a:spcPts val="0"/>
-              </a:spcAft>
-              <a:buClr>
-                <a:schemeClr val="accent1"/>
-              </a:buClr>
-              <a:buFont typeface="Wingdings 3" charset="2"/>
-              <a:buChar char=""/>
-              <a:defRPr sz="1200" kern="1200">
-                <a:solidFill>
-                  <a:schemeClr val="tx1">
-                    <a:lumMod val="75000"/>
-                    <a:lumOff val="25000"/>
-                  </a:schemeClr>
-                </a:solidFill>
-                <a:latin typeface="+mn-lt"/>
-                <a:ea typeface="+mn-ea"/>
-                <a:cs typeface="+mn-cs"/>
-              </a:defRPr>
-            </a:lvl4pPr>
-            <a:lvl5pPr marL="2057400" indent="-228600" algn="l" defTabSz="457200" rtl="0" eaLnBrk="1" latinLnBrk="0" hangingPunct="1">
-              <a:spcBef>
-                <a:spcPts val="1000"/>
-              </a:spcBef>
-              <a:spcAft>
-                <a:spcPts val="0"/>
-              </a:spcAft>
-              <a:buClr>
-                <a:schemeClr val="accent1"/>
-              </a:buClr>
-              <a:buFont typeface="Wingdings 3" charset="2"/>
-              <a:buChar char=""/>
-              <a:defRPr sz="1200" kern="1200">
-                <a:solidFill>
-                  <a:schemeClr val="tx1">
-                    <a:lumMod val="75000"/>
-                    <a:lumOff val="25000"/>
-                  </a:schemeClr>
-                </a:solidFill>
-                <a:latin typeface="+mn-lt"/>
-                <a:ea typeface="+mn-ea"/>
-                <a:cs typeface="+mn-cs"/>
-              </a:defRPr>
-            </a:lvl5pPr>
-            <a:lvl6pPr marL="2514600" indent="-228600" algn="l" defTabSz="457200" rtl="0" eaLnBrk="1" latinLnBrk="0" hangingPunct="1">
-              <a:spcBef>
-                <a:spcPts val="1000"/>
-              </a:spcBef>
-              <a:spcAft>
-                <a:spcPts val="0"/>
-              </a:spcAft>
-              <a:buClr>
-                <a:schemeClr val="accent1"/>
-              </a:buClr>
-              <a:buFont typeface="Wingdings 3" charset="2"/>
-              <a:buChar char=""/>
-              <a:defRPr sz="1200" kern="1200">
-                <a:solidFill>
-                  <a:schemeClr val="tx1">
-                    <a:lumMod val="75000"/>
-                    <a:lumOff val="25000"/>
-                  </a:schemeClr>
-                </a:solidFill>
-                <a:latin typeface="+mn-lt"/>
-                <a:ea typeface="+mn-ea"/>
-                <a:cs typeface="+mn-cs"/>
-              </a:defRPr>
-            </a:lvl6pPr>
-            <a:lvl7pPr marL="2971800" indent="-228600" algn="l" defTabSz="457200" rtl="0" eaLnBrk="1" latinLnBrk="0" hangingPunct="1">
-              <a:spcBef>
-                <a:spcPts val="1000"/>
-              </a:spcBef>
-              <a:spcAft>
-                <a:spcPts val="0"/>
-              </a:spcAft>
-              <a:buClr>
-                <a:schemeClr val="accent1"/>
-              </a:buClr>
-              <a:buFont typeface="Wingdings 3" charset="2"/>
-              <a:buChar char=""/>
-              <a:defRPr sz="1200" kern="1200">
-                <a:solidFill>
-                  <a:schemeClr val="tx1">
-                    <a:lumMod val="75000"/>
-                    <a:lumOff val="25000"/>
-                  </a:schemeClr>
-                </a:solidFill>
-                <a:latin typeface="+mn-lt"/>
-                <a:ea typeface="+mn-ea"/>
-                <a:cs typeface="+mn-cs"/>
-              </a:defRPr>
-            </a:lvl7pPr>
-            <a:lvl8pPr marL="3429000" indent="-228600" algn="l" defTabSz="457200" rtl="0" eaLnBrk="1" latinLnBrk="0" hangingPunct="1">
-              <a:spcBef>
-                <a:spcPts val="1000"/>
-              </a:spcBef>
-              <a:spcAft>
-                <a:spcPts val="0"/>
-              </a:spcAft>
-              <a:buClr>
-                <a:schemeClr val="accent1"/>
-              </a:buClr>
-              <a:buFont typeface="Wingdings 3" charset="2"/>
-              <a:buChar char=""/>
-              <a:defRPr sz="1200" kern="1200">
-                <a:solidFill>
-                  <a:schemeClr val="tx1">
-                    <a:lumMod val="75000"/>
-                    <a:lumOff val="25000"/>
-                  </a:schemeClr>
-                </a:solidFill>
-                <a:latin typeface="+mn-lt"/>
-                <a:ea typeface="+mn-ea"/>
-                <a:cs typeface="+mn-cs"/>
-              </a:defRPr>
-            </a:lvl8pPr>
-            <a:lvl9pPr marL="3886200" indent="-228600" algn="l" defTabSz="457200" rtl="0" eaLnBrk="1" latinLnBrk="0" hangingPunct="1">
-              <a:spcBef>
-                <a:spcPts val="1000"/>
-              </a:spcBef>
-              <a:spcAft>
-                <a:spcPts val="0"/>
-              </a:spcAft>
-              <a:buClr>
-                <a:schemeClr val="accent1"/>
-              </a:buClr>
-              <a:buFont typeface="Wingdings 3" charset="2"/>
-              <a:buChar char=""/>
-              <a:defRPr sz="1200" kern="1200">
-                <a:solidFill>
-                  <a:schemeClr val="tx1">
-                    <a:lumMod val="75000"/>
-                    <a:lumOff val="25000"/>
-                  </a:schemeClr>
-                </a:solidFill>
-                <a:latin typeface="+mn-lt"/>
-                <a:ea typeface="+mn-ea"/>
-                <a:cs typeface="+mn-cs"/>
-              </a:defRPr>
-            </a:lvl9pPr>
-          </a:lstStyle>
-          <a:p>
-            <a:r>
-              <a:rPr lang="is-IS" dirty="0" smtClean="0"/>
-              <a:t>Hægt að velja listan í öfugri röð, það land sem er valið (Ísland) kemur líka fyrir á listanum</a:t>
-            </a:r>
-            <a:endParaRPr lang="is-IS" dirty="0"/>
-          </a:p>
-        </p:txBody>
-      </p:sp>
-    </p:spTree>
-    <p:extLst>
-      <p:ext uri="{BB962C8B-B14F-4D97-AF65-F5344CB8AC3E}">
-        <p14:creationId xmlns:p14="http://schemas.microsoft.com/office/powerpoint/2010/main" val="2195403750"/>
-      </p:ext>
-    </p:extLst>
-  </p:cSld>
-  <p:clrMapOvr>
-    <a:masterClrMapping/>
-  </p:clrMapOvr>
-  <p:transition spd="slow">
-    <p:cover/>
-  </p:transition>
-  <p:timing>
-    <p:tnLst>
-      <p:par>
-        <p:cTn id="1" dur="indefinite" restart="never" nodeType="tmRoot"/>
-      </p:par>
-    </p:tnLst>
-  </p:timing>
-</p:sld>
-</file>
-
-<file path=ppt/slides/slide11.xml><?xml version="1.0" encoding="utf-8"?>
-<p:sld xmlns:a="http://schemas.openxmlformats.org/drawingml/2006/main" xmlns:r="http://schemas.openxmlformats.org/officeDocument/2006/relationships" xmlns:p="http://schemas.openxmlformats.org/presentationml/2006/main">
-  <p:cSld>
-    <p:spTree>
-      <p:nvGrpSpPr>
-        <p:cNvPr id="1" name=""/>
-        <p:cNvGrpSpPr/>
-        <p:nvPr/>
-      </p:nvGrpSpPr>
-      <p:grpSpPr>
-        <a:xfrm>
-          <a:off x="0" y="0"/>
-          <a:ext cx="0" cy="0"/>
-          <a:chOff x="0" y="0"/>
-          <a:chExt cx="0" cy="0"/>
-        </a:xfrm>
-      </p:grpSpPr>
-      <p:sp>
-        <p:nvSpPr>
-          <p:cNvPr id="2" name="Title 1"/>
-          <p:cNvSpPr>
-            <a:spLocks noGrp="1"/>
-          </p:cNvSpPr>
-          <p:nvPr>
-            <p:ph type="title"/>
-          </p:nvPr>
-        </p:nvSpPr>
-        <p:spPr/>
-        <p:txBody>
-          <a:bodyPr/>
-          <a:lstStyle/>
-          <a:p>
-            <a:pPr algn="ctr"/>
-            <a:r>
-              <a:rPr lang="is-IS" dirty="0" smtClean="0"/>
-              <a:t>Best í heimi?</a:t>
-            </a:r>
-            <a:endParaRPr lang="is-IS" dirty="0"/>
-          </a:p>
-        </p:txBody>
-      </p:sp>
-      <p:sp>
-        <p:nvSpPr>
-          <p:cNvPr id="3" name="Content Placeholder 2"/>
-          <p:cNvSpPr>
-            <a:spLocks noGrp="1"/>
-          </p:cNvSpPr>
-          <p:nvPr>
-            <p:ph idx="1"/>
-          </p:nvPr>
-        </p:nvSpPr>
-        <p:spPr/>
-        <p:txBody>
-          <a:bodyPr anchor="ctr"/>
-          <a:lstStyle/>
-          <a:p>
-            <a:pPr algn="ctr"/>
-            <a:r>
-              <a:rPr lang="is-IS" sz="3200" dirty="0"/>
-              <a:t>Hvar er best að búa?</a:t>
-            </a:r>
-          </a:p>
-          <a:p>
-            <a:pPr algn="ctr"/>
-            <a:r>
-              <a:rPr lang="is-IS" sz="3200" dirty="0" smtClean="0"/>
-              <a:t>Hvað </a:t>
-            </a:r>
-            <a:r>
-              <a:rPr lang="is-IS" sz="3200" dirty="0"/>
-              <a:t>hefur áhrif</a:t>
-            </a:r>
-            <a:r>
-              <a:rPr lang="is-IS" sz="3200" dirty="0" smtClean="0"/>
-              <a:t>?</a:t>
-            </a:r>
-          </a:p>
-          <a:p>
-            <a:pPr algn="ctr"/>
-            <a:r>
-              <a:rPr lang="is-IS" sz="3200" dirty="0" smtClean="0"/>
-              <a:t>Hvar stendur Ísland?</a:t>
-            </a:r>
-          </a:p>
-          <a:p>
-            <a:pPr algn="ctr"/>
-            <a:r>
-              <a:rPr lang="is-IS" sz="3200" dirty="0" smtClean="0"/>
-              <a:t>Áhugaverð gögn?</a:t>
-            </a:r>
-            <a:endParaRPr lang="is-IS" sz="3200" dirty="0"/>
-          </a:p>
-          <a:p>
-            <a:endParaRPr lang="is-IS" dirty="0"/>
-          </a:p>
-        </p:txBody>
-      </p:sp>
-    </p:spTree>
-    <p:extLst>
-      <p:ext uri="{BB962C8B-B14F-4D97-AF65-F5344CB8AC3E}">
-        <p14:creationId xmlns:p14="http://schemas.microsoft.com/office/powerpoint/2010/main" val="3270220427"/>
-      </p:ext>
-    </p:extLst>
-  </p:cSld>
-  <p:clrMapOvr>
-    <a:masterClrMapping/>
-  </p:clrMapOvr>
-  <p:timing>
-    <p:tnLst>
-      <p:par>
-        <p:cTn id="1" dur="indefinite" restart="never" nodeType="tmRoot"/>
-      </p:par>
-    </p:tnLst>
-  </p:timing>
-</p:sld>
-</file>
-
-<file path=ppt/slides/slide12.xml><?xml version="1.0" encoding="utf-8"?>
-<p:sld xmlns:a="http://schemas.openxmlformats.org/drawingml/2006/main" xmlns:r="http://schemas.openxmlformats.org/officeDocument/2006/relationships" xmlns:p="http://schemas.openxmlformats.org/presentationml/2006/main">
-  <p:cSld>
-    <p:spTree>
-      <p:nvGrpSpPr>
-        <p:cNvPr id="1" name=""/>
-        <p:cNvGrpSpPr/>
-        <p:nvPr/>
-      </p:nvGrpSpPr>
-      <p:grpSpPr>
-        <a:xfrm>
-          <a:off x="0" y="0"/>
-          <a:ext cx="0" cy="0"/>
-          <a:chOff x="0" y="0"/>
-          <a:chExt cx="0" cy="0"/>
-        </a:xfrm>
-      </p:grpSpPr>
-      <p:sp>
-        <p:nvSpPr>
-          <p:cNvPr id="2" name="Title 1"/>
-          <p:cNvSpPr>
-            <a:spLocks noGrp="1"/>
-          </p:cNvSpPr>
-          <p:nvPr>
-            <p:ph type="title"/>
-          </p:nvPr>
-        </p:nvSpPr>
-        <p:spPr/>
-        <p:txBody>
-          <a:bodyPr/>
-          <a:lstStyle/>
-          <a:p>
-            <a:r>
               <a:rPr lang="is-IS" dirty="0" smtClean="0"/>
               <a:t>Áhrifavaldar</a:t>
             </a:r>
@@ -8393,7 +7935,7 @@
 </p:sld>
 </file>
 
-<file path=ppt/slides/slide13.xml><?xml version="1.0" encoding="utf-8"?>
+<file path=ppt/slides/slide11.xml><?xml version="1.0" encoding="utf-8"?>
 <p:sld xmlns:a="http://schemas.openxmlformats.org/drawingml/2006/main" xmlns:r="http://schemas.openxmlformats.org/officeDocument/2006/relationships" xmlns:p="http://schemas.openxmlformats.org/presentationml/2006/main">
   <p:cSld>
     <p:spTree>
@@ -8948,7 +8490,7 @@
 </p:sld>
 </file>
 
-<file path=ppt/slides/slide14.xml><?xml version="1.0" encoding="utf-8"?>
+<file path=ppt/slides/slide12.xml><?xml version="1.0" encoding="utf-8"?>
 <p:sld xmlns:a="http://schemas.openxmlformats.org/drawingml/2006/main" xmlns:r="http://schemas.openxmlformats.org/officeDocument/2006/relationships" xmlns:p="http://schemas.openxmlformats.org/presentationml/2006/main">
   <p:cSld>
     <p:spTree>
@@ -9201,7 +8743,7 @@
 </p:sld>
 </file>
 
-<file path=ppt/slides/slide15.xml><?xml version="1.0" encoding="utf-8"?>
+<file path=ppt/slides/slide13.xml><?xml version="1.0" encoding="utf-8"?>
 <p:sld xmlns:a="http://schemas.openxmlformats.org/drawingml/2006/main" xmlns:r="http://schemas.openxmlformats.org/officeDocument/2006/relationships" xmlns:p="http://schemas.openxmlformats.org/presentationml/2006/main">
   <p:cSld>
     <p:spTree>
@@ -9236,7 +8778,7 @@
             <a:pPr algn="ctr"/>
             <a:r>
               <a:rPr lang="is-IS" dirty="0" smtClean="0"/>
-              <a:t>Takk fyrir okkur</a:t>
+              <a:t>Sýning á notendaviðmóti</a:t>
             </a:r>
             <a:endParaRPr lang="is-IS" dirty="0"/>
           </a:p>
@@ -9386,8 +8928,26 @@
             </a:pPr>
             <a:r>
               <a:rPr lang="is-IS" dirty="0" smtClean="0"/>
-              <a:t>Í þessu verkefni vildum við kanna hvar væri best að búa. </a:t>
-            </a:r>
+              <a:t>Í þessu verkefni vildum við kanna hvar væri best að búa</a:t>
+            </a:r>
+            <a:r>
+              <a:rPr lang="is-IS" dirty="0" smtClean="0"/>
+              <a:t>.</a:t>
+            </a:r>
+          </a:p>
+          <a:p>
+            <a:pPr marL="0" indent="0">
+              <a:buNone/>
+            </a:pPr>
+            <a:r>
+              <a:rPr lang="is-IS" dirty="0" smtClean="0"/>
+              <a:t>World Bank</a:t>
+            </a:r>
+            <a:r>
+              <a:rPr lang="is-IS" dirty="0" smtClean="0"/>
+              <a:t> gagnasafn.</a:t>
+            </a:r>
+            <a:endParaRPr lang="is-IS" dirty="0" smtClean="0"/>
           </a:p>
           <a:p>
             <a:pPr marL="0" indent="0">
@@ -9462,133 +9022,6 @@
 </file>
 
 <file path=ppt/slides/slide3.xml><?xml version="1.0" encoding="utf-8"?>
-<p:sld xmlns:a="http://schemas.openxmlformats.org/drawingml/2006/main" xmlns:r="http://schemas.openxmlformats.org/officeDocument/2006/relationships" xmlns:p="http://schemas.openxmlformats.org/presentationml/2006/main">
-  <p:cSld>
-    <p:spTree>
-      <p:nvGrpSpPr>
-        <p:cNvPr id="1" name=""/>
-        <p:cNvGrpSpPr/>
-        <p:nvPr/>
-      </p:nvGrpSpPr>
-      <p:grpSpPr>
-        <a:xfrm>
-          <a:off x="0" y="0"/>
-          <a:ext cx="0" cy="0"/>
-          <a:chOff x="0" y="0"/>
-          <a:chExt cx="0" cy="0"/>
-        </a:xfrm>
-      </p:grpSpPr>
-      <p:sp>
-        <p:nvSpPr>
-          <p:cNvPr id="5" name="Title 4"/>
-          <p:cNvSpPr>
-            <a:spLocks noGrp="1"/>
-          </p:cNvSpPr>
-          <p:nvPr>
-            <p:ph type="title"/>
-          </p:nvPr>
-        </p:nvSpPr>
-        <p:spPr/>
-        <p:txBody>
-          <a:bodyPr/>
-          <a:lstStyle/>
-          <a:p>
-            <a:pPr algn="ctr"/>
-            <a:r>
-              <a:rPr lang="is-IS" dirty="0" smtClean="0"/>
-              <a:t>World Bank</a:t>
-            </a:r>
-            <a:endParaRPr lang="is-IS" dirty="0"/>
-          </a:p>
-        </p:txBody>
-      </p:sp>
-      <p:sp>
-        <p:nvSpPr>
-          <p:cNvPr id="6" name="Picture Placeholder 5"/>
-          <p:cNvSpPr>
-            <a:spLocks noGrp="1"/>
-          </p:cNvSpPr>
-          <p:nvPr>
-            <p:ph type="pic" idx="1"/>
-          </p:nvPr>
-        </p:nvSpPr>
-        <p:spPr/>
-      </p:sp>
-      <p:sp>
-        <p:nvSpPr>
-          <p:cNvPr id="7" name="Text Placeholder 6"/>
-          <p:cNvSpPr>
-            <a:spLocks noGrp="1"/>
-          </p:cNvSpPr>
-          <p:nvPr>
-            <p:ph type="body" sz="half" idx="2"/>
-          </p:nvPr>
-        </p:nvSpPr>
-        <p:spPr/>
-        <p:txBody>
-          <a:bodyPr/>
-          <a:lstStyle/>
-          <a:p>
-            <a:pPr algn="ctr"/>
-            <a:r>
-              <a:rPr lang="is-IS" dirty="0" smtClean="0"/>
-              <a:t>Gagnasafn um heimsþróun landa og heimsálfa</a:t>
-            </a:r>
-            <a:endParaRPr lang="is-IS" dirty="0"/>
-          </a:p>
-        </p:txBody>
-      </p:sp>
-      <p:pic>
-        <p:nvPicPr>
-          <p:cNvPr id="4" name="Picture 3"/>
-          <p:cNvPicPr>
-            <a:picLocks noChangeAspect="1"/>
-          </p:cNvPicPr>
-          <p:nvPr/>
-        </p:nvPicPr>
-        <p:blipFill>
-          <a:blip r:embed="rId2">
-            <a:extLst>
-              <a:ext uri="{28A0092B-C50C-407E-A947-70E740481C1C}">
-                <a14:useLocalDpi xmlns:a14="http://schemas.microsoft.com/office/drawing/2010/main" val="0"/>
-              </a:ext>
-            </a:extLst>
-          </a:blip>
-          <a:stretch>
-            <a:fillRect/>
-          </a:stretch>
-        </p:blipFill>
-        <p:spPr>
-          <a:xfrm>
-            <a:off x="4142106" y="634965"/>
-            <a:ext cx="5600132" cy="4309952"/>
-          </a:xfrm>
-          <a:prstGeom prst="rect">
-            <a:avLst/>
-          </a:prstGeom>
-        </p:spPr>
-      </p:pic>
-    </p:spTree>
-    <p:extLst>
-      <p:ext uri="{BB962C8B-B14F-4D97-AF65-F5344CB8AC3E}">
-        <p14:creationId xmlns:p14="http://schemas.microsoft.com/office/powerpoint/2010/main" val="1780333106"/>
-      </p:ext>
-    </p:extLst>
-  </p:cSld>
-  <p:clrMapOvr>
-    <a:masterClrMapping/>
-  </p:clrMapOvr>
-  <p:timing>
-    <p:tnLst>
-      <p:par>
-        <p:cTn id="1" dur="indefinite" restart="never" nodeType="tmRoot"/>
-      </p:par>
-    </p:tnLst>
-  </p:timing>
-</p:sld>
-</file>
-
-<file path=ppt/slides/slide4.xml><?xml version="1.0" encoding="utf-8"?>
 <p:sld xmlns:a="http://schemas.openxmlformats.org/drawingml/2006/main" xmlns:r="http://schemas.openxmlformats.org/officeDocument/2006/relationships" xmlns:p="http://schemas.openxmlformats.org/presentationml/2006/main">
   <p:cSld>
     <p:spTree>
@@ -9688,9 +9121,99 @@
           </a:prstGeom>
         </p:spPr>
       </p:pic>
+      <p:sp>
+        <p:nvSpPr>
+          <p:cNvPr id="8" name="TextBox 7"/>
+          <p:cNvSpPr txBox="1"/>
+          <p:nvPr/>
+        </p:nvSpPr>
+        <p:spPr>
+          <a:xfrm>
+            <a:off x="1616068" y="1757917"/>
+            <a:ext cx="2755900" cy="369332"/>
+          </a:xfrm>
+          <a:prstGeom prst="rect">
+            <a:avLst/>
+          </a:prstGeom>
+          <a:noFill/>
+        </p:spPr>
+        <p:txBody>
+          <a:bodyPr wrap="square" rtlCol="0">
+            <a:spAutoFit/>
+          </a:bodyPr>
+          <a:lstStyle/>
+          <a:p>
+            <a:r>
+              <a:rPr lang="is-IS" dirty="0" smtClean="0"/>
+              <a:t>Gögn</a:t>
+            </a:r>
+            <a:endParaRPr lang="is-IS" dirty="0"/>
+          </a:p>
+        </p:txBody>
+      </p:sp>
+      <p:sp>
+        <p:nvSpPr>
+          <p:cNvPr id="12" name="TextBox 11"/>
+          <p:cNvSpPr txBox="1"/>
+          <p:nvPr/>
+        </p:nvSpPr>
+        <p:spPr>
+          <a:xfrm>
+            <a:off x="5040376" y="1757917"/>
+            <a:ext cx="1068324" cy="369332"/>
+          </a:xfrm>
+          <a:prstGeom prst="rect">
+            <a:avLst/>
+          </a:prstGeom>
+          <a:noFill/>
+        </p:spPr>
+        <p:txBody>
+          <a:bodyPr wrap="square" rtlCol="0">
+            <a:spAutoFit/>
+          </a:bodyPr>
+          <a:lstStyle/>
+          <a:p>
+            <a:r>
+              <a:rPr lang="is-IS" dirty="0" smtClean="0"/>
+              <a:t>Python</a:t>
+            </a:r>
+            <a:endParaRPr lang="is-IS" dirty="0"/>
+          </a:p>
+        </p:txBody>
+      </p:sp>
+      <p:sp>
+        <p:nvSpPr>
+          <p:cNvPr id="13" name="TextBox 12"/>
+          <p:cNvSpPr txBox="1"/>
+          <p:nvPr/>
+        </p:nvSpPr>
+        <p:spPr>
+          <a:xfrm>
+            <a:off x="9176040" y="1757917"/>
+            <a:ext cx="609600" cy="369332"/>
+          </a:xfrm>
+          <a:prstGeom prst="rect">
+            <a:avLst/>
+          </a:prstGeom>
+          <a:noFill/>
+        </p:spPr>
+        <p:txBody>
+          <a:bodyPr wrap="square" rtlCol="0">
+            <a:spAutoFit/>
+          </a:bodyPr>
+          <a:lstStyle/>
+          <a:p>
+            <a:r>
+              <a:rPr lang="is-IS" dirty="0" smtClean="0"/>
+              <a:t>SQL</a:t>
+            </a:r>
+            <a:endParaRPr lang="is-IS" dirty="0"/>
+          </a:p>
+        </p:txBody>
+      </p:sp>
       <p:pic>
         <p:nvPicPr>
-          <p:cNvPr id="4" name="Content Placeholder 3"/>
+          <p:cNvPr id="10" name="Content Placeholder 9"/>
           <p:cNvPicPr>
             <a:picLocks noGrp="1" noChangeAspect="1"/>
           </p:cNvPicPr>
@@ -9699,7 +9222,7 @@
           </p:nvPr>
         </p:nvPicPr>
         <p:blipFill>
-          <a:blip r:embed="rId4" cstate="print">
+          <a:blip r:embed="rId4">
             <a:extLst>
               <a:ext uri="{28A0092B-C50C-407E-A947-70E740481C1C}">
                 <a14:useLocalDpi xmlns:a14="http://schemas.microsoft.com/office/drawing/2010/main" val="0"/>
@@ -9712,101 +9235,11 @@
         </p:blipFill>
         <p:spPr>
           <a:xfrm>
-            <a:off x="7457069" y="2349499"/>
-            <a:ext cx="4047543" cy="2624468"/>
+            <a:off x="7362614" y="2355817"/>
+            <a:ext cx="4061513" cy="2602703"/>
           </a:xfrm>
         </p:spPr>
       </p:pic>
-      <p:sp>
-        <p:nvSpPr>
-          <p:cNvPr id="8" name="TextBox 7"/>
-          <p:cNvSpPr txBox="1"/>
-          <p:nvPr/>
-        </p:nvSpPr>
-        <p:spPr>
-          <a:xfrm>
-            <a:off x="1616068" y="1757917"/>
-            <a:ext cx="2755900" cy="369332"/>
-          </a:xfrm>
-          <a:prstGeom prst="rect">
-            <a:avLst/>
-          </a:prstGeom>
-          <a:noFill/>
-        </p:spPr>
-        <p:txBody>
-          <a:bodyPr wrap="square" rtlCol="0">
-            <a:spAutoFit/>
-          </a:bodyPr>
-          <a:lstStyle/>
-          <a:p>
-            <a:r>
-              <a:rPr lang="is-IS" dirty="0" smtClean="0"/>
-              <a:t>Gögn</a:t>
-            </a:r>
-            <a:endParaRPr lang="is-IS" dirty="0"/>
-          </a:p>
-        </p:txBody>
-      </p:sp>
-      <p:sp>
-        <p:nvSpPr>
-          <p:cNvPr id="12" name="TextBox 11"/>
-          <p:cNvSpPr txBox="1"/>
-          <p:nvPr/>
-        </p:nvSpPr>
-        <p:spPr>
-          <a:xfrm>
-            <a:off x="5040376" y="1757917"/>
-            <a:ext cx="1068324" cy="369332"/>
-          </a:xfrm>
-          <a:prstGeom prst="rect">
-            <a:avLst/>
-          </a:prstGeom>
-          <a:noFill/>
-        </p:spPr>
-        <p:txBody>
-          <a:bodyPr wrap="square" rtlCol="0">
-            <a:spAutoFit/>
-          </a:bodyPr>
-          <a:lstStyle/>
-          <a:p>
-            <a:r>
-              <a:rPr lang="is-IS" dirty="0" smtClean="0"/>
-              <a:t>Python</a:t>
-            </a:r>
-            <a:endParaRPr lang="is-IS" dirty="0"/>
-          </a:p>
-        </p:txBody>
-      </p:sp>
-      <p:sp>
-        <p:nvSpPr>
-          <p:cNvPr id="13" name="TextBox 12"/>
-          <p:cNvSpPr txBox="1"/>
-          <p:nvPr/>
-        </p:nvSpPr>
-        <p:spPr>
-          <a:xfrm>
-            <a:off x="9176040" y="1757917"/>
-            <a:ext cx="609600" cy="369332"/>
-          </a:xfrm>
-          <a:prstGeom prst="rect">
-            <a:avLst/>
-          </a:prstGeom>
-          <a:noFill/>
-        </p:spPr>
-        <p:txBody>
-          <a:bodyPr wrap="square" rtlCol="0">
-            <a:spAutoFit/>
-          </a:bodyPr>
-          <a:lstStyle/>
-          <a:p>
-            <a:r>
-              <a:rPr lang="is-IS" dirty="0" smtClean="0"/>
-              <a:t>SQL</a:t>
-            </a:r>
-            <a:endParaRPr lang="is-IS" dirty="0"/>
-          </a:p>
-        </p:txBody>
-      </p:sp>
     </p:spTree>
     <p:extLst>
       <p:ext uri="{BB962C8B-B14F-4D97-AF65-F5344CB8AC3E}">
@@ -10065,7 +9498,7 @@
                                           </p:stCondLst>
                                         </p:cTn>
                                         <p:tgtEl>
-                                          <p:spTgt spid="4"/>
+                                          <p:spTgt spid="10"/>
                                         </p:tgtEl>
                                         <p:attrNameLst>
                                           <p:attrName>style.visibility</p:attrName>
@@ -10079,7 +9512,7 @@
                                       <p:cBhvr>
                                         <p:cTn id="26" dur="500"/>
                                         <p:tgtEl>
-                                          <p:spTgt spid="4"/>
+                                          <p:spTgt spid="10"/>
                                         </p:tgtEl>
                                       </p:cBhvr>
                                     </p:animEffect>
@@ -10122,7 +9555,7 @@
 </p:sld>
 </file>
 
-<file path=ppt/slides/slide5.xml><?xml version="1.0" encoding="utf-8"?>
+<file path=ppt/slides/slide4.xml><?xml version="1.0" encoding="utf-8"?>
 <p:sld xmlns:a="http://schemas.openxmlformats.org/drawingml/2006/main" xmlns:r="http://schemas.openxmlformats.org/officeDocument/2006/relationships" xmlns:p="http://schemas.openxmlformats.org/presentationml/2006/main">
   <p:cSld>
     <p:spTree>
@@ -10231,7 +9664,7 @@
 </p:sld>
 </file>
 
-<file path=ppt/slides/slide6.xml><?xml version="1.0" encoding="utf-8"?>
+<file path=ppt/slides/slide5.xml><?xml version="1.0" encoding="utf-8"?>
 <p:sld xmlns:a="http://schemas.openxmlformats.org/drawingml/2006/main" xmlns:r="http://schemas.openxmlformats.org/officeDocument/2006/relationships" xmlns:p="http://schemas.openxmlformats.org/presentationml/2006/main">
   <p:cSld>
     <p:spTree>
@@ -10250,7 +9683,7 @@
       </p:grpSpPr>
       <p:sp>
         <p:nvSpPr>
-          <p:cNvPr id="2" name="Title 1"/>
+          <p:cNvPr id="4" name="Title 3"/>
           <p:cNvSpPr>
             <a:spLocks noGrp="1"/>
           </p:cNvSpPr>
@@ -10258,14 +9691,19 @@
             <p:ph type="title"/>
           </p:nvPr>
         </p:nvSpPr>
-        <p:spPr/>
+        <p:spPr>
+          <a:xfrm>
+            <a:off x="2589212" y="2326024"/>
+            <a:ext cx="8915399" cy="1468800"/>
+          </a:xfrm>
+        </p:spPr>
         <p:txBody>
           <a:bodyPr/>
           <a:lstStyle/>
           <a:p>
             <a:r>
               <a:rPr lang="is-IS" dirty="0" smtClean="0"/>
-              <a:t>Áhugaverð Gröf</a:t>
+              <a:t>SQL =&gt; Notendaviðmót</a:t>
             </a:r>
             <a:endParaRPr lang="is-IS" dirty="0"/>
           </a:p>
@@ -10273,122 +9711,28 @@
       </p:sp>
       <p:sp>
         <p:nvSpPr>
-          <p:cNvPr id="3" name="Content Placeholder 2"/>
-          <p:cNvSpPr>
-            <a:spLocks noGrp="1"/>
-          </p:cNvSpPr>
-          <p:nvPr>
-            <p:ph idx="1"/>
+          <p:cNvPr id="8" name="Text Placeholder 7"/>
+          <p:cNvSpPr>
+            <a:spLocks noGrp="1"/>
+          </p:cNvSpPr>
+          <p:nvPr>
+            <p:ph type="body" idx="1"/>
           </p:nvPr>
         </p:nvSpPr>
         <p:spPr>
           <a:xfrm>
-            <a:off x="2589212" y="2133600"/>
-            <a:ext cx="3895515" cy="3777622"/>
+            <a:off x="2589212" y="5154392"/>
+            <a:ext cx="8915399" cy="860400"/>
           </a:xfrm>
         </p:spPr>
         <p:txBody>
           <a:bodyPr/>
           <a:lstStyle/>
           <a:p>
-            <a:r>
-              <a:rPr lang="is-IS" dirty="0" smtClean="0"/>
-              <a:t>Öllu gögn frá WorldBank eru lesin inn og hægt er að skoða hvern „vísi“ fyrir hvert land</a:t>
-            </a:r>
             <a:endParaRPr lang="is-IS" dirty="0"/>
           </a:p>
         </p:txBody>
       </p:sp>
-      <p:pic>
-        <p:nvPicPr>
-          <p:cNvPr id="5" name="Picture 4"/>
-          <p:cNvPicPr>
-            <a:picLocks noChangeAspect="1"/>
-          </p:cNvPicPr>
-          <p:nvPr/>
-        </p:nvPicPr>
-        <p:blipFill>
-          <a:blip r:embed="rId2">
-            <a:extLst>
-              <a:ext uri="{28A0092B-C50C-407E-A947-70E740481C1C}">
-                <a14:useLocalDpi xmlns:a14="http://schemas.microsoft.com/office/drawing/2010/main" val="0"/>
-              </a:ext>
-            </a:extLst>
-          </a:blip>
-          <a:stretch>
-            <a:fillRect/>
-          </a:stretch>
-        </p:blipFill>
-        <p:spPr>
-          <a:xfrm>
-            <a:off x="5582300" y="4248186"/>
-            <a:ext cx="2932935" cy="1753019"/>
-          </a:xfrm>
-          <a:prstGeom prst="rect">
-            <a:avLst/>
-          </a:prstGeom>
-        </p:spPr>
-      </p:pic>
-      <p:pic>
-        <p:nvPicPr>
-          <p:cNvPr id="6" name="Picture 5"/>
-          <p:cNvPicPr>
-            <a:picLocks noChangeAspect="1"/>
-          </p:cNvPicPr>
-          <p:nvPr/>
-        </p:nvPicPr>
-        <p:blipFill>
-          <a:blip r:embed="rId3">
-            <a:extLst>
-              <a:ext uri="{28A0092B-C50C-407E-A947-70E740481C1C}">
-                <a14:useLocalDpi xmlns:a14="http://schemas.microsoft.com/office/drawing/2010/main" val="0"/>
-              </a:ext>
-            </a:extLst>
-          </a:blip>
-          <a:stretch>
-            <a:fillRect/>
-          </a:stretch>
-        </p:blipFill>
-        <p:spPr>
-          <a:xfrm>
-            <a:off x="8832436" y="1370219"/>
-            <a:ext cx="2514600" cy="4629150"/>
-          </a:xfrm>
-          <a:prstGeom prst="rect">
-            <a:avLst/>
-          </a:prstGeom>
-        </p:spPr>
-      </p:pic>
-      <p:pic>
-        <p:nvPicPr>
-          <p:cNvPr id="7" name="Picture 6"/>
-          <p:cNvPicPr>
-            <a:picLocks noChangeAspect="1"/>
-          </p:cNvPicPr>
-          <p:nvPr/>
-        </p:nvPicPr>
-        <p:blipFill>
-          <a:blip r:embed="rId4" cstate="print">
-            <a:extLst>
-              <a:ext uri="{28A0092B-C50C-407E-A947-70E740481C1C}">
-                <a14:useLocalDpi xmlns:a14="http://schemas.microsoft.com/office/drawing/2010/main" val="0"/>
-              </a:ext>
-            </a:extLst>
-          </a:blip>
-          <a:stretch>
-            <a:fillRect/>
-          </a:stretch>
-        </p:blipFill>
-        <p:spPr>
-          <a:xfrm>
-            <a:off x="2295914" y="4248186"/>
-            <a:ext cx="2969185" cy="1751183"/>
-          </a:xfrm>
-          <a:prstGeom prst="rect">
-            <a:avLst/>
-          </a:prstGeom>
-        </p:spPr>
-      </p:pic>
     </p:spTree>
     <p:extLst>
       <p:ext uri="{BB962C8B-B14F-4D97-AF65-F5344CB8AC3E}">
@@ -10421,7 +9765,7 @@
 </p:sld>
 </file>
 
-<file path=ppt/slides/slide7.xml><?xml version="1.0" encoding="utf-8"?>
+<file path=ppt/slides/slide6.xml><?xml version="1.0" encoding="utf-8"?>
 <p:sld xmlns:a="http://schemas.openxmlformats.org/drawingml/2006/main" xmlns:r="http://schemas.openxmlformats.org/officeDocument/2006/relationships" xmlns:p="http://schemas.openxmlformats.org/presentationml/2006/main">
   <p:cSld>
     <p:spTree>
@@ -10506,7 +9850,7 @@
 </p:sld>
 </file>
 
-<file path=ppt/slides/slide8.xml><?xml version="1.0" encoding="utf-8"?>
+<file path=ppt/slides/slide7.xml><?xml version="1.0" encoding="utf-8"?>
 <p:sld xmlns:a="http://schemas.openxmlformats.org/drawingml/2006/main" xmlns:r="http://schemas.openxmlformats.org/officeDocument/2006/relationships" xmlns:p="http://schemas.openxmlformats.org/presentationml/2006/main">
   <p:cSld>
     <p:spTree>
@@ -10607,6 +9951,345 @@
 </p:sld>
 </file>
 
+<file path=ppt/slides/slide8.xml><?xml version="1.0" encoding="utf-8"?>
+<p:sld xmlns:a="http://schemas.openxmlformats.org/drawingml/2006/main" xmlns:r="http://schemas.openxmlformats.org/officeDocument/2006/relationships" xmlns:p="http://schemas.openxmlformats.org/presentationml/2006/main">
+  <p:cSld>
+    <p:spTree>
+      <p:nvGrpSpPr>
+        <p:cNvPr id="1" name=""/>
+        <p:cNvGrpSpPr/>
+        <p:nvPr/>
+      </p:nvGrpSpPr>
+      <p:grpSpPr>
+        <a:xfrm>
+          <a:off x="0" y="0"/>
+          <a:ext cx="0" cy="0"/>
+          <a:chOff x="0" y="0"/>
+          <a:chExt cx="0" cy="0"/>
+        </a:xfrm>
+      </p:grpSpPr>
+      <p:sp>
+        <p:nvSpPr>
+          <p:cNvPr id="2" name="Title 1"/>
+          <p:cNvSpPr>
+            <a:spLocks noGrp="1"/>
+          </p:cNvSpPr>
+          <p:nvPr>
+            <p:ph type="title"/>
+          </p:nvPr>
+        </p:nvSpPr>
+        <p:spPr/>
+        <p:txBody>
+          <a:bodyPr/>
+          <a:lstStyle/>
+          <a:p>
+            <a:r>
+              <a:rPr lang="is-IS" dirty="0"/>
+              <a:t>Topp tíu listi</a:t>
+            </a:r>
+          </a:p>
+        </p:txBody>
+      </p:sp>
+      <p:pic>
+        <p:nvPicPr>
+          <p:cNvPr id="4" name="Content Placeholder 3"/>
+          <p:cNvPicPr>
+            <a:picLocks noGrp="1" noChangeAspect="1"/>
+          </p:cNvPicPr>
+          <p:nvPr>
+            <p:ph idx="1"/>
+          </p:nvPr>
+        </p:nvPicPr>
+        <p:blipFill>
+          <a:blip r:embed="rId2">
+            <a:extLst>
+              <a:ext uri="{28A0092B-C50C-407E-A947-70E740481C1C}">
+                <a14:useLocalDpi xmlns:a14="http://schemas.microsoft.com/office/drawing/2010/main" val="0"/>
+              </a:ext>
+            </a:extLst>
+          </a:blip>
+          <a:stretch>
+            <a:fillRect/>
+          </a:stretch>
+        </p:blipFill>
+        <p:spPr>
+          <a:xfrm>
+            <a:off x="2589212" y="2926996"/>
+            <a:ext cx="8915400" cy="3761466"/>
+          </a:xfrm>
+        </p:spPr>
+      </p:pic>
+      <p:sp>
+        <p:nvSpPr>
+          <p:cNvPr id="5" name="Content Placeholder 2"/>
+          <p:cNvSpPr txBox="1">
+            <a:spLocks/>
+          </p:cNvSpPr>
+          <p:nvPr/>
+        </p:nvSpPr>
+        <p:spPr>
+          <a:xfrm>
+            <a:off x="2589212" y="2133600"/>
+            <a:ext cx="8915400" cy="3777622"/>
+          </a:xfrm>
+          <a:prstGeom prst="rect">
+            <a:avLst/>
+          </a:prstGeom>
+        </p:spPr>
+        <p:txBody>
+          <a:bodyPr vert="horz" lIns="91440" tIns="45720" rIns="91440" bIns="45720" rtlCol="0">
+            <a:normAutofit/>
+          </a:bodyPr>
+          <a:lstStyle>
+            <a:lvl1pPr marL="342900" indent="-342900" algn="l" defTabSz="457200" rtl="0" eaLnBrk="1" latinLnBrk="0" hangingPunct="1">
+              <a:spcBef>
+                <a:spcPts val="1000"/>
+              </a:spcBef>
+              <a:spcAft>
+                <a:spcPts val="0"/>
+              </a:spcAft>
+              <a:buClr>
+                <a:schemeClr val="accent1"/>
+              </a:buClr>
+              <a:buFont typeface="Wingdings 3" charset="2"/>
+              <a:buChar char=""/>
+              <a:defRPr sz="1800" kern="1200">
+                <a:solidFill>
+                  <a:schemeClr val="tx1">
+                    <a:lumMod val="75000"/>
+                    <a:lumOff val="25000"/>
+                  </a:schemeClr>
+                </a:solidFill>
+                <a:latin typeface="+mn-lt"/>
+                <a:ea typeface="+mn-ea"/>
+                <a:cs typeface="+mn-cs"/>
+              </a:defRPr>
+            </a:lvl1pPr>
+            <a:lvl2pPr marL="742950" indent="-285750" algn="l" defTabSz="457200" rtl="0" eaLnBrk="1" latinLnBrk="0" hangingPunct="1">
+              <a:spcBef>
+                <a:spcPts val="1000"/>
+              </a:spcBef>
+              <a:spcAft>
+                <a:spcPts val="0"/>
+              </a:spcAft>
+              <a:buClr>
+                <a:schemeClr val="accent1"/>
+              </a:buClr>
+              <a:buFont typeface="Wingdings 3" charset="2"/>
+              <a:buChar char=""/>
+              <a:defRPr sz="1600" kern="1200">
+                <a:solidFill>
+                  <a:schemeClr val="tx1">
+                    <a:lumMod val="75000"/>
+                    <a:lumOff val="25000"/>
+                  </a:schemeClr>
+                </a:solidFill>
+                <a:latin typeface="+mn-lt"/>
+                <a:ea typeface="+mn-ea"/>
+                <a:cs typeface="+mn-cs"/>
+              </a:defRPr>
+            </a:lvl2pPr>
+            <a:lvl3pPr marL="1143000" indent="-228600" algn="l" defTabSz="457200" rtl="0" eaLnBrk="1" latinLnBrk="0" hangingPunct="1">
+              <a:spcBef>
+                <a:spcPts val="1000"/>
+              </a:spcBef>
+              <a:spcAft>
+                <a:spcPts val="0"/>
+              </a:spcAft>
+              <a:buClr>
+                <a:schemeClr val="accent1"/>
+              </a:buClr>
+              <a:buFont typeface="Wingdings 3" charset="2"/>
+              <a:buChar char=""/>
+              <a:defRPr sz="1400" kern="1200">
+                <a:solidFill>
+                  <a:schemeClr val="tx1">
+                    <a:lumMod val="75000"/>
+                    <a:lumOff val="25000"/>
+                  </a:schemeClr>
+                </a:solidFill>
+                <a:latin typeface="+mn-lt"/>
+                <a:ea typeface="+mn-ea"/>
+                <a:cs typeface="+mn-cs"/>
+              </a:defRPr>
+            </a:lvl3pPr>
+            <a:lvl4pPr marL="1600200" indent="-228600" algn="l" defTabSz="457200" rtl="0" eaLnBrk="1" latinLnBrk="0" hangingPunct="1">
+              <a:spcBef>
+                <a:spcPts val="1000"/>
+              </a:spcBef>
+              <a:spcAft>
+                <a:spcPts val="0"/>
+              </a:spcAft>
+              <a:buClr>
+                <a:schemeClr val="accent1"/>
+              </a:buClr>
+              <a:buFont typeface="Wingdings 3" charset="2"/>
+              <a:buChar char=""/>
+              <a:defRPr sz="1200" kern="1200">
+                <a:solidFill>
+                  <a:schemeClr val="tx1">
+                    <a:lumMod val="75000"/>
+                    <a:lumOff val="25000"/>
+                  </a:schemeClr>
+                </a:solidFill>
+                <a:latin typeface="+mn-lt"/>
+                <a:ea typeface="+mn-ea"/>
+                <a:cs typeface="+mn-cs"/>
+              </a:defRPr>
+            </a:lvl4pPr>
+            <a:lvl5pPr marL="2057400" indent="-228600" algn="l" defTabSz="457200" rtl="0" eaLnBrk="1" latinLnBrk="0" hangingPunct="1">
+              <a:spcBef>
+                <a:spcPts val="1000"/>
+              </a:spcBef>
+              <a:spcAft>
+                <a:spcPts val="0"/>
+              </a:spcAft>
+              <a:buClr>
+                <a:schemeClr val="accent1"/>
+              </a:buClr>
+              <a:buFont typeface="Wingdings 3" charset="2"/>
+              <a:buChar char=""/>
+              <a:defRPr sz="1200" kern="1200">
+                <a:solidFill>
+                  <a:schemeClr val="tx1">
+                    <a:lumMod val="75000"/>
+                    <a:lumOff val="25000"/>
+                  </a:schemeClr>
+                </a:solidFill>
+                <a:latin typeface="+mn-lt"/>
+                <a:ea typeface="+mn-ea"/>
+                <a:cs typeface="+mn-cs"/>
+              </a:defRPr>
+            </a:lvl5pPr>
+            <a:lvl6pPr marL="2514600" indent="-228600" algn="l" defTabSz="457200" rtl="0" eaLnBrk="1" latinLnBrk="0" hangingPunct="1">
+              <a:spcBef>
+                <a:spcPts val="1000"/>
+              </a:spcBef>
+              <a:spcAft>
+                <a:spcPts val="0"/>
+              </a:spcAft>
+              <a:buClr>
+                <a:schemeClr val="accent1"/>
+              </a:buClr>
+              <a:buFont typeface="Wingdings 3" charset="2"/>
+              <a:buChar char=""/>
+              <a:defRPr sz="1200" kern="1200">
+                <a:solidFill>
+                  <a:schemeClr val="tx1">
+                    <a:lumMod val="75000"/>
+                    <a:lumOff val="25000"/>
+                  </a:schemeClr>
+                </a:solidFill>
+                <a:latin typeface="+mn-lt"/>
+                <a:ea typeface="+mn-ea"/>
+                <a:cs typeface="+mn-cs"/>
+              </a:defRPr>
+            </a:lvl6pPr>
+            <a:lvl7pPr marL="2971800" indent="-228600" algn="l" defTabSz="457200" rtl="0" eaLnBrk="1" latinLnBrk="0" hangingPunct="1">
+              <a:spcBef>
+                <a:spcPts val="1000"/>
+              </a:spcBef>
+              <a:spcAft>
+                <a:spcPts val="0"/>
+              </a:spcAft>
+              <a:buClr>
+                <a:schemeClr val="accent1"/>
+              </a:buClr>
+              <a:buFont typeface="Wingdings 3" charset="2"/>
+              <a:buChar char=""/>
+              <a:defRPr sz="1200" kern="1200">
+                <a:solidFill>
+                  <a:schemeClr val="tx1">
+                    <a:lumMod val="75000"/>
+                    <a:lumOff val="25000"/>
+                  </a:schemeClr>
+                </a:solidFill>
+                <a:latin typeface="+mn-lt"/>
+                <a:ea typeface="+mn-ea"/>
+                <a:cs typeface="+mn-cs"/>
+              </a:defRPr>
+            </a:lvl7pPr>
+            <a:lvl8pPr marL="3429000" indent="-228600" algn="l" defTabSz="457200" rtl="0" eaLnBrk="1" latinLnBrk="0" hangingPunct="1">
+              <a:spcBef>
+                <a:spcPts val="1000"/>
+              </a:spcBef>
+              <a:spcAft>
+                <a:spcPts val="0"/>
+              </a:spcAft>
+              <a:buClr>
+                <a:schemeClr val="accent1"/>
+              </a:buClr>
+              <a:buFont typeface="Wingdings 3" charset="2"/>
+              <a:buChar char=""/>
+              <a:defRPr sz="1200" kern="1200">
+                <a:solidFill>
+                  <a:schemeClr val="tx1">
+                    <a:lumMod val="75000"/>
+                    <a:lumOff val="25000"/>
+                  </a:schemeClr>
+                </a:solidFill>
+                <a:latin typeface="+mn-lt"/>
+                <a:ea typeface="+mn-ea"/>
+                <a:cs typeface="+mn-cs"/>
+              </a:defRPr>
+            </a:lvl8pPr>
+            <a:lvl9pPr marL="3886200" indent="-228600" algn="l" defTabSz="457200" rtl="0" eaLnBrk="1" latinLnBrk="0" hangingPunct="1">
+              <a:spcBef>
+                <a:spcPts val="1000"/>
+              </a:spcBef>
+              <a:spcAft>
+                <a:spcPts val="0"/>
+              </a:spcAft>
+              <a:buClr>
+                <a:schemeClr val="accent1"/>
+              </a:buClr>
+              <a:buFont typeface="Wingdings 3" charset="2"/>
+              <a:buChar char=""/>
+              <a:defRPr sz="1200" kern="1200">
+                <a:solidFill>
+                  <a:schemeClr val="tx1">
+                    <a:lumMod val="75000"/>
+                    <a:lumOff val="25000"/>
+                  </a:schemeClr>
+                </a:solidFill>
+                <a:latin typeface="+mn-lt"/>
+                <a:ea typeface="+mn-ea"/>
+                <a:cs typeface="+mn-cs"/>
+              </a:defRPr>
+            </a:lvl9pPr>
+          </a:lstStyle>
+          <a:p>
+            <a:r>
+              <a:rPr lang="is-IS" dirty="0" smtClean="0"/>
+              <a:t>Hægt að velja listan í öfugri röð, það land sem er valið (Ísland) kemur líka fyrir á listanum</a:t>
+            </a:r>
+            <a:endParaRPr lang="is-IS" dirty="0"/>
+          </a:p>
+        </p:txBody>
+      </p:sp>
+    </p:spTree>
+    <p:extLst>
+      <p:ext uri="{BB962C8B-B14F-4D97-AF65-F5344CB8AC3E}">
+        <p14:creationId xmlns:p14="http://schemas.microsoft.com/office/powerpoint/2010/main" val="2195403750"/>
+      </p:ext>
+    </p:extLst>
+  </p:cSld>
+  <p:clrMapOvr>
+    <a:masterClrMapping/>
+  </p:clrMapOvr>
+  <p:transition spd="slow">
+    <p:cover/>
+  </p:transition>
+  <p:timing>
+    <p:tnLst>
+      <p:par>
+        <p:cTn id="1" dur="indefinite" restart="never" nodeType="tmRoot"/>
+      </p:par>
+    </p:tnLst>
+  </p:timing>
+</p:sld>
+</file>
+
 <file path=ppt/slides/slide9.xml><?xml version="1.0" encoding="utf-8"?>
 <p:sld xmlns:a="http://schemas.openxmlformats.org/drawingml/2006/main" xmlns:r="http://schemas.openxmlformats.org/officeDocument/2006/relationships" xmlns:p="http://schemas.openxmlformats.org/presentationml/2006/main">
   <p:cSld>
@@ -10639,9 +10322,10 @@
           <a:bodyPr/>
           <a:lstStyle/>
           <a:p>
+            <a:pPr algn="ctr"/>
             <a:r>
               <a:rPr lang="is-IS" dirty="0" smtClean="0"/>
-              <a:t>Topp tíu listi</a:t>
+              <a:t>Best í heimi?</a:t>
             </a:r>
             <a:endParaRPr lang="is-IS" dirty="0"/>
           </a:p>
@@ -10659,69 +10343,68 @@
         </p:nvSpPr>
         <p:spPr/>
         <p:txBody>
-          <a:bodyPr/>
+          <a:bodyPr anchor="ctr">
+            <a:normAutofit fontScale="92500"/>
+          </a:bodyPr>
           <a:lstStyle/>
           <a:p>
-            <a:r>
-              <a:rPr lang="is-IS" dirty="0" smtClean="0"/>
-              <a:t>Hægt er að velja viðfangsefni eins og t.d. „Fertility Rate“ eða „Life expectancy at birth“ og fá lista yfir þau lönd sem lenda hæst á þeim lista.</a:t>
-            </a:r>
-            <a:endParaRPr lang="is-IS" dirty="0"/>
-          </a:p>
-        </p:txBody>
-      </p:sp>
-      <p:pic>
-        <p:nvPicPr>
-          <p:cNvPr id="4" name="Picture 3"/>
-          <p:cNvPicPr>
-            <a:picLocks noChangeAspect="1"/>
-          </p:cNvPicPr>
-          <p:nvPr/>
-        </p:nvPicPr>
-        <p:blipFill>
-          <a:blip r:embed="rId2">
-            <a:extLst>
-              <a:ext uri="{28A0092B-C50C-407E-A947-70E740481C1C}">
-                <a14:useLocalDpi xmlns:a14="http://schemas.microsoft.com/office/drawing/2010/main" val="0"/>
-              </a:ext>
-            </a:extLst>
-          </a:blip>
-          <a:stretch>
-            <a:fillRect/>
-          </a:stretch>
-        </p:blipFill>
-        <p:spPr>
-          <a:xfrm>
-            <a:off x="2589212" y="2931903"/>
-            <a:ext cx="8915400" cy="3750991"/>
-          </a:xfrm>
-          <a:prstGeom prst="rect">
-            <a:avLst/>
-          </a:prstGeom>
-        </p:spPr>
-      </p:pic>
+            <a:pPr algn="ctr">
+              <a:lnSpc>
+                <a:spcPct val="250000"/>
+              </a:lnSpc>
+            </a:pPr>
+            <a:r>
+              <a:rPr lang="is-IS" sz="3200" dirty="0"/>
+              <a:t>Hvar er best að búa?</a:t>
+            </a:r>
+          </a:p>
+          <a:p>
+            <a:pPr algn="ctr">
+              <a:lnSpc>
+                <a:spcPct val="250000"/>
+              </a:lnSpc>
+            </a:pPr>
+            <a:r>
+              <a:rPr lang="is-IS" sz="3200" dirty="0" smtClean="0"/>
+              <a:t>Hvað </a:t>
+            </a:r>
+            <a:r>
+              <a:rPr lang="is-IS" sz="3200" dirty="0"/>
+              <a:t>hefur áhrif</a:t>
+            </a:r>
+            <a:r>
+              <a:rPr lang="is-IS" sz="3200" dirty="0" smtClean="0"/>
+              <a:t>?</a:t>
+            </a:r>
+          </a:p>
+          <a:p>
+            <a:pPr algn="ctr">
+              <a:lnSpc>
+                <a:spcPct val="250000"/>
+              </a:lnSpc>
+            </a:pPr>
+            <a:r>
+              <a:rPr lang="is-IS" sz="3200" dirty="0" smtClean="0"/>
+              <a:t>Hvar stendur Ísland</a:t>
+            </a:r>
+            <a:r>
+              <a:rPr lang="is-IS" sz="3200" dirty="0" smtClean="0"/>
+              <a:t>?</a:t>
+            </a:r>
+            <a:endParaRPr lang="is-IS" sz="3200" dirty="0" smtClean="0"/>
+          </a:p>
+        </p:txBody>
+      </p:sp>
     </p:spTree>
     <p:extLst>
       <p:ext uri="{BB962C8B-B14F-4D97-AF65-F5344CB8AC3E}">
-        <p14:creationId xmlns:p14="http://schemas.microsoft.com/office/powerpoint/2010/main" val="1288756868"/>
+        <p14:creationId xmlns:p14="http://schemas.microsoft.com/office/powerpoint/2010/main" val="3270220427"/>
       </p:ext>
     </p:extLst>
   </p:cSld>
   <p:clrMapOvr>
     <a:masterClrMapping/>
   </p:clrMapOvr>
-  <mc:AlternateContent xmlns:mc="http://schemas.openxmlformats.org/markup-compatibility/2006" xmlns:p14="http://schemas.microsoft.com/office/powerpoint/2010/main">
-    <mc:Choice Requires="p14">
-      <p:transition spd="slow">
-        <p14:flash/>
-      </p:transition>
-    </mc:Choice>
-    <mc:Fallback xmlns="">
-      <p:transition spd="slow">
-        <p:fade/>
-      </p:transition>
-    </mc:Fallback>
-  </mc:AlternateContent>
   <p:timing>
     <p:tnLst>
       <p:par>

--- a/Verkefni3/kynning/Kynning.pptx
+++ b/Verkefni3/kynning/Kynning.pptx
@@ -11,13 +11,11 @@
     <p:sldId id="264" r:id="rId5"/>
     <p:sldId id="265" r:id="rId6"/>
     <p:sldId id="266" r:id="rId7"/>
-    <p:sldId id="258" r:id="rId8"/>
-    <p:sldId id="262" r:id="rId9"/>
-    <p:sldId id="268" r:id="rId10"/>
-    <p:sldId id="269" r:id="rId11"/>
-    <p:sldId id="270" r:id="rId12"/>
-    <p:sldId id="259" r:id="rId13"/>
-    <p:sldId id="260" r:id="rId14"/>
+    <p:sldId id="268" r:id="rId8"/>
+    <p:sldId id="269" r:id="rId9"/>
+    <p:sldId id="270" r:id="rId10"/>
+    <p:sldId id="259" r:id="rId11"/>
+    <p:sldId id="260" r:id="rId12"/>
   </p:sldIdLst>
   <p:sldSz cx="12192000" cy="6858000"/>
   <p:notesSz cx="6858000" cy="9144000"/>
@@ -7795,6 +7793,1487 @@
           <a:p>
             <a:r>
               <a:rPr lang="is-IS" dirty="0" smtClean="0"/>
+              <a:t>Stórasta Land í heimi.</a:t>
+            </a:r>
+            <a:endParaRPr lang="is-IS" dirty="0"/>
+          </a:p>
+        </p:txBody>
+      </p:sp>
+      <p:sp>
+        <p:nvSpPr>
+          <p:cNvPr id="3" name="Content Placeholder 2"/>
+          <p:cNvSpPr>
+            <a:spLocks noGrp="1"/>
+          </p:cNvSpPr>
+          <p:nvPr>
+            <p:ph idx="1"/>
+          </p:nvPr>
+        </p:nvSpPr>
+        <p:spPr>
+          <a:xfrm>
+            <a:off x="1724916" y="1944337"/>
+            <a:ext cx="8915400" cy="3777622"/>
+          </a:xfrm>
+        </p:spPr>
+        <p:txBody>
+          <a:bodyPr>
+            <a:normAutofit fontScale="70000" lnSpcReduction="20000"/>
+          </a:bodyPr>
+          <a:lstStyle/>
+          <a:p>
+            <a:pPr marL="0" indent="0" algn="ctr">
+              <a:buNone/>
+            </a:pPr>
+            <a:r>
+              <a:rPr lang="en-US" dirty="0"/>
+              <a:t>---------------------2007----------------------</a:t>
+            </a:r>
+          </a:p>
+          <a:p>
+            <a:pPr marL="0" indent="0" algn="ctr">
+              <a:buNone/>
+            </a:pPr>
+            <a:r>
+              <a:rPr lang="en-US" dirty="0"/>
+              <a:t>Country: Rating:</a:t>
+            </a:r>
+          </a:p>
+          <a:p>
+            <a:pPr marL="0" indent="0" algn="ctr">
+              <a:buNone/>
+            </a:pPr>
+            <a:r>
+              <a:rPr lang="en-US" dirty="0"/>
+              <a:t>-------------------------------------------------</a:t>
+            </a:r>
+          </a:p>
+          <a:p>
+            <a:pPr algn="ctr">
+              <a:buFont typeface="+mj-lt"/>
+              <a:buAutoNum type="arabicPeriod"/>
+            </a:pPr>
+            <a:r>
+              <a:rPr lang="en-US" dirty="0"/>
+              <a:t>Iceland 0.4254</a:t>
+            </a:r>
+          </a:p>
+          <a:p>
+            <a:pPr algn="ctr">
+              <a:buFont typeface="+mj-lt"/>
+              <a:buAutoNum type="arabicPeriod"/>
+            </a:pPr>
+            <a:r>
+              <a:rPr lang="en-US" dirty="0"/>
+              <a:t>Denmark 0.3651</a:t>
+            </a:r>
+          </a:p>
+          <a:p>
+            <a:pPr algn="ctr">
+              <a:buFont typeface="+mj-lt"/>
+              <a:buAutoNum type="arabicPeriod"/>
+            </a:pPr>
+            <a:r>
+              <a:rPr lang="en-US" dirty="0"/>
+              <a:t>United States 0.3447</a:t>
+            </a:r>
+          </a:p>
+          <a:p>
+            <a:pPr algn="ctr">
+              <a:buFont typeface="+mj-lt"/>
+              <a:buAutoNum type="arabicPeriod"/>
+            </a:pPr>
+            <a:r>
+              <a:rPr lang="en-US" dirty="0"/>
+              <a:t>Norway 0.3435</a:t>
+            </a:r>
+          </a:p>
+          <a:p>
+            <a:pPr algn="ctr">
+              <a:buFont typeface="+mj-lt"/>
+              <a:buAutoNum type="arabicPeriod"/>
+            </a:pPr>
+            <a:r>
+              <a:rPr lang="en-US" dirty="0"/>
+              <a:t>United Kingdom 0.3295</a:t>
+            </a:r>
+          </a:p>
+          <a:p>
+            <a:pPr algn="ctr">
+              <a:buFont typeface="+mj-lt"/>
+              <a:buAutoNum type="arabicPeriod"/>
+            </a:pPr>
+            <a:r>
+              <a:rPr lang="en-US" dirty="0"/>
+              <a:t>New Zealand 0.3273</a:t>
+            </a:r>
+          </a:p>
+          <a:p>
+            <a:pPr algn="ctr">
+              <a:buFont typeface="+mj-lt"/>
+              <a:buAutoNum type="arabicPeriod"/>
+            </a:pPr>
+            <a:r>
+              <a:rPr lang="en-US" dirty="0"/>
+              <a:t>North America 0.3229</a:t>
+            </a:r>
+          </a:p>
+          <a:p>
+            <a:pPr algn="ctr">
+              <a:buFont typeface="+mj-lt"/>
+              <a:buAutoNum type="arabicPeriod"/>
+            </a:pPr>
+            <a:r>
+              <a:rPr lang="en-US" dirty="0"/>
+              <a:t>Germany 0.3209</a:t>
+            </a:r>
+          </a:p>
+          <a:p>
+            <a:pPr algn="ctr">
+              <a:buFont typeface="+mj-lt"/>
+              <a:buAutoNum type="arabicPeriod"/>
+            </a:pPr>
+            <a:r>
+              <a:rPr lang="en-US" dirty="0"/>
+              <a:t>Finland 0.3189</a:t>
+            </a:r>
+          </a:p>
+          <a:p>
+            <a:pPr algn="ctr">
+              <a:buFont typeface="+mj-lt"/>
+              <a:buAutoNum type="arabicPeriod"/>
+            </a:pPr>
+            <a:r>
+              <a:rPr lang="en-US" dirty="0"/>
+              <a:t>Sweden 0.3107</a:t>
+            </a:r>
+            <a:endParaRPr lang="is-IS" dirty="0"/>
+          </a:p>
+        </p:txBody>
+      </p:sp>
+      <p:pic>
+        <p:nvPicPr>
+          <p:cNvPr id="4" name="Picture 3"/>
+          <p:cNvPicPr>
+            <a:picLocks noChangeAspect="1"/>
+          </p:cNvPicPr>
+          <p:nvPr/>
+        </p:nvPicPr>
+        <p:blipFill>
+          <a:blip r:embed="rId2" cstate="print">
+            <a:extLst>
+              <a:ext uri="{28A0092B-C50C-407E-A947-70E740481C1C}">
+                <a14:useLocalDpi xmlns:a14="http://schemas.microsoft.com/office/drawing/2010/main" val="0"/>
+              </a:ext>
+            </a:extLst>
+          </a:blip>
+          <a:stretch>
+            <a:fillRect/>
+          </a:stretch>
+        </p:blipFill>
+        <p:spPr>
+          <a:xfrm>
+            <a:off x="8001000" y="663447"/>
+            <a:ext cx="1790700" cy="1241553"/>
+          </a:xfrm>
+          <a:prstGeom prst="rect">
+            <a:avLst/>
+          </a:prstGeom>
+        </p:spPr>
+      </p:pic>
+    </p:spTree>
+    <p:extLst>
+      <p:ext uri="{BB962C8B-B14F-4D97-AF65-F5344CB8AC3E}">
+        <p14:creationId xmlns:p14="http://schemas.microsoft.com/office/powerpoint/2010/main" val="2430113801"/>
+      </p:ext>
+    </p:extLst>
+  </p:cSld>
+  <p:clrMapOvr>
+    <a:masterClrMapping/>
+  </p:clrMapOvr>
+  <mc:AlternateContent xmlns:mc="http://schemas.openxmlformats.org/markup-compatibility/2006" xmlns:p15="http://schemas.microsoft.com/office/powerpoint/2012/main">
+    <mc:Choice Requires="p15">
+      <p:transition xmlns:p14="http://schemas.microsoft.com/office/powerpoint/2010/main" spd="slow" p14:dur="1250">
+        <p15:prstTrans prst="airplane"/>
+      </p:transition>
+    </mc:Choice>
+    <mc:Fallback xmlns="">
+      <p:transition spd="slow">
+        <p:fade/>
+      </p:transition>
+    </mc:Fallback>
+  </mc:AlternateContent>
+  <p:timing>
+    <p:tnLst>
+      <p:par>
+        <p:cTn id="1" dur="indefinite" restart="never" nodeType="tmRoot"/>
+      </p:par>
+    </p:tnLst>
+  </p:timing>
+</p:sld>
+</file>
+
+<file path=ppt/slides/slide11.xml><?xml version="1.0" encoding="utf-8"?>
+<p:sld xmlns:a="http://schemas.openxmlformats.org/drawingml/2006/main" xmlns:r="http://schemas.openxmlformats.org/officeDocument/2006/relationships" xmlns:p="http://schemas.openxmlformats.org/presentationml/2006/main">
+  <p:cSld>
+    <p:spTree>
+      <p:nvGrpSpPr>
+        <p:cNvPr id="1" name=""/>
+        <p:cNvGrpSpPr/>
+        <p:nvPr/>
+      </p:nvGrpSpPr>
+      <p:grpSpPr>
+        <a:xfrm>
+          <a:off x="0" y="0"/>
+          <a:ext cx="0" cy="0"/>
+          <a:chOff x="0" y="0"/>
+          <a:chExt cx="0" cy="0"/>
+        </a:xfrm>
+      </p:grpSpPr>
+      <p:sp>
+        <p:nvSpPr>
+          <p:cNvPr id="4" name="Title 3"/>
+          <p:cNvSpPr>
+            <a:spLocks noGrp="1"/>
+          </p:cNvSpPr>
+          <p:nvPr>
+            <p:ph type="title"/>
+          </p:nvPr>
+        </p:nvSpPr>
+        <p:spPr/>
+        <p:txBody>
+          <a:bodyPr/>
+          <a:lstStyle/>
+          <a:p>
+            <a:pPr algn="ctr"/>
+            <a:r>
+              <a:rPr lang="is-IS" dirty="0" smtClean="0"/>
+              <a:t>Sýning á notendaviðmóti</a:t>
+            </a:r>
+            <a:endParaRPr lang="is-IS" dirty="0"/>
+          </a:p>
+        </p:txBody>
+      </p:sp>
+      <p:sp>
+        <p:nvSpPr>
+          <p:cNvPr id="5" name="Text Placeholder 4"/>
+          <p:cNvSpPr>
+            <a:spLocks noGrp="1"/>
+          </p:cNvSpPr>
+          <p:nvPr>
+            <p:ph type="body" idx="1"/>
+          </p:nvPr>
+        </p:nvSpPr>
+        <p:spPr/>
+        <p:txBody>
+          <a:bodyPr/>
+          <a:lstStyle/>
+          <a:p>
+            <a:pPr algn="ctr"/>
+            <a:endParaRPr lang="is-IS" dirty="0"/>
+          </a:p>
+        </p:txBody>
+      </p:sp>
+    </p:spTree>
+    <p:extLst>
+      <p:ext uri="{BB962C8B-B14F-4D97-AF65-F5344CB8AC3E}">
+        <p14:creationId xmlns:p14="http://schemas.microsoft.com/office/powerpoint/2010/main" val="407384379"/>
+      </p:ext>
+    </p:extLst>
+  </p:cSld>
+  <p:clrMapOvr>
+    <a:masterClrMapping/>
+  </p:clrMapOvr>
+  <mc:AlternateContent xmlns:mc="http://schemas.openxmlformats.org/markup-compatibility/2006" xmlns:p15="http://schemas.microsoft.com/office/powerpoint/2012/main">
+    <mc:Choice Requires="p15">
+      <p:transition xmlns:p14="http://schemas.microsoft.com/office/powerpoint/2010/main" spd="slow" p14:dur="2000">
+        <p15:prstTrans prst="wind"/>
+      </p:transition>
+    </mc:Choice>
+    <mc:Fallback xmlns="">
+      <p:transition spd="slow">
+        <p:fade/>
+      </p:transition>
+    </mc:Fallback>
+  </mc:AlternateContent>
+  <p:timing>
+    <p:tnLst>
+      <p:par>
+        <p:cTn id="1" dur="indefinite" restart="never" nodeType="tmRoot"/>
+      </p:par>
+    </p:tnLst>
+  </p:timing>
+</p:sld>
+</file>
+
+<file path=ppt/slides/slide2.xml><?xml version="1.0" encoding="utf-8"?>
+<p:sld xmlns:a="http://schemas.openxmlformats.org/drawingml/2006/main" xmlns:r="http://schemas.openxmlformats.org/officeDocument/2006/relationships" xmlns:p="http://schemas.openxmlformats.org/presentationml/2006/main">
+  <p:cSld>
+    <p:spTree>
+      <p:nvGrpSpPr>
+        <p:cNvPr id="1" name=""/>
+        <p:cNvGrpSpPr/>
+        <p:nvPr/>
+      </p:nvGrpSpPr>
+      <p:grpSpPr>
+        <a:xfrm>
+          <a:off x="0" y="0"/>
+          <a:ext cx="0" cy="0"/>
+          <a:chOff x="0" y="0"/>
+          <a:chExt cx="0" cy="0"/>
+        </a:xfrm>
+      </p:grpSpPr>
+      <p:pic>
+        <p:nvPicPr>
+          <p:cNvPr id="4" name="Picture 3"/>
+          <p:cNvPicPr>
+            <a:picLocks noChangeAspect="1"/>
+          </p:cNvPicPr>
+          <p:nvPr/>
+        </p:nvPicPr>
+        <p:blipFill>
+          <a:blip r:embed="rId2" cstate="print">
+            <a:extLst>
+              <a:ext uri="{28A0092B-C50C-407E-A947-70E740481C1C}">
+                <a14:useLocalDpi xmlns:a14="http://schemas.microsoft.com/office/drawing/2010/main" val="0"/>
+              </a:ext>
+            </a:extLst>
+          </a:blip>
+          <a:stretch>
+            <a:fillRect/>
+          </a:stretch>
+        </p:blipFill>
+        <p:spPr>
+          <a:xfrm>
+            <a:off x="6124075" y="2472258"/>
+            <a:ext cx="4788568" cy="3763816"/>
+          </a:xfrm>
+          <a:prstGeom prst="rect">
+            <a:avLst/>
+          </a:prstGeom>
+        </p:spPr>
+      </p:pic>
+      <p:sp>
+        <p:nvSpPr>
+          <p:cNvPr id="2" name="Title 1"/>
+          <p:cNvSpPr>
+            <a:spLocks noGrp="1"/>
+          </p:cNvSpPr>
+          <p:nvPr>
+            <p:ph type="title"/>
+          </p:nvPr>
+        </p:nvSpPr>
+        <p:spPr/>
+        <p:txBody>
+          <a:bodyPr/>
+          <a:lstStyle/>
+          <a:p>
+            <a:r>
+              <a:rPr lang="is-IS" dirty="0" smtClean="0"/>
+              <a:t>Inngangur</a:t>
+            </a:r>
+            <a:endParaRPr lang="is-IS" dirty="0"/>
+          </a:p>
+        </p:txBody>
+      </p:sp>
+      <p:sp>
+        <p:nvSpPr>
+          <p:cNvPr id="3" name="Content Placeholder 2"/>
+          <p:cNvSpPr>
+            <a:spLocks noGrp="1"/>
+          </p:cNvSpPr>
+          <p:nvPr>
+            <p:ph idx="1"/>
+          </p:nvPr>
+        </p:nvSpPr>
+        <p:spPr/>
+        <p:txBody>
+          <a:bodyPr>
+            <a:normAutofit/>
+          </a:bodyPr>
+          <a:lstStyle/>
+          <a:p>
+            <a:pPr marL="0" indent="0">
+              <a:buNone/>
+            </a:pPr>
+            <a:r>
+              <a:rPr lang="is-IS" dirty="0" smtClean="0"/>
+              <a:t>Í þessu verkefni vildum við kanna hvar væri best að búa</a:t>
+            </a:r>
+            <a:r>
+              <a:rPr lang="is-IS" dirty="0" smtClean="0"/>
+              <a:t>.</a:t>
+            </a:r>
+          </a:p>
+          <a:p>
+            <a:pPr marL="0" indent="0">
+              <a:buNone/>
+            </a:pPr>
+            <a:r>
+              <a:rPr lang="is-IS" dirty="0" smtClean="0"/>
+              <a:t>World Bank</a:t>
+            </a:r>
+            <a:r>
+              <a:rPr lang="is-IS" dirty="0" smtClean="0"/>
+              <a:t> gagnasafn.</a:t>
+            </a:r>
+            <a:endParaRPr lang="is-IS" dirty="0" smtClean="0"/>
+          </a:p>
+          <a:p>
+            <a:pPr marL="0" indent="0">
+              <a:buNone/>
+            </a:pPr>
+            <a:r>
+              <a:rPr lang="is-IS" dirty="0" smtClean="0"/>
+              <a:t>Áhugaverð gögn í gagnasafni. </a:t>
+            </a:r>
+            <a:endParaRPr lang="is-IS" dirty="0"/>
+          </a:p>
+          <a:p>
+            <a:pPr marL="0" indent="0">
+              <a:buNone/>
+            </a:pPr>
+            <a:endParaRPr lang="is-IS" dirty="0" smtClean="0"/>
+          </a:p>
+          <a:p>
+            <a:pPr marL="0" indent="0">
+              <a:buNone/>
+            </a:pPr>
+            <a:endParaRPr lang="is-IS" dirty="0"/>
+          </a:p>
+          <a:p>
+            <a:pPr marL="0" indent="0">
+              <a:buNone/>
+            </a:pPr>
+            <a:endParaRPr lang="is-IS" dirty="0"/>
+          </a:p>
+          <a:p>
+            <a:pPr marL="0" indent="0" algn="ctr">
+              <a:buNone/>
+            </a:pPr>
+            <a:endParaRPr lang="is-IS" dirty="0">
+              <a:solidFill>
+                <a:srgbClr val="FF0000"/>
+              </a:solidFill>
+            </a:endParaRPr>
+          </a:p>
+        </p:txBody>
+      </p:sp>
+    </p:spTree>
+    <p:extLst>
+      <p:ext uri="{BB962C8B-B14F-4D97-AF65-F5344CB8AC3E}">
+        <p14:creationId xmlns:p14="http://schemas.microsoft.com/office/powerpoint/2010/main" val="3685947117"/>
+      </p:ext>
+    </p:extLst>
+  </p:cSld>
+  <p:clrMapOvr>
+    <a:masterClrMapping/>
+  </p:clrMapOvr>
+  <mc:AlternateContent xmlns:mc="http://schemas.openxmlformats.org/markup-compatibility/2006" xmlns:p14="http://schemas.microsoft.com/office/powerpoint/2010/main">
+    <mc:Choice Requires="p14">
+      <p:transition spd="med" p14:dur="700">
+        <p:fade/>
+      </p:transition>
+    </mc:Choice>
+    <mc:Fallback xmlns="">
+      <p:transition spd="med">
+        <p:fade/>
+      </p:transition>
+    </mc:Fallback>
+  </mc:AlternateContent>
+  <p:timing>
+    <p:tnLst>
+      <p:par>
+        <p:cTn id="1" dur="indefinite" restart="never" nodeType="tmRoot"/>
+      </p:par>
+    </p:tnLst>
+  </p:timing>
+</p:sld>
+</file>
+
+<file path=ppt/slides/slide3.xml><?xml version="1.0" encoding="utf-8"?>
+<p:sld xmlns:a="http://schemas.openxmlformats.org/drawingml/2006/main" xmlns:r="http://schemas.openxmlformats.org/officeDocument/2006/relationships" xmlns:p="http://schemas.openxmlformats.org/presentationml/2006/main">
+  <p:cSld>
+    <p:spTree>
+      <p:nvGrpSpPr>
+        <p:cNvPr id="1" name=""/>
+        <p:cNvGrpSpPr/>
+        <p:nvPr/>
+      </p:nvGrpSpPr>
+      <p:grpSpPr>
+        <a:xfrm>
+          <a:off x="0" y="0"/>
+          <a:ext cx="0" cy="0"/>
+          <a:chOff x="0" y="0"/>
+          <a:chExt cx="0" cy="0"/>
+        </a:xfrm>
+      </p:grpSpPr>
+      <p:sp>
+        <p:nvSpPr>
+          <p:cNvPr id="2" name="Title 1"/>
+          <p:cNvSpPr>
+            <a:spLocks noGrp="1"/>
+          </p:cNvSpPr>
+          <p:nvPr>
+            <p:ph type="title"/>
+          </p:nvPr>
+        </p:nvSpPr>
+        <p:spPr/>
+        <p:txBody>
+          <a:bodyPr/>
+          <a:lstStyle/>
+          <a:p>
+            <a:r>
+              <a:rPr lang="is-IS" dirty="0" smtClean="0"/>
+              <a:t>Leiðin í SQL</a:t>
+            </a:r>
+            <a:endParaRPr lang="is-IS" dirty="0"/>
+          </a:p>
+        </p:txBody>
+      </p:sp>
+      <p:pic>
+        <p:nvPicPr>
+          <p:cNvPr id="6" name="Picture 5"/>
+          <p:cNvPicPr>
+            <a:picLocks noChangeAspect="1"/>
+          </p:cNvPicPr>
+          <p:nvPr/>
+        </p:nvPicPr>
+        <p:blipFill>
+          <a:blip r:embed="rId2" cstate="print">
+            <a:extLst>
+              <a:ext uri="{28A0092B-C50C-407E-A947-70E740481C1C}">
+                <a14:useLocalDpi xmlns:a14="http://schemas.microsoft.com/office/drawing/2010/main" val="0"/>
+              </a:ext>
+            </a:extLst>
+          </a:blip>
+          <a:stretch>
+            <a:fillRect/>
+          </a:stretch>
+        </p:blipFill>
+        <p:spPr>
+          <a:xfrm>
+            <a:off x="569251" y="2349499"/>
+            <a:ext cx="3586554" cy="2609021"/>
+          </a:xfrm>
+          <a:prstGeom prst="rect">
+            <a:avLst/>
+          </a:prstGeom>
+        </p:spPr>
+      </p:pic>
+      <p:pic>
+        <p:nvPicPr>
+          <p:cNvPr id="7" name="Picture 6"/>
+          <p:cNvPicPr>
+            <a:picLocks noChangeAspect="1"/>
+          </p:cNvPicPr>
+          <p:nvPr/>
+        </p:nvPicPr>
+        <p:blipFill>
+          <a:blip r:embed="rId3" cstate="print">
+            <a:extLst>
+              <a:ext uri="{28A0092B-C50C-407E-A947-70E740481C1C}">
+                <a14:useLocalDpi xmlns:a14="http://schemas.microsoft.com/office/drawing/2010/main" val="0"/>
+              </a:ext>
+            </a:extLst>
+          </a:blip>
+          <a:stretch>
+            <a:fillRect/>
+          </a:stretch>
+        </p:blipFill>
+        <p:spPr>
+          <a:xfrm>
+            <a:off x="4306343" y="2349499"/>
+            <a:ext cx="2905733" cy="2609021"/>
+          </a:xfrm>
+          <a:prstGeom prst="rect">
+            <a:avLst/>
+          </a:prstGeom>
+        </p:spPr>
+      </p:pic>
+      <p:sp>
+        <p:nvSpPr>
+          <p:cNvPr id="8" name="TextBox 7"/>
+          <p:cNvSpPr txBox="1"/>
+          <p:nvPr/>
+        </p:nvSpPr>
+        <p:spPr>
+          <a:xfrm>
+            <a:off x="1616068" y="1757917"/>
+            <a:ext cx="2755900" cy="369332"/>
+          </a:xfrm>
+          <a:prstGeom prst="rect">
+            <a:avLst/>
+          </a:prstGeom>
+          <a:noFill/>
+        </p:spPr>
+        <p:txBody>
+          <a:bodyPr wrap="square" rtlCol="0">
+            <a:spAutoFit/>
+          </a:bodyPr>
+          <a:lstStyle/>
+          <a:p>
+            <a:r>
+              <a:rPr lang="is-IS" dirty="0" smtClean="0"/>
+              <a:t>Gögn</a:t>
+            </a:r>
+            <a:endParaRPr lang="is-IS" dirty="0"/>
+          </a:p>
+        </p:txBody>
+      </p:sp>
+      <p:sp>
+        <p:nvSpPr>
+          <p:cNvPr id="12" name="TextBox 11"/>
+          <p:cNvSpPr txBox="1"/>
+          <p:nvPr/>
+        </p:nvSpPr>
+        <p:spPr>
+          <a:xfrm>
+            <a:off x="5040376" y="1757917"/>
+            <a:ext cx="1068324" cy="369332"/>
+          </a:xfrm>
+          <a:prstGeom prst="rect">
+            <a:avLst/>
+          </a:prstGeom>
+          <a:noFill/>
+        </p:spPr>
+        <p:txBody>
+          <a:bodyPr wrap="square" rtlCol="0">
+            <a:spAutoFit/>
+          </a:bodyPr>
+          <a:lstStyle/>
+          <a:p>
+            <a:r>
+              <a:rPr lang="is-IS" dirty="0" smtClean="0"/>
+              <a:t>Python</a:t>
+            </a:r>
+            <a:endParaRPr lang="is-IS" dirty="0"/>
+          </a:p>
+        </p:txBody>
+      </p:sp>
+      <p:sp>
+        <p:nvSpPr>
+          <p:cNvPr id="13" name="TextBox 12"/>
+          <p:cNvSpPr txBox="1"/>
+          <p:nvPr/>
+        </p:nvSpPr>
+        <p:spPr>
+          <a:xfrm>
+            <a:off x="9176040" y="1757917"/>
+            <a:ext cx="609600" cy="369332"/>
+          </a:xfrm>
+          <a:prstGeom prst="rect">
+            <a:avLst/>
+          </a:prstGeom>
+          <a:noFill/>
+        </p:spPr>
+        <p:txBody>
+          <a:bodyPr wrap="square" rtlCol="0">
+            <a:spAutoFit/>
+          </a:bodyPr>
+          <a:lstStyle/>
+          <a:p>
+            <a:r>
+              <a:rPr lang="is-IS" dirty="0" smtClean="0"/>
+              <a:t>SQL</a:t>
+            </a:r>
+            <a:endParaRPr lang="is-IS" dirty="0"/>
+          </a:p>
+        </p:txBody>
+      </p:sp>
+      <p:pic>
+        <p:nvPicPr>
+          <p:cNvPr id="10" name="Content Placeholder 9"/>
+          <p:cNvPicPr>
+            <a:picLocks noGrp="1" noChangeAspect="1"/>
+          </p:cNvPicPr>
+          <p:nvPr>
+            <p:ph idx="1"/>
+          </p:nvPr>
+        </p:nvPicPr>
+        <p:blipFill>
+          <a:blip r:embed="rId4">
+            <a:extLst>
+              <a:ext uri="{28A0092B-C50C-407E-A947-70E740481C1C}">
+                <a14:useLocalDpi xmlns:a14="http://schemas.microsoft.com/office/drawing/2010/main" val="0"/>
+              </a:ext>
+            </a:extLst>
+          </a:blip>
+          <a:stretch>
+            <a:fillRect/>
+          </a:stretch>
+        </p:blipFill>
+        <p:spPr>
+          <a:xfrm>
+            <a:off x="7362614" y="2355817"/>
+            <a:ext cx="4061513" cy="2602703"/>
+          </a:xfrm>
+        </p:spPr>
+      </p:pic>
+    </p:spTree>
+    <p:extLst>
+      <p:ext uri="{BB962C8B-B14F-4D97-AF65-F5344CB8AC3E}">
+        <p14:creationId xmlns:p14="http://schemas.microsoft.com/office/powerpoint/2010/main" val="418967576"/>
+      </p:ext>
+    </p:extLst>
+  </p:cSld>
+  <p:clrMapOvr>
+    <a:masterClrMapping/>
+  </p:clrMapOvr>
+  <p:transition spd="slow">
+    <p:push dir="u"/>
+  </p:transition>
+  <p:timing>
+    <p:tnLst>
+      <p:par>
+        <p:cTn id="1" dur="indefinite" restart="never" nodeType="tmRoot">
+          <p:childTnLst>
+            <p:seq concurrent="1" nextAc="seek">
+              <p:cTn id="2" dur="indefinite" nodeType="mainSeq">
+                <p:childTnLst>
+                  <p:par>
+                    <p:cTn id="3" fill="hold">
+                      <p:stCondLst>
+                        <p:cond delay="indefinite"/>
+                      </p:stCondLst>
+                      <p:childTnLst>
+                        <p:par>
+                          <p:cTn id="4" fill="hold">
+                            <p:stCondLst>
+                              <p:cond delay="0"/>
+                            </p:stCondLst>
+                            <p:childTnLst>
+                              <p:par>
+                                <p:cTn id="5" presetID="10" presetClass="entr" presetSubtype="0" fill="hold" nodeType="clickEffect">
+                                  <p:stCondLst>
+                                    <p:cond delay="0"/>
+                                  </p:stCondLst>
+                                  <p:childTnLst>
+                                    <p:set>
+                                      <p:cBhvr>
+                                        <p:cTn id="6" dur="1" fill="hold">
+                                          <p:stCondLst>
+                                            <p:cond delay="0"/>
+                                          </p:stCondLst>
+                                        </p:cTn>
+                                        <p:tgtEl>
+                                          <p:spTgt spid="6"/>
+                                        </p:tgtEl>
+                                        <p:attrNameLst>
+                                          <p:attrName>style.visibility</p:attrName>
+                                        </p:attrNameLst>
+                                      </p:cBhvr>
+                                      <p:to>
+                                        <p:strVal val="visible"/>
+                                      </p:to>
+                                    </p:set>
+                                    <p:animEffect transition="in" filter="fade">
+                                      <p:cBhvr>
+                                        <p:cTn id="7" dur="500"/>
+                                        <p:tgtEl>
+                                          <p:spTgt spid="6"/>
+                                        </p:tgtEl>
+                                      </p:cBhvr>
+                                    </p:animEffect>
+                                  </p:childTnLst>
+                                </p:cTn>
+                              </p:par>
+                              <p:par>
+                                <p:cTn id="8" presetID="10" presetClass="entr" presetSubtype="0" fill="hold" grpId="0" nodeType="withEffect">
+                                  <p:stCondLst>
+                                    <p:cond delay="0"/>
+                                  </p:stCondLst>
+                                  <p:childTnLst>
+                                    <p:set>
+                                      <p:cBhvr>
+                                        <p:cTn id="9" dur="1" fill="hold">
+                                          <p:stCondLst>
+                                            <p:cond delay="0"/>
+                                          </p:stCondLst>
+                                        </p:cTn>
+                                        <p:tgtEl>
+                                          <p:spTgt spid="8"/>
+                                        </p:tgtEl>
+                                        <p:attrNameLst>
+                                          <p:attrName>style.visibility</p:attrName>
+                                        </p:attrNameLst>
+                                      </p:cBhvr>
+                                      <p:to>
+                                        <p:strVal val="visible"/>
+                                      </p:to>
+                                    </p:set>
+                                    <p:animEffect transition="in" filter="fade">
+                                      <p:cBhvr>
+                                        <p:cTn id="10" dur="500"/>
+                                        <p:tgtEl>
+                                          <p:spTgt spid="8"/>
+                                        </p:tgtEl>
+                                      </p:cBhvr>
+                                    </p:animEffect>
+                                  </p:childTnLst>
+                                </p:cTn>
+                              </p:par>
+                            </p:childTnLst>
+                          </p:cTn>
+                        </p:par>
+                      </p:childTnLst>
+                    </p:cTn>
+                  </p:par>
+                  <p:par>
+                    <p:cTn id="11" fill="hold">
+                      <p:stCondLst>
+                        <p:cond delay="indefinite"/>
+                      </p:stCondLst>
+                      <p:childTnLst>
+                        <p:par>
+                          <p:cTn id="12" fill="hold">
+                            <p:stCondLst>
+                              <p:cond delay="0"/>
+                            </p:stCondLst>
+                            <p:childTnLst>
+                              <p:par>
+                                <p:cTn id="13" presetID="10" presetClass="entr" presetSubtype="0" fill="hold" grpId="0" nodeType="clickEffect">
+                                  <p:stCondLst>
+                                    <p:cond delay="0"/>
+                                  </p:stCondLst>
+                                  <p:childTnLst>
+                                    <p:set>
+                                      <p:cBhvr>
+                                        <p:cTn id="14" dur="1" fill="hold">
+                                          <p:stCondLst>
+                                            <p:cond delay="0"/>
+                                          </p:stCondLst>
+                                        </p:cTn>
+                                        <p:tgtEl>
+                                          <p:spTgt spid="12"/>
+                                        </p:tgtEl>
+                                        <p:attrNameLst>
+                                          <p:attrName>style.visibility</p:attrName>
+                                        </p:attrNameLst>
+                                      </p:cBhvr>
+                                      <p:to>
+                                        <p:strVal val="visible"/>
+                                      </p:to>
+                                    </p:set>
+                                    <p:animEffect transition="in" filter="fade">
+                                      <p:cBhvr>
+                                        <p:cTn id="15" dur="500"/>
+                                        <p:tgtEl>
+                                          <p:spTgt spid="12"/>
+                                        </p:tgtEl>
+                                      </p:cBhvr>
+                                    </p:animEffect>
+                                  </p:childTnLst>
+                                </p:cTn>
+                              </p:par>
+                              <p:par>
+                                <p:cTn id="16" presetID="10" presetClass="entr" presetSubtype="0" fill="hold" nodeType="withEffect">
+                                  <p:stCondLst>
+                                    <p:cond delay="0"/>
+                                  </p:stCondLst>
+                                  <p:childTnLst>
+                                    <p:set>
+                                      <p:cBhvr>
+                                        <p:cTn id="17" dur="1" fill="hold">
+                                          <p:stCondLst>
+                                            <p:cond delay="0"/>
+                                          </p:stCondLst>
+                                        </p:cTn>
+                                        <p:tgtEl>
+                                          <p:spTgt spid="7"/>
+                                        </p:tgtEl>
+                                        <p:attrNameLst>
+                                          <p:attrName>style.visibility</p:attrName>
+                                        </p:attrNameLst>
+                                      </p:cBhvr>
+                                      <p:to>
+                                        <p:strVal val="visible"/>
+                                      </p:to>
+                                    </p:set>
+                                    <p:animEffect transition="in" filter="fade">
+                                      <p:cBhvr>
+                                        <p:cTn id="18" dur="500"/>
+                                        <p:tgtEl>
+                                          <p:spTgt spid="7"/>
+                                        </p:tgtEl>
+                                      </p:cBhvr>
+                                    </p:animEffect>
+                                  </p:childTnLst>
+                                </p:cTn>
+                              </p:par>
+                            </p:childTnLst>
+                          </p:cTn>
+                        </p:par>
+                      </p:childTnLst>
+                    </p:cTn>
+                  </p:par>
+                  <p:par>
+                    <p:cTn id="19" fill="hold">
+                      <p:stCondLst>
+                        <p:cond delay="indefinite"/>
+                      </p:stCondLst>
+                      <p:childTnLst>
+                        <p:par>
+                          <p:cTn id="20" fill="hold">
+                            <p:stCondLst>
+                              <p:cond delay="0"/>
+                            </p:stCondLst>
+                            <p:childTnLst>
+                              <p:par>
+                                <p:cTn id="21" presetID="10" presetClass="entr" presetSubtype="0" fill="hold" grpId="0" nodeType="clickEffect">
+                                  <p:stCondLst>
+                                    <p:cond delay="0"/>
+                                  </p:stCondLst>
+                                  <p:childTnLst>
+                                    <p:set>
+                                      <p:cBhvr>
+                                        <p:cTn id="22" dur="1" fill="hold">
+                                          <p:stCondLst>
+                                            <p:cond delay="0"/>
+                                          </p:stCondLst>
+                                        </p:cTn>
+                                        <p:tgtEl>
+                                          <p:spTgt spid="13"/>
+                                        </p:tgtEl>
+                                        <p:attrNameLst>
+                                          <p:attrName>style.visibility</p:attrName>
+                                        </p:attrNameLst>
+                                      </p:cBhvr>
+                                      <p:to>
+                                        <p:strVal val="visible"/>
+                                      </p:to>
+                                    </p:set>
+                                    <p:animEffect transition="in" filter="fade">
+                                      <p:cBhvr>
+                                        <p:cTn id="23" dur="500"/>
+                                        <p:tgtEl>
+                                          <p:spTgt spid="13"/>
+                                        </p:tgtEl>
+                                      </p:cBhvr>
+                                    </p:animEffect>
+                                  </p:childTnLst>
+                                </p:cTn>
+                              </p:par>
+                              <p:par>
+                                <p:cTn id="24" presetID="10" presetClass="entr" presetSubtype="0" fill="hold" nodeType="withEffect">
+                                  <p:stCondLst>
+                                    <p:cond delay="0"/>
+                                  </p:stCondLst>
+                                  <p:childTnLst>
+                                    <p:set>
+                                      <p:cBhvr>
+                                        <p:cTn id="25" dur="1" fill="hold">
+                                          <p:stCondLst>
+                                            <p:cond delay="0"/>
+                                          </p:stCondLst>
+                                        </p:cTn>
+                                        <p:tgtEl>
+                                          <p:spTgt spid="10"/>
+                                        </p:tgtEl>
+                                        <p:attrNameLst>
+                                          <p:attrName>style.visibility</p:attrName>
+                                        </p:attrNameLst>
+                                      </p:cBhvr>
+                                      <p:to>
+                                        <p:strVal val="visible"/>
+                                      </p:to>
+                                    </p:set>
+                                    <p:animEffect transition="in" filter="fade">
+                                      <p:cBhvr>
+                                        <p:cTn id="26" dur="500"/>
+                                        <p:tgtEl>
+                                          <p:spTgt spid="10"/>
+                                        </p:tgtEl>
+                                      </p:cBhvr>
+                                    </p:animEffect>
+                                  </p:childTnLst>
+                                </p:cTn>
+                              </p:par>
+                            </p:childTnLst>
+                          </p:cTn>
+                        </p:par>
+                      </p:childTnLst>
+                    </p:cTn>
+                  </p:par>
+                </p:childTnLst>
+              </p:cTn>
+              <p:prevCondLst>
+                <p:cond evt="onPrev" delay="0">
+                  <p:tgtEl>
+                    <p:sldTgt/>
+                  </p:tgtEl>
+                </p:cond>
+              </p:prevCondLst>
+              <p:nextCondLst>
+                <p:cond evt="onNext" delay="0">
+                  <p:tgtEl>
+                    <p:sldTgt/>
+                  </p:tgtEl>
+                </p:cond>
+              </p:nextCondLst>
+            </p:seq>
+          </p:childTnLst>
+        </p:cTn>
+      </p:par>
+    </p:tnLst>
+    <p:bldLst>
+      <p:bldP spid="8" grpId="0"/>
+      <p:bldP spid="12" grpId="0"/>
+      <p:bldP spid="13" grpId="0"/>
+    </p:bldLst>
+  </p:timing>
+</p:sld>
+</file>
+
+<file path=ppt/slides/slide4.xml><?xml version="1.0" encoding="utf-8"?>
+<p:sld xmlns:a="http://schemas.openxmlformats.org/drawingml/2006/main" xmlns:r="http://schemas.openxmlformats.org/officeDocument/2006/relationships" xmlns:p="http://schemas.openxmlformats.org/presentationml/2006/main">
+  <p:cSld>
+    <p:spTree>
+      <p:nvGrpSpPr>
+        <p:cNvPr id="1" name=""/>
+        <p:cNvGrpSpPr/>
+        <p:nvPr/>
+      </p:nvGrpSpPr>
+      <p:grpSpPr>
+        <a:xfrm>
+          <a:off x="0" y="0"/>
+          <a:ext cx="0" cy="0"/>
+          <a:chOff x="0" y="0"/>
+          <a:chExt cx="0" cy="0"/>
+        </a:xfrm>
+      </p:grpSpPr>
+      <p:sp>
+        <p:nvSpPr>
+          <p:cNvPr id="2" name="Title 1"/>
+          <p:cNvSpPr>
+            <a:spLocks noGrp="1"/>
+          </p:cNvSpPr>
+          <p:nvPr>
+            <p:ph type="title"/>
+          </p:nvPr>
+        </p:nvSpPr>
+        <p:spPr/>
+        <p:txBody>
+          <a:bodyPr/>
+          <a:lstStyle/>
+          <a:p>
+            <a:r>
+              <a:rPr lang="is-IS" dirty="0" smtClean="0"/>
+              <a:t>Leið </a:t>
+            </a:r>
+            <a:r>
+              <a:rPr lang="is-IS" dirty="0" smtClean="0"/>
+              <a:t>úr SQL</a:t>
+            </a:r>
+            <a:endParaRPr lang="is-IS" dirty="0"/>
+          </a:p>
+        </p:txBody>
+      </p:sp>
+      <p:pic>
+        <p:nvPicPr>
+          <p:cNvPr id="4" name="Content Placeholder 3"/>
+          <p:cNvPicPr>
+            <a:picLocks noGrp="1" noChangeAspect="1"/>
+          </p:cNvPicPr>
+          <p:nvPr>
+            <p:ph idx="1"/>
+          </p:nvPr>
+        </p:nvPicPr>
+        <p:blipFill>
+          <a:blip r:embed="rId2">
+            <a:extLst>
+              <a:ext uri="{28A0092B-C50C-407E-A947-70E740481C1C}">
+                <a14:useLocalDpi xmlns:a14="http://schemas.microsoft.com/office/drawing/2010/main" val="0"/>
+              </a:ext>
+            </a:extLst>
+          </a:blip>
+          <a:stretch>
+            <a:fillRect/>
+          </a:stretch>
+        </p:blipFill>
+        <p:spPr>
+          <a:xfrm>
+            <a:off x="957323" y="2490537"/>
+            <a:ext cx="10547290" cy="2653779"/>
+          </a:xfrm>
+        </p:spPr>
+      </p:pic>
+    </p:spTree>
+    <p:extLst>
+      <p:ext uri="{BB962C8B-B14F-4D97-AF65-F5344CB8AC3E}">
+        <p14:creationId xmlns:p14="http://schemas.microsoft.com/office/powerpoint/2010/main" val="574316553"/>
+      </p:ext>
+    </p:extLst>
+  </p:cSld>
+  <p:clrMapOvr>
+    <a:masterClrMapping/>
+  </p:clrMapOvr>
+  <mc:AlternateContent xmlns:mc="http://schemas.openxmlformats.org/markup-compatibility/2006" xmlns:p14="http://schemas.microsoft.com/office/powerpoint/2010/main">
+    <mc:Choice Requires="p14">
+      <p:transition spd="slow" p14:dur="3400">
+        <p14:reveal/>
+      </p:transition>
+    </mc:Choice>
+    <mc:Fallback xmlns="">
+      <p:transition spd="slow">
+        <p:fade/>
+      </p:transition>
+    </mc:Fallback>
+  </mc:AlternateContent>
+  <p:timing>
+    <p:tnLst>
+      <p:par>
+        <p:cTn id="1" dur="indefinite" restart="never" nodeType="tmRoot"/>
+      </p:par>
+    </p:tnLst>
+  </p:timing>
+</p:sld>
+</file>
+
+<file path=ppt/slides/slide5.xml><?xml version="1.0" encoding="utf-8"?>
+<p:sld xmlns:a="http://schemas.openxmlformats.org/drawingml/2006/main" xmlns:r="http://schemas.openxmlformats.org/officeDocument/2006/relationships" xmlns:p="http://schemas.openxmlformats.org/presentationml/2006/main">
+  <p:cSld>
+    <p:spTree>
+      <p:nvGrpSpPr>
+        <p:cNvPr id="1" name=""/>
+        <p:cNvGrpSpPr/>
+        <p:nvPr/>
+      </p:nvGrpSpPr>
+      <p:grpSpPr>
+        <a:xfrm>
+          <a:off x="0" y="0"/>
+          <a:ext cx="0" cy="0"/>
+          <a:chOff x="0" y="0"/>
+          <a:chExt cx="0" cy="0"/>
+        </a:xfrm>
+      </p:grpSpPr>
+      <p:sp>
+        <p:nvSpPr>
+          <p:cNvPr id="4" name="Title 3"/>
+          <p:cNvSpPr>
+            <a:spLocks noGrp="1"/>
+          </p:cNvSpPr>
+          <p:nvPr>
+            <p:ph type="title"/>
+          </p:nvPr>
+        </p:nvSpPr>
+        <p:spPr>
+          <a:xfrm>
+            <a:off x="2589212" y="2326024"/>
+            <a:ext cx="8915399" cy="1468800"/>
+          </a:xfrm>
+        </p:spPr>
+        <p:txBody>
+          <a:bodyPr/>
+          <a:lstStyle/>
+          <a:p>
+            <a:r>
+              <a:rPr lang="is-IS" dirty="0" smtClean="0"/>
+              <a:t>SQL =&gt; Notendaviðmót</a:t>
+            </a:r>
+            <a:endParaRPr lang="is-IS" dirty="0"/>
+          </a:p>
+        </p:txBody>
+      </p:sp>
+      <p:sp>
+        <p:nvSpPr>
+          <p:cNvPr id="8" name="Text Placeholder 7"/>
+          <p:cNvSpPr>
+            <a:spLocks noGrp="1"/>
+          </p:cNvSpPr>
+          <p:nvPr>
+            <p:ph type="body" idx="1"/>
+          </p:nvPr>
+        </p:nvSpPr>
+        <p:spPr>
+          <a:xfrm>
+            <a:off x="2589212" y="5154392"/>
+            <a:ext cx="8915399" cy="860400"/>
+          </a:xfrm>
+        </p:spPr>
+        <p:txBody>
+          <a:bodyPr/>
+          <a:lstStyle/>
+          <a:p>
+            <a:endParaRPr lang="is-IS" dirty="0"/>
+          </a:p>
+        </p:txBody>
+      </p:sp>
+    </p:spTree>
+    <p:extLst>
+      <p:ext uri="{BB962C8B-B14F-4D97-AF65-F5344CB8AC3E}">
+        <p14:creationId xmlns:p14="http://schemas.microsoft.com/office/powerpoint/2010/main" val="1428249607"/>
+      </p:ext>
+    </p:extLst>
+  </p:cSld>
+  <p:clrMapOvr>
+    <a:masterClrMapping/>
+  </p:clrMapOvr>
+  <mc:AlternateContent xmlns:mc="http://schemas.openxmlformats.org/markup-compatibility/2006" xmlns:p14="http://schemas.microsoft.com/office/powerpoint/2010/main">
+    <mc:Choice Requires="p14">
+      <p:transition spd="slow" p14:dur="1500">
+        <p:split orient="vert"/>
+      </p:transition>
+    </mc:Choice>
+    <mc:Fallback xmlns="">
+      <p:transition spd="slow">
+        <p:split orient="vert"/>
+      </p:transition>
+    </mc:Fallback>
+  </mc:AlternateContent>
+  <p:timing>
+    <p:tnLst>
+      <p:par>
+        <p:cTn id="1" dur="indefinite" restart="never" nodeType="tmRoot"/>
+      </p:par>
+    </p:tnLst>
+  </p:timing>
+</p:sld>
+</file>
+
+<file path=ppt/slides/slide6.xml><?xml version="1.0" encoding="utf-8"?>
+<p:sld xmlns:a="http://schemas.openxmlformats.org/drawingml/2006/main" xmlns:r="http://schemas.openxmlformats.org/officeDocument/2006/relationships" xmlns:p="http://schemas.openxmlformats.org/presentationml/2006/main">
+  <p:cSld>
+    <p:spTree>
+      <p:nvGrpSpPr>
+        <p:cNvPr id="1" name=""/>
+        <p:cNvGrpSpPr/>
+        <p:nvPr/>
+      </p:nvGrpSpPr>
+      <p:grpSpPr>
+        <a:xfrm>
+          <a:off x="0" y="0"/>
+          <a:ext cx="0" cy="0"/>
+          <a:chOff x="0" y="0"/>
+          <a:chExt cx="0" cy="0"/>
+        </a:xfrm>
+      </p:grpSpPr>
+      <p:sp>
+        <p:nvSpPr>
+          <p:cNvPr id="2" name="Title 1"/>
+          <p:cNvSpPr>
+            <a:spLocks noGrp="1"/>
+          </p:cNvSpPr>
+          <p:nvPr>
+            <p:ph type="title"/>
+          </p:nvPr>
+        </p:nvSpPr>
+        <p:spPr/>
+        <p:txBody>
+          <a:bodyPr/>
+          <a:lstStyle/>
+          <a:p>
+            <a:endParaRPr lang="en-GB"/>
+          </a:p>
+        </p:txBody>
+      </p:sp>
+      <p:pic>
+        <p:nvPicPr>
+          <p:cNvPr id="5" name="Content Placeholder 4"/>
+          <p:cNvPicPr>
+            <a:picLocks noGrp="1" noChangeAspect="1"/>
+          </p:cNvPicPr>
+          <p:nvPr>
+            <p:ph idx="1"/>
+          </p:nvPr>
+        </p:nvPicPr>
+        <p:blipFill>
+          <a:blip r:embed="rId2">
+            <a:extLst>
+              <a:ext uri="{28A0092B-C50C-407E-A947-70E740481C1C}">
+                <a14:useLocalDpi xmlns:a14="http://schemas.microsoft.com/office/drawing/2010/main" val="0"/>
+              </a:ext>
+            </a:extLst>
+          </a:blip>
+          <a:stretch>
+            <a:fillRect/>
+          </a:stretch>
+        </p:blipFill>
+        <p:spPr>
+          <a:xfrm>
+            <a:off x="0" y="0"/>
+            <a:ext cx="12190899" cy="6857999"/>
+          </a:xfrm>
+        </p:spPr>
+      </p:pic>
+    </p:spTree>
+    <p:extLst>
+      <p:ext uri="{BB962C8B-B14F-4D97-AF65-F5344CB8AC3E}">
+        <p14:creationId xmlns:p14="http://schemas.microsoft.com/office/powerpoint/2010/main" val="3560646934"/>
+      </p:ext>
+    </p:extLst>
+  </p:cSld>
+  <p:clrMapOvr>
+    <a:masterClrMapping/>
+  </p:clrMapOvr>
+  <p:timing>
+    <p:tnLst>
+      <p:par>
+        <p:cTn id="1" dur="indefinite" restart="never" nodeType="tmRoot"/>
+      </p:par>
+    </p:tnLst>
+  </p:timing>
+</p:sld>
+</file>
+
+<file path=ppt/slides/slide7.xml><?xml version="1.0" encoding="utf-8"?>
+<p:sld xmlns:a="http://schemas.openxmlformats.org/drawingml/2006/main" xmlns:r="http://schemas.openxmlformats.org/officeDocument/2006/relationships" xmlns:p="http://schemas.openxmlformats.org/presentationml/2006/main">
+  <p:cSld>
+    <p:spTree>
+      <p:nvGrpSpPr>
+        <p:cNvPr id="1" name=""/>
+        <p:cNvGrpSpPr/>
+        <p:nvPr/>
+      </p:nvGrpSpPr>
+      <p:grpSpPr>
+        <a:xfrm>
+          <a:off x="0" y="0"/>
+          <a:ext cx="0" cy="0"/>
+          <a:chOff x="0" y="0"/>
+          <a:chExt cx="0" cy="0"/>
+        </a:xfrm>
+      </p:grpSpPr>
+      <p:sp>
+        <p:nvSpPr>
+          <p:cNvPr id="2" name="Title 1"/>
+          <p:cNvSpPr>
+            <a:spLocks noGrp="1"/>
+          </p:cNvSpPr>
+          <p:nvPr>
+            <p:ph type="title"/>
+          </p:nvPr>
+        </p:nvSpPr>
+        <p:spPr/>
+        <p:txBody>
+          <a:bodyPr/>
+          <a:lstStyle/>
+          <a:p>
+            <a:pPr algn="ctr"/>
+            <a:r>
+              <a:rPr lang="is-IS" dirty="0" smtClean="0"/>
+              <a:t>Best í heimi?</a:t>
+            </a:r>
+            <a:endParaRPr lang="is-IS" dirty="0"/>
+          </a:p>
+        </p:txBody>
+      </p:sp>
+      <p:sp>
+        <p:nvSpPr>
+          <p:cNvPr id="3" name="Content Placeholder 2"/>
+          <p:cNvSpPr>
+            <a:spLocks noGrp="1"/>
+          </p:cNvSpPr>
+          <p:nvPr>
+            <p:ph idx="1"/>
+          </p:nvPr>
+        </p:nvSpPr>
+        <p:spPr/>
+        <p:txBody>
+          <a:bodyPr anchor="ctr">
+            <a:normAutofit fontScale="92500"/>
+          </a:bodyPr>
+          <a:lstStyle/>
+          <a:p>
+            <a:pPr algn="ctr">
+              <a:lnSpc>
+                <a:spcPct val="250000"/>
+              </a:lnSpc>
+            </a:pPr>
+            <a:r>
+              <a:rPr lang="is-IS" sz="3200" dirty="0"/>
+              <a:t>Hvar er best að búa?</a:t>
+            </a:r>
+          </a:p>
+          <a:p>
+            <a:pPr algn="ctr">
+              <a:lnSpc>
+                <a:spcPct val="250000"/>
+              </a:lnSpc>
+            </a:pPr>
+            <a:r>
+              <a:rPr lang="is-IS" sz="3200" dirty="0" smtClean="0"/>
+              <a:t>Hvað </a:t>
+            </a:r>
+            <a:r>
+              <a:rPr lang="is-IS" sz="3200" dirty="0"/>
+              <a:t>hefur áhrif</a:t>
+            </a:r>
+            <a:r>
+              <a:rPr lang="is-IS" sz="3200" dirty="0" smtClean="0"/>
+              <a:t>?</a:t>
+            </a:r>
+          </a:p>
+          <a:p>
+            <a:pPr algn="ctr">
+              <a:lnSpc>
+                <a:spcPct val="250000"/>
+              </a:lnSpc>
+            </a:pPr>
+            <a:r>
+              <a:rPr lang="is-IS" sz="3200" dirty="0" smtClean="0"/>
+              <a:t>Hvar stendur Ísland</a:t>
+            </a:r>
+            <a:r>
+              <a:rPr lang="is-IS" sz="3200" dirty="0" smtClean="0"/>
+              <a:t>?</a:t>
+            </a:r>
+            <a:endParaRPr lang="is-IS" sz="3200" dirty="0" smtClean="0"/>
+          </a:p>
+        </p:txBody>
+      </p:sp>
+    </p:spTree>
+    <p:extLst>
+      <p:ext uri="{BB962C8B-B14F-4D97-AF65-F5344CB8AC3E}">
+        <p14:creationId xmlns:p14="http://schemas.microsoft.com/office/powerpoint/2010/main" val="3270220427"/>
+      </p:ext>
+    </p:extLst>
+  </p:cSld>
+  <p:clrMapOvr>
+    <a:masterClrMapping/>
+  </p:clrMapOvr>
+  <p:timing>
+    <p:tnLst>
+      <p:par>
+        <p:cTn id="1" dur="indefinite" restart="never" nodeType="tmRoot"/>
+      </p:par>
+    </p:tnLst>
+  </p:timing>
+</p:sld>
+</file>
+
+<file path=ppt/slides/slide8.xml><?xml version="1.0" encoding="utf-8"?>
+<p:sld xmlns:a="http://schemas.openxmlformats.org/drawingml/2006/main" xmlns:r="http://schemas.openxmlformats.org/officeDocument/2006/relationships" xmlns:p="http://schemas.openxmlformats.org/presentationml/2006/main">
+  <p:cSld>
+    <p:spTree>
+      <p:nvGrpSpPr>
+        <p:cNvPr id="1" name=""/>
+        <p:cNvGrpSpPr/>
+        <p:nvPr/>
+      </p:nvGrpSpPr>
+      <p:grpSpPr>
+        <a:xfrm>
+          <a:off x="0" y="0"/>
+          <a:ext cx="0" cy="0"/>
+          <a:chOff x="0" y="0"/>
+          <a:chExt cx="0" cy="0"/>
+        </a:xfrm>
+      </p:grpSpPr>
+      <p:sp>
+        <p:nvSpPr>
+          <p:cNvPr id="2" name="Title 1"/>
+          <p:cNvSpPr>
+            <a:spLocks noGrp="1"/>
+          </p:cNvSpPr>
+          <p:nvPr>
+            <p:ph type="title"/>
+          </p:nvPr>
+        </p:nvSpPr>
+        <p:spPr/>
+        <p:txBody>
+          <a:bodyPr/>
+          <a:lstStyle/>
+          <a:p>
+            <a:r>
+              <a:rPr lang="is-IS" dirty="0" smtClean="0"/>
               <a:t>Áhrifavaldar</a:t>
             </a:r>
             <a:endParaRPr lang="is-IS" dirty="0"/>
@@ -7935,7 +9414,7 @@
 </p:sld>
 </file>
 
-<file path=ppt/slides/slide11.xml><?xml version="1.0" encoding="utf-8"?>
+<file path=ppt/slides/slide9.xml><?xml version="1.0" encoding="utf-8"?>
 <p:sld xmlns:a="http://schemas.openxmlformats.org/drawingml/2006/main" xmlns:r="http://schemas.openxmlformats.org/officeDocument/2006/relationships" xmlns:p="http://schemas.openxmlformats.org/presentationml/2006/main">
   <p:cSld>
     <p:spTree>
@@ -8490,1931 +9969,6 @@
 </p:sld>
 </file>
 
-<file path=ppt/slides/slide12.xml><?xml version="1.0" encoding="utf-8"?>
-<p:sld xmlns:a="http://schemas.openxmlformats.org/drawingml/2006/main" xmlns:r="http://schemas.openxmlformats.org/officeDocument/2006/relationships" xmlns:p="http://schemas.openxmlformats.org/presentationml/2006/main">
-  <p:cSld>
-    <p:spTree>
-      <p:nvGrpSpPr>
-        <p:cNvPr id="1" name=""/>
-        <p:cNvGrpSpPr/>
-        <p:nvPr/>
-      </p:nvGrpSpPr>
-      <p:grpSpPr>
-        <a:xfrm>
-          <a:off x="0" y="0"/>
-          <a:ext cx="0" cy="0"/>
-          <a:chOff x="0" y="0"/>
-          <a:chExt cx="0" cy="0"/>
-        </a:xfrm>
-      </p:grpSpPr>
-      <p:sp>
-        <p:nvSpPr>
-          <p:cNvPr id="2" name="Title 1"/>
-          <p:cNvSpPr>
-            <a:spLocks noGrp="1"/>
-          </p:cNvSpPr>
-          <p:nvPr>
-            <p:ph type="title"/>
-          </p:nvPr>
-        </p:nvSpPr>
-        <p:spPr/>
-        <p:txBody>
-          <a:bodyPr/>
-          <a:lstStyle/>
-          <a:p>
-            <a:r>
-              <a:rPr lang="is-IS" dirty="0" smtClean="0"/>
-              <a:t>Stórasta Land í heimi.</a:t>
-            </a:r>
-            <a:endParaRPr lang="is-IS" dirty="0"/>
-          </a:p>
-        </p:txBody>
-      </p:sp>
-      <p:sp>
-        <p:nvSpPr>
-          <p:cNvPr id="3" name="Content Placeholder 2"/>
-          <p:cNvSpPr>
-            <a:spLocks noGrp="1"/>
-          </p:cNvSpPr>
-          <p:nvPr>
-            <p:ph idx="1"/>
-          </p:nvPr>
-        </p:nvSpPr>
-        <p:spPr>
-          <a:xfrm>
-            <a:off x="1724916" y="1944337"/>
-            <a:ext cx="8915400" cy="3777622"/>
-          </a:xfrm>
-        </p:spPr>
-        <p:txBody>
-          <a:bodyPr>
-            <a:normAutofit fontScale="70000" lnSpcReduction="20000"/>
-          </a:bodyPr>
-          <a:lstStyle/>
-          <a:p>
-            <a:pPr marL="0" indent="0" algn="ctr">
-              <a:buNone/>
-            </a:pPr>
-            <a:r>
-              <a:rPr lang="en-US" dirty="0"/>
-              <a:t>---------------------2007----------------------</a:t>
-            </a:r>
-          </a:p>
-          <a:p>
-            <a:pPr marL="0" indent="0" algn="ctr">
-              <a:buNone/>
-            </a:pPr>
-            <a:r>
-              <a:rPr lang="en-US" dirty="0"/>
-              <a:t>Country: Rating:</a:t>
-            </a:r>
-          </a:p>
-          <a:p>
-            <a:pPr marL="0" indent="0" algn="ctr">
-              <a:buNone/>
-            </a:pPr>
-            <a:r>
-              <a:rPr lang="en-US" dirty="0"/>
-              <a:t>-------------------------------------------------</a:t>
-            </a:r>
-          </a:p>
-          <a:p>
-            <a:pPr algn="ctr">
-              <a:buFont typeface="+mj-lt"/>
-              <a:buAutoNum type="arabicPeriod"/>
-            </a:pPr>
-            <a:r>
-              <a:rPr lang="en-US" dirty="0"/>
-              <a:t>Iceland 0.4254</a:t>
-            </a:r>
-          </a:p>
-          <a:p>
-            <a:pPr algn="ctr">
-              <a:buFont typeface="+mj-lt"/>
-              <a:buAutoNum type="arabicPeriod"/>
-            </a:pPr>
-            <a:r>
-              <a:rPr lang="en-US" dirty="0"/>
-              <a:t>Denmark 0.3651</a:t>
-            </a:r>
-          </a:p>
-          <a:p>
-            <a:pPr algn="ctr">
-              <a:buFont typeface="+mj-lt"/>
-              <a:buAutoNum type="arabicPeriod"/>
-            </a:pPr>
-            <a:r>
-              <a:rPr lang="en-US" dirty="0"/>
-              <a:t>United States 0.3447</a:t>
-            </a:r>
-          </a:p>
-          <a:p>
-            <a:pPr algn="ctr">
-              <a:buFont typeface="+mj-lt"/>
-              <a:buAutoNum type="arabicPeriod"/>
-            </a:pPr>
-            <a:r>
-              <a:rPr lang="en-US" dirty="0"/>
-              <a:t>Norway 0.3435</a:t>
-            </a:r>
-          </a:p>
-          <a:p>
-            <a:pPr algn="ctr">
-              <a:buFont typeface="+mj-lt"/>
-              <a:buAutoNum type="arabicPeriod"/>
-            </a:pPr>
-            <a:r>
-              <a:rPr lang="en-US" dirty="0"/>
-              <a:t>United Kingdom 0.3295</a:t>
-            </a:r>
-          </a:p>
-          <a:p>
-            <a:pPr algn="ctr">
-              <a:buFont typeface="+mj-lt"/>
-              <a:buAutoNum type="arabicPeriod"/>
-            </a:pPr>
-            <a:r>
-              <a:rPr lang="en-US" dirty="0"/>
-              <a:t>New Zealand 0.3273</a:t>
-            </a:r>
-          </a:p>
-          <a:p>
-            <a:pPr algn="ctr">
-              <a:buFont typeface="+mj-lt"/>
-              <a:buAutoNum type="arabicPeriod"/>
-            </a:pPr>
-            <a:r>
-              <a:rPr lang="en-US" dirty="0"/>
-              <a:t>North America 0.3229</a:t>
-            </a:r>
-          </a:p>
-          <a:p>
-            <a:pPr algn="ctr">
-              <a:buFont typeface="+mj-lt"/>
-              <a:buAutoNum type="arabicPeriod"/>
-            </a:pPr>
-            <a:r>
-              <a:rPr lang="en-US" dirty="0"/>
-              <a:t>Germany 0.3209</a:t>
-            </a:r>
-          </a:p>
-          <a:p>
-            <a:pPr algn="ctr">
-              <a:buFont typeface="+mj-lt"/>
-              <a:buAutoNum type="arabicPeriod"/>
-            </a:pPr>
-            <a:r>
-              <a:rPr lang="en-US" dirty="0"/>
-              <a:t>Finland 0.3189</a:t>
-            </a:r>
-          </a:p>
-          <a:p>
-            <a:pPr algn="ctr">
-              <a:buFont typeface="+mj-lt"/>
-              <a:buAutoNum type="arabicPeriod"/>
-            </a:pPr>
-            <a:r>
-              <a:rPr lang="en-US" dirty="0"/>
-              <a:t>Sweden 0.3107</a:t>
-            </a:r>
-            <a:endParaRPr lang="is-IS" dirty="0"/>
-          </a:p>
-        </p:txBody>
-      </p:sp>
-      <p:pic>
-        <p:nvPicPr>
-          <p:cNvPr id="4" name="Picture 3"/>
-          <p:cNvPicPr>
-            <a:picLocks noChangeAspect="1"/>
-          </p:cNvPicPr>
-          <p:nvPr/>
-        </p:nvPicPr>
-        <p:blipFill>
-          <a:blip r:embed="rId2" cstate="print">
-            <a:extLst>
-              <a:ext uri="{28A0092B-C50C-407E-A947-70E740481C1C}">
-                <a14:useLocalDpi xmlns:a14="http://schemas.microsoft.com/office/drawing/2010/main" val="0"/>
-              </a:ext>
-            </a:extLst>
-          </a:blip>
-          <a:stretch>
-            <a:fillRect/>
-          </a:stretch>
-        </p:blipFill>
-        <p:spPr>
-          <a:xfrm>
-            <a:off x="8001000" y="663447"/>
-            <a:ext cx="1790700" cy="1241553"/>
-          </a:xfrm>
-          <a:prstGeom prst="rect">
-            <a:avLst/>
-          </a:prstGeom>
-        </p:spPr>
-      </p:pic>
-    </p:spTree>
-    <p:extLst>
-      <p:ext uri="{BB962C8B-B14F-4D97-AF65-F5344CB8AC3E}">
-        <p14:creationId xmlns:p14="http://schemas.microsoft.com/office/powerpoint/2010/main" val="2430113801"/>
-      </p:ext>
-    </p:extLst>
-  </p:cSld>
-  <p:clrMapOvr>
-    <a:masterClrMapping/>
-  </p:clrMapOvr>
-  <mc:AlternateContent xmlns:mc="http://schemas.openxmlformats.org/markup-compatibility/2006" xmlns:p15="http://schemas.microsoft.com/office/powerpoint/2012/main">
-    <mc:Choice Requires="p15">
-      <p:transition xmlns:p14="http://schemas.microsoft.com/office/powerpoint/2010/main" spd="slow" p14:dur="1250">
-        <p15:prstTrans prst="airplane"/>
-      </p:transition>
-    </mc:Choice>
-    <mc:Fallback xmlns="">
-      <p:transition spd="slow">
-        <p:fade/>
-      </p:transition>
-    </mc:Fallback>
-  </mc:AlternateContent>
-  <p:timing>
-    <p:tnLst>
-      <p:par>
-        <p:cTn id="1" dur="indefinite" restart="never" nodeType="tmRoot"/>
-      </p:par>
-    </p:tnLst>
-  </p:timing>
-</p:sld>
-</file>
-
-<file path=ppt/slides/slide13.xml><?xml version="1.0" encoding="utf-8"?>
-<p:sld xmlns:a="http://schemas.openxmlformats.org/drawingml/2006/main" xmlns:r="http://schemas.openxmlformats.org/officeDocument/2006/relationships" xmlns:p="http://schemas.openxmlformats.org/presentationml/2006/main">
-  <p:cSld>
-    <p:spTree>
-      <p:nvGrpSpPr>
-        <p:cNvPr id="1" name=""/>
-        <p:cNvGrpSpPr/>
-        <p:nvPr/>
-      </p:nvGrpSpPr>
-      <p:grpSpPr>
-        <a:xfrm>
-          <a:off x="0" y="0"/>
-          <a:ext cx="0" cy="0"/>
-          <a:chOff x="0" y="0"/>
-          <a:chExt cx="0" cy="0"/>
-        </a:xfrm>
-      </p:grpSpPr>
-      <p:sp>
-        <p:nvSpPr>
-          <p:cNvPr id="4" name="Title 3"/>
-          <p:cNvSpPr>
-            <a:spLocks noGrp="1"/>
-          </p:cNvSpPr>
-          <p:nvPr>
-            <p:ph type="title"/>
-          </p:nvPr>
-        </p:nvSpPr>
-        <p:spPr/>
-        <p:txBody>
-          <a:bodyPr/>
-          <a:lstStyle/>
-          <a:p>
-            <a:pPr algn="ctr"/>
-            <a:r>
-              <a:rPr lang="is-IS" dirty="0" smtClean="0"/>
-              <a:t>Sýning á notendaviðmóti</a:t>
-            </a:r>
-            <a:endParaRPr lang="is-IS" dirty="0"/>
-          </a:p>
-        </p:txBody>
-      </p:sp>
-      <p:sp>
-        <p:nvSpPr>
-          <p:cNvPr id="5" name="Text Placeholder 4"/>
-          <p:cNvSpPr>
-            <a:spLocks noGrp="1"/>
-          </p:cNvSpPr>
-          <p:nvPr>
-            <p:ph type="body" idx="1"/>
-          </p:nvPr>
-        </p:nvSpPr>
-        <p:spPr/>
-        <p:txBody>
-          <a:bodyPr/>
-          <a:lstStyle/>
-          <a:p>
-            <a:pPr algn="ctr"/>
-            <a:endParaRPr lang="is-IS" dirty="0"/>
-          </a:p>
-        </p:txBody>
-      </p:sp>
-    </p:spTree>
-    <p:extLst>
-      <p:ext uri="{BB962C8B-B14F-4D97-AF65-F5344CB8AC3E}">
-        <p14:creationId xmlns:p14="http://schemas.microsoft.com/office/powerpoint/2010/main" val="407384379"/>
-      </p:ext>
-    </p:extLst>
-  </p:cSld>
-  <p:clrMapOvr>
-    <a:masterClrMapping/>
-  </p:clrMapOvr>
-  <mc:AlternateContent xmlns:mc="http://schemas.openxmlformats.org/markup-compatibility/2006" xmlns:p15="http://schemas.microsoft.com/office/powerpoint/2012/main">
-    <mc:Choice Requires="p15">
-      <p:transition xmlns:p14="http://schemas.microsoft.com/office/powerpoint/2010/main" spd="slow" p14:dur="2000">
-        <p15:prstTrans prst="wind"/>
-      </p:transition>
-    </mc:Choice>
-    <mc:Fallback xmlns="">
-      <p:transition spd="slow">
-        <p:fade/>
-      </p:transition>
-    </mc:Fallback>
-  </mc:AlternateContent>
-  <p:timing>
-    <p:tnLst>
-      <p:par>
-        <p:cTn id="1" dur="indefinite" restart="never" nodeType="tmRoot"/>
-      </p:par>
-    </p:tnLst>
-  </p:timing>
-</p:sld>
-</file>
-
-<file path=ppt/slides/slide2.xml><?xml version="1.0" encoding="utf-8"?>
-<p:sld xmlns:a="http://schemas.openxmlformats.org/drawingml/2006/main" xmlns:r="http://schemas.openxmlformats.org/officeDocument/2006/relationships" xmlns:p="http://schemas.openxmlformats.org/presentationml/2006/main">
-  <p:cSld>
-    <p:spTree>
-      <p:nvGrpSpPr>
-        <p:cNvPr id="1" name=""/>
-        <p:cNvGrpSpPr/>
-        <p:nvPr/>
-      </p:nvGrpSpPr>
-      <p:grpSpPr>
-        <a:xfrm>
-          <a:off x="0" y="0"/>
-          <a:ext cx="0" cy="0"/>
-          <a:chOff x="0" y="0"/>
-          <a:chExt cx="0" cy="0"/>
-        </a:xfrm>
-      </p:grpSpPr>
-      <p:pic>
-        <p:nvPicPr>
-          <p:cNvPr id="4" name="Picture 3"/>
-          <p:cNvPicPr>
-            <a:picLocks noChangeAspect="1"/>
-          </p:cNvPicPr>
-          <p:nvPr/>
-        </p:nvPicPr>
-        <p:blipFill>
-          <a:blip r:embed="rId2" cstate="print">
-            <a:extLst>
-              <a:ext uri="{28A0092B-C50C-407E-A947-70E740481C1C}">
-                <a14:useLocalDpi xmlns:a14="http://schemas.microsoft.com/office/drawing/2010/main" val="0"/>
-              </a:ext>
-            </a:extLst>
-          </a:blip>
-          <a:stretch>
-            <a:fillRect/>
-          </a:stretch>
-        </p:blipFill>
-        <p:spPr>
-          <a:xfrm>
-            <a:off x="6124075" y="2472258"/>
-            <a:ext cx="4788568" cy="3763816"/>
-          </a:xfrm>
-          <a:prstGeom prst="rect">
-            <a:avLst/>
-          </a:prstGeom>
-        </p:spPr>
-      </p:pic>
-      <p:sp>
-        <p:nvSpPr>
-          <p:cNvPr id="2" name="Title 1"/>
-          <p:cNvSpPr>
-            <a:spLocks noGrp="1"/>
-          </p:cNvSpPr>
-          <p:nvPr>
-            <p:ph type="title"/>
-          </p:nvPr>
-        </p:nvSpPr>
-        <p:spPr/>
-        <p:txBody>
-          <a:bodyPr/>
-          <a:lstStyle/>
-          <a:p>
-            <a:r>
-              <a:rPr lang="is-IS" dirty="0" smtClean="0"/>
-              <a:t>Inngangur</a:t>
-            </a:r>
-            <a:endParaRPr lang="is-IS" dirty="0"/>
-          </a:p>
-        </p:txBody>
-      </p:sp>
-      <p:sp>
-        <p:nvSpPr>
-          <p:cNvPr id="3" name="Content Placeholder 2"/>
-          <p:cNvSpPr>
-            <a:spLocks noGrp="1"/>
-          </p:cNvSpPr>
-          <p:nvPr>
-            <p:ph idx="1"/>
-          </p:nvPr>
-        </p:nvSpPr>
-        <p:spPr/>
-        <p:txBody>
-          <a:bodyPr>
-            <a:normAutofit/>
-          </a:bodyPr>
-          <a:lstStyle/>
-          <a:p>
-            <a:pPr marL="0" indent="0">
-              <a:buNone/>
-            </a:pPr>
-            <a:r>
-              <a:rPr lang="is-IS" dirty="0" smtClean="0"/>
-              <a:t>Í þessu verkefni vildum við kanna hvar væri best að búa</a:t>
-            </a:r>
-            <a:r>
-              <a:rPr lang="is-IS" dirty="0" smtClean="0"/>
-              <a:t>.</a:t>
-            </a:r>
-          </a:p>
-          <a:p>
-            <a:pPr marL="0" indent="0">
-              <a:buNone/>
-            </a:pPr>
-            <a:r>
-              <a:rPr lang="is-IS" dirty="0" smtClean="0"/>
-              <a:t>World Bank</a:t>
-            </a:r>
-            <a:r>
-              <a:rPr lang="is-IS" dirty="0" smtClean="0"/>
-              <a:t> gagnasafn.</a:t>
-            </a:r>
-            <a:endParaRPr lang="is-IS" dirty="0" smtClean="0"/>
-          </a:p>
-          <a:p>
-            <a:pPr marL="0" indent="0">
-              <a:buNone/>
-            </a:pPr>
-            <a:r>
-              <a:rPr lang="is-IS" dirty="0" smtClean="0"/>
-              <a:t>Áhugaverð gögn í gagnasafni. </a:t>
-            </a:r>
-            <a:endParaRPr lang="is-IS" dirty="0"/>
-          </a:p>
-          <a:p>
-            <a:pPr marL="0" indent="0">
-              <a:buNone/>
-            </a:pPr>
-            <a:endParaRPr lang="is-IS" dirty="0" smtClean="0"/>
-          </a:p>
-          <a:p>
-            <a:pPr marL="0" indent="0">
-              <a:buNone/>
-            </a:pPr>
-            <a:endParaRPr lang="is-IS" dirty="0"/>
-          </a:p>
-          <a:p>
-            <a:pPr marL="0" indent="0">
-              <a:buNone/>
-            </a:pPr>
-            <a:endParaRPr lang="is-IS" dirty="0"/>
-          </a:p>
-          <a:p>
-            <a:pPr marL="0" indent="0" algn="ctr">
-              <a:buNone/>
-            </a:pPr>
-            <a:endParaRPr lang="is-IS" dirty="0">
-              <a:solidFill>
-                <a:srgbClr val="FF0000"/>
-              </a:solidFill>
-            </a:endParaRPr>
-          </a:p>
-        </p:txBody>
-      </p:sp>
-    </p:spTree>
-    <p:extLst>
-      <p:ext uri="{BB962C8B-B14F-4D97-AF65-F5344CB8AC3E}">
-        <p14:creationId xmlns:p14="http://schemas.microsoft.com/office/powerpoint/2010/main" val="3685947117"/>
-      </p:ext>
-    </p:extLst>
-  </p:cSld>
-  <p:clrMapOvr>
-    <a:masterClrMapping/>
-  </p:clrMapOvr>
-  <mc:AlternateContent xmlns:mc="http://schemas.openxmlformats.org/markup-compatibility/2006" xmlns:p14="http://schemas.microsoft.com/office/powerpoint/2010/main">
-    <mc:Choice Requires="p14">
-      <p:transition spd="med" p14:dur="700">
-        <p:fade/>
-      </p:transition>
-    </mc:Choice>
-    <mc:Fallback xmlns="">
-      <p:transition spd="med">
-        <p:fade/>
-      </p:transition>
-    </mc:Fallback>
-  </mc:AlternateContent>
-  <p:timing>
-    <p:tnLst>
-      <p:par>
-        <p:cTn id="1" dur="indefinite" restart="never" nodeType="tmRoot"/>
-      </p:par>
-    </p:tnLst>
-  </p:timing>
-</p:sld>
-</file>
-
-<file path=ppt/slides/slide3.xml><?xml version="1.0" encoding="utf-8"?>
-<p:sld xmlns:a="http://schemas.openxmlformats.org/drawingml/2006/main" xmlns:r="http://schemas.openxmlformats.org/officeDocument/2006/relationships" xmlns:p="http://schemas.openxmlformats.org/presentationml/2006/main">
-  <p:cSld>
-    <p:spTree>
-      <p:nvGrpSpPr>
-        <p:cNvPr id="1" name=""/>
-        <p:cNvGrpSpPr/>
-        <p:nvPr/>
-      </p:nvGrpSpPr>
-      <p:grpSpPr>
-        <a:xfrm>
-          <a:off x="0" y="0"/>
-          <a:ext cx="0" cy="0"/>
-          <a:chOff x="0" y="0"/>
-          <a:chExt cx="0" cy="0"/>
-        </a:xfrm>
-      </p:grpSpPr>
-      <p:sp>
-        <p:nvSpPr>
-          <p:cNvPr id="2" name="Title 1"/>
-          <p:cNvSpPr>
-            <a:spLocks noGrp="1"/>
-          </p:cNvSpPr>
-          <p:nvPr>
-            <p:ph type="title"/>
-          </p:nvPr>
-        </p:nvSpPr>
-        <p:spPr/>
-        <p:txBody>
-          <a:bodyPr/>
-          <a:lstStyle/>
-          <a:p>
-            <a:r>
-              <a:rPr lang="is-IS" dirty="0" smtClean="0"/>
-              <a:t>Leiðin í SQL</a:t>
-            </a:r>
-            <a:endParaRPr lang="is-IS" dirty="0"/>
-          </a:p>
-        </p:txBody>
-      </p:sp>
-      <p:pic>
-        <p:nvPicPr>
-          <p:cNvPr id="6" name="Picture 5"/>
-          <p:cNvPicPr>
-            <a:picLocks noChangeAspect="1"/>
-          </p:cNvPicPr>
-          <p:nvPr/>
-        </p:nvPicPr>
-        <p:blipFill>
-          <a:blip r:embed="rId2" cstate="print">
-            <a:extLst>
-              <a:ext uri="{28A0092B-C50C-407E-A947-70E740481C1C}">
-                <a14:useLocalDpi xmlns:a14="http://schemas.microsoft.com/office/drawing/2010/main" val="0"/>
-              </a:ext>
-            </a:extLst>
-          </a:blip>
-          <a:stretch>
-            <a:fillRect/>
-          </a:stretch>
-        </p:blipFill>
-        <p:spPr>
-          <a:xfrm>
-            <a:off x="569251" y="2349499"/>
-            <a:ext cx="3586554" cy="2609021"/>
-          </a:xfrm>
-          <a:prstGeom prst="rect">
-            <a:avLst/>
-          </a:prstGeom>
-        </p:spPr>
-      </p:pic>
-      <p:pic>
-        <p:nvPicPr>
-          <p:cNvPr id="7" name="Picture 6"/>
-          <p:cNvPicPr>
-            <a:picLocks noChangeAspect="1"/>
-          </p:cNvPicPr>
-          <p:nvPr/>
-        </p:nvPicPr>
-        <p:blipFill>
-          <a:blip r:embed="rId3" cstate="print">
-            <a:extLst>
-              <a:ext uri="{28A0092B-C50C-407E-A947-70E740481C1C}">
-                <a14:useLocalDpi xmlns:a14="http://schemas.microsoft.com/office/drawing/2010/main" val="0"/>
-              </a:ext>
-            </a:extLst>
-          </a:blip>
-          <a:stretch>
-            <a:fillRect/>
-          </a:stretch>
-        </p:blipFill>
-        <p:spPr>
-          <a:xfrm>
-            <a:off x="4306343" y="2349499"/>
-            <a:ext cx="2905733" cy="2609021"/>
-          </a:xfrm>
-          <a:prstGeom prst="rect">
-            <a:avLst/>
-          </a:prstGeom>
-        </p:spPr>
-      </p:pic>
-      <p:sp>
-        <p:nvSpPr>
-          <p:cNvPr id="8" name="TextBox 7"/>
-          <p:cNvSpPr txBox="1"/>
-          <p:nvPr/>
-        </p:nvSpPr>
-        <p:spPr>
-          <a:xfrm>
-            <a:off x="1616068" y="1757917"/>
-            <a:ext cx="2755900" cy="369332"/>
-          </a:xfrm>
-          <a:prstGeom prst="rect">
-            <a:avLst/>
-          </a:prstGeom>
-          <a:noFill/>
-        </p:spPr>
-        <p:txBody>
-          <a:bodyPr wrap="square" rtlCol="0">
-            <a:spAutoFit/>
-          </a:bodyPr>
-          <a:lstStyle/>
-          <a:p>
-            <a:r>
-              <a:rPr lang="is-IS" dirty="0" smtClean="0"/>
-              <a:t>Gögn</a:t>
-            </a:r>
-            <a:endParaRPr lang="is-IS" dirty="0"/>
-          </a:p>
-        </p:txBody>
-      </p:sp>
-      <p:sp>
-        <p:nvSpPr>
-          <p:cNvPr id="12" name="TextBox 11"/>
-          <p:cNvSpPr txBox="1"/>
-          <p:nvPr/>
-        </p:nvSpPr>
-        <p:spPr>
-          <a:xfrm>
-            <a:off x="5040376" y="1757917"/>
-            <a:ext cx="1068324" cy="369332"/>
-          </a:xfrm>
-          <a:prstGeom prst="rect">
-            <a:avLst/>
-          </a:prstGeom>
-          <a:noFill/>
-        </p:spPr>
-        <p:txBody>
-          <a:bodyPr wrap="square" rtlCol="0">
-            <a:spAutoFit/>
-          </a:bodyPr>
-          <a:lstStyle/>
-          <a:p>
-            <a:r>
-              <a:rPr lang="is-IS" dirty="0" smtClean="0"/>
-              <a:t>Python</a:t>
-            </a:r>
-            <a:endParaRPr lang="is-IS" dirty="0"/>
-          </a:p>
-        </p:txBody>
-      </p:sp>
-      <p:sp>
-        <p:nvSpPr>
-          <p:cNvPr id="13" name="TextBox 12"/>
-          <p:cNvSpPr txBox="1"/>
-          <p:nvPr/>
-        </p:nvSpPr>
-        <p:spPr>
-          <a:xfrm>
-            <a:off x="9176040" y="1757917"/>
-            <a:ext cx="609600" cy="369332"/>
-          </a:xfrm>
-          <a:prstGeom prst="rect">
-            <a:avLst/>
-          </a:prstGeom>
-          <a:noFill/>
-        </p:spPr>
-        <p:txBody>
-          <a:bodyPr wrap="square" rtlCol="0">
-            <a:spAutoFit/>
-          </a:bodyPr>
-          <a:lstStyle/>
-          <a:p>
-            <a:r>
-              <a:rPr lang="is-IS" dirty="0" smtClean="0"/>
-              <a:t>SQL</a:t>
-            </a:r>
-            <a:endParaRPr lang="is-IS" dirty="0"/>
-          </a:p>
-        </p:txBody>
-      </p:sp>
-      <p:pic>
-        <p:nvPicPr>
-          <p:cNvPr id="10" name="Content Placeholder 9"/>
-          <p:cNvPicPr>
-            <a:picLocks noGrp="1" noChangeAspect="1"/>
-          </p:cNvPicPr>
-          <p:nvPr>
-            <p:ph idx="1"/>
-          </p:nvPr>
-        </p:nvPicPr>
-        <p:blipFill>
-          <a:blip r:embed="rId4">
-            <a:extLst>
-              <a:ext uri="{28A0092B-C50C-407E-A947-70E740481C1C}">
-                <a14:useLocalDpi xmlns:a14="http://schemas.microsoft.com/office/drawing/2010/main" val="0"/>
-              </a:ext>
-            </a:extLst>
-          </a:blip>
-          <a:stretch>
-            <a:fillRect/>
-          </a:stretch>
-        </p:blipFill>
-        <p:spPr>
-          <a:xfrm>
-            <a:off x="7362614" y="2355817"/>
-            <a:ext cx="4061513" cy="2602703"/>
-          </a:xfrm>
-        </p:spPr>
-      </p:pic>
-    </p:spTree>
-    <p:extLst>
-      <p:ext uri="{BB962C8B-B14F-4D97-AF65-F5344CB8AC3E}">
-        <p14:creationId xmlns:p14="http://schemas.microsoft.com/office/powerpoint/2010/main" val="418967576"/>
-      </p:ext>
-    </p:extLst>
-  </p:cSld>
-  <p:clrMapOvr>
-    <a:masterClrMapping/>
-  </p:clrMapOvr>
-  <p:transition spd="slow">
-    <p:push dir="u"/>
-  </p:transition>
-  <p:timing>
-    <p:tnLst>
-      <p:par>
-        <p:cTn id="1" dur="indefinite" restart="never" nodeType="tmRoot">
-          <p:childTnLst>
-            <p:seq concurrent="1" nextAc="seek">
-              <p:cTn id="2" dur="indefinite" nodeType="mainSeq">
-                <p:childTnLst>
-                  <p:par>
-                    <p:cTn id="3" fill="hold">
-                      <p:stCondLst>
-                        <p:cond delay="indefinite"/>
-                      </p:stCondLst>
-                      <p:childTnLst>
-                        <p:par>
-                          <p:cTn id="4" fill="hold">
-                            <p:stCondLst>
-                              <p:cond delay="0"/>
-                            </p:stCondLst>
-                            <p:childTnLst>
-                              <p:par>
-                                <p:cTn id="5" presetID="10" presetClass="entr" presetSubtype="0" fill="hold" nodeType="clickEffect">
-                                  <p:stCondLst>
-                                    <p:cond delay="0"/>
-                                  </p:stCondLst>
-                                  <p:childTnLst>
-                                    <p:set>
-                                      <p:cBhvr>
-                                        <p:cTn id="6" dur="1" fill="hold">
-                                          <p:stCondLst>
-                                            <p:cond delay="0"/>
-                                          </p:stCondLst>
-                                        </p:cTn>
-                                        <p:tgtEl>
-                                          <p:spTgt spid="6"/>
-                                        </p:tgtEl>
-                                        <p:attrNameLst>
-                                          <p:attrName>style.visibility</p:attrName>
-                                        </p:attrNameLst>
-                                      </p:cBhvr>
-                                      <p:to>
-                                        <p:strVal val="visible"/>
-                                      </p:to>
-                                    </p:set>
-                                    <p:animEffect transition="in" filter="fade">
-                                      <p:cBhvr>
-                                        <p:cTn id="7" dur="500"/>
-                                        <p:tgtEl>
-                                          <p:spTgt spid="6"/>
-                                        </p:tgtEl>
-                                      </p:cBhvr>
-                                    </p:animEffect>
-                                  </p:childTnLst>
-                                </p:cTn>
-                              </p:par>
-                              <p:par>
-                                <p:cTn id="8" presetID="10" presetClass="entr" presetSubtype="0" fill="hold" grpId="0" nodeType="withEffect">
-                                  <p:stCondLst>
-                                    <p:cond delay="0"/>
-                                  </p:stCondLst>
-                                  <p:childTnLst>
-                                    <p:set>
-                                      <p:cBhvr>
-                                        <p:cTn id="9" dur="1" fill="hold">
-                                          <p:stCondLst>
-                                            <p:cond delay="0"/>
-                                          </p:stCondLst>
-                                        </p:cTn>
-                                        <p:tgtEl>
-                                          <p:spTgt spid="8"/>
-                                        </p:tgtEl>
-                                        <p:attrNameLst>
-                                          <p:attrName>style.visibility</p:attrName>
-                                        </p:attrNameLst>
-                                      </p:cBhvr>
-                                      <p:to>
-                                        <p:strVal val="visible"/>
-                                      </p:to>
-                                    </p:set>
-                                    <p:animEffect transition="in" filter="fade">
-                                      <p:cBhvr>
-                                        <p:cTn id="10" dur="500"/>
-                                        <p:tgtEl>
-                                          <p:spTgt spid="8"/>
-                                        </p:tgtEl>
-                                      </p:cBhvr>
-                                    </p:animEffect>
-                                  </p:childTnLst>
-                                </p:cTn>
-                              </p:par>
-                            </p:childTnLst>
-                          </p:cTn>
-                        </p:par>
-                      </p:childTnLst>
-                    </p:cTn>
-                  </p:par>
-                  <p:par>
-                    <p:cTn id="11" fill="hold">
-                      <p:stCondLst>
-                        <p:cond delay="indefinite"/>
-                      </p:stCondLst>
-                      <p:childTnLst>
-                        <p:par>
-                          <p:cTn id="12" fill="hold">
-                            <p:stCondLst>
-                              <p:cond delay="0"/>
-                            </p:stCondLst>
-                            <p:childTnLst>
-                              <p:par>
-                                <p:cTn id="13" presetID="10" presetClass="entr" presetSubtype="0" fill="hold" grpId="0" nodeType="clickEffect">
-                                  <p:stCondLst>
-                                    <p:cond delay="0"/>
-                                  </p:stCondLst>
-                                  <p:childTnLst>
-                                    <p:set>
-                                      <p:cBhvr>
-                                        <p:cTn id="14" dur="1" fill="hold">
-                                          <p:stCondLst>
-                                            <p:cond delay="0"/>
-                                          </p:stCondLst>
-                                        </p:cTn>
-                                        <p:tgtEl>
-                                          <p:spTgt spid="12"/>
-                                        </p:tgtEl>
-                                        <p:attrNameLst>
-                                          <p:attrName>style.visibility</p:attrName>
-                                        </p:attrNameLst>
-                                      </p:cBhvr>
-                                      <p:to>
-                                        <p:strVal val="visible"/>
-                                      </p:to>
-                                    </p:set>
-                                    <p:animEffect transition="in" filter="fade">
-                                      <p:cBhvr>
-                                        <p:cTn id="15" dur="500"/>
-                                        <p:tgtEl>
-                                          <p:spTgt spid="12"/>
-                                        </p:tgtEl>
-                                      </p:cBhvr>
-                                    </p:animEffect>
-                                  </p:childTnLst>
-                                </p:cTn>
-                              </p:par>
-                              <p:par>
-                                <p:cTn id="16" presetID="10" presetClass="entr" presetSubtype="0" fill="hold" nodeType="withEffect">
-                                  <p:stCondLst>
-                                    <p:cond delay="0"/>
-                                  </p:stCondLst>
-                                  <p:childTnLst>
-                                    <p:set>
-                                      <p:cBhvr>
-                                        <p:cTn id="17" dur="1" fill="hold">
-                                          <p:stCondLst>
-                                            <p:cond delay="0"/>
-                                          </p:stCondLst>
-                                        </p:cTn>
-                                        <p:tgtEl>
-                                          <p:spTgt spid="7"/>
-                                        </p:tgtEl>
-                                        <p:attrNameLst>
-                                          <p:attrName>style.visibility</p:attrName>
-                                        </p:attrNameLst>
-                                      </p:cBhvr>
-                                      <p:to>
-                                        <p:strVal val="visible"/>
-                                      </p:to>
-                                    </p:set>
-                                    <p:animEffect transition="in" filter="fade">
-                                      <p:cBhvr>
-                                        <p:cTn id="18" dur="500"/>
-                                        <p:tgtEl>
-                                          <p:spTgt spid="7"/>
-                                        </p:tgtEl>
-                                      </p:cBhvr>
-                                    </p:animEffect>
-                                  </p:childTnLst>
-                                </p:cTn>
-                              </p:par>
-                            </p:childTnLst>
-                          </p:cTn>
-                        </p:par>
-                      </p:childTnLst>
-                    </p:cTn>
-                  </p:par>
-                  <p:par>
-                    <p:cTn id="19" fill="hold">
-                      <p:stCondLst>
-                        <p:cond delay="indefinite"/>
-                      </p:stCondLst>
-                      <p:childTnLst>
-                        <p:par>
-                          <p:cTn id="20" fill="hold">
-                            <p:stCondLst>
-                              <p:cond delay="0"/>
-                            </p:stCondLst>
-                            <p:childTnLst>
-                              <p:par>
-                                <p:cTn id="21" presetID="10" presetClass="entr" presetSubtype="0" fill="hold" grpId="0" nodeType="clickEffect">
-                                  <p:stCondLst>
-                                    <p:cond delay="0"/>
-                                  </p:stCondLst>
-                                  <p:childTnLst>
-                                    <p:set>
-                                      <p:cBhvr>
-                                        <p:cTn id="22" dur="1" fill="hold">
-                                          <p:stCondLst>
-                                            <p:cond delay="0"/>
-                                          </p:stCondLst>
-                                        </p:cTn>
-                                        <p:tgtEl>
-                                          <p:spTgt spid="13"/>
-                                        </p:tgtEl>
-                                        <p:attrNameLst>
-                                          <p:attrName>style.visibility</p:attrName>
-                                        </p:attrNameLst>
-                                      </p:cBhvr>
-                                      <p:to>
-                                        <p:strVal val="visible"/>
-                                      </p:to>
-                                    </p:set>
-                                    <p:animEffect transition="in" filter="fade">
-                                      <p:cBhvr>
-                                        <p:cTn id="23" dur="500"/>
-                                        <p:tgtEl>
-                                          <p:spTgt spid="13"/>
-                                        </p:tgtEl>
-                                      </p:cBhvr>
-                                    </p:animEffect>
-                                  </p:childTnLst>
-                                </p:cTn>
-                              </p:par>
-                              <p:par>
-                                <p:cTn id="24" presetID="10" presetClass="entr" presetSubtype="0" fill="hold" nodeType="withEffect">
-                                  <p:stCondLst>
-                                    <p:cond delay="0"/>
-                                  </p:stCondLst>
-                                  <p:childTnLst>
-                                    <p:set>
-                                      <p:cBhvr>
-                                        <p:cTn id="25" dur="1" fill="hold">
-                                          <p:stCondLst>
-                                            <p:cond delay="0"/>
-                                          </p:stCondLst>
-                                        </p:cTn>
-                                        <p:tgtEl>
-                                          <p:spTgt spid="10"/>
-                                        </p:tgtEl>
-                                        <p:attrNameLst>
-                                          <p:attrName>style.visibility</p:attrName>
-                                        </p:attrNameLst>
-                                      </p:cBhvr>
-                                      <p:to>
-                                        <p:strVal val="visible"/>
-                                      </p:to>
-                                    </p:set>
-                                    <p:animEffect transition="in" filter="fade">
-                                      <p:cBhvr>
-                                        <p:cTn id="26" dur="500"/>
-                                        <p:tgtEl>
-                                          <p:spTgt spid="10"/>
-                                        </p:tgtEl>
-                                      </p:cBhvr>
-                                    </p:animEffect>
-                                  </p:childTnLst>
-                                </p:cTn>
-                              </p:par>
-                            </p:childTnLst>
-                          </p:cTn>
-                        </p:par>
-                      </p:childTnLst>
-                    </p:cTn>
-                  </p:par>
-                </p:childTnLst>
-              </p:cTn>
-              <p:prevCondLst>
-                <p:cond evt="onPrev" delay="0">
-                  <p:tgtEl>
-                    <p:sldTgt/>
-                  </p:tgtEl>
-                </p:cond>
-              </p:prevCondLst>
-              <p:nextCondLst>
-                <p:cond evt="onNext" delay="0">
-                  <p:tgtEl>
-                    <p:sldTgt/>
-                  </p:tgtEl>
-                </p:cond>
-              </p:nextCondLst>
-            </p:seq>
-          </p:childTnLst>
-        </p:cTn>
-      </p:par>
-    </p:tnLst>
-    <p:bldLst>
-      <p:bldP spid="8" grpId="0"/>
-      <p:bldP spid="12" grpId="0"/>
-      <p:bldP spid="13" grpId="0"/>
-    </p:bldLst>
-  </p:timing>
-</p:sld>
-</file>
-
-<file path=ppt/slides/slide4.xml><?xml version="1.0" encoding="utf-8"?>
-<p:sld xmlns:a="http://schemas.openxmlformats.org/drawingml/2006/main" xmlns:r="http://schemas.openxmlformats.org/officeDocument/2006/relationships" xmlns:p="http://schemas.openxmlformats.org/presentationml/2006/main">
-  <p:cSld>
-    <p:spTree>
-      <p:nvGrpSpPr>
-        <p:cNvPr id="1" name=""/>
-        <p:cNvGrpSpPr/>
-        <p:nvPr/>
-      </p:nvGrpSpPr>
-      <p:grpSpPr>
-        <a:xfrm>
-          <a:off x="0" y="0"/>
-          <a:ext cx="0" cy="0"/>
-          <a:chOff x="0" y="0"/>
-          <a:chExt cx="0" cy="0"/>
-        </a:xfrm>
-      </p:grpSpPr>
-      <p:sp>
-        <p:nvSpPr>
-          <p:cNvPr id="2" name="Title 1"/>
-          <p:cNvSpPr>
-            <a:spLocks noGrp="1"/>
-          </p:cNvSpPr>
-          <p:nvPr>
-            <p:ph type="title"/>
-          </p:nvPr>
-        </p:nvSpPr>
-        <p:spPr/>
-        <p:txBody>
-          <a:bodyPr/>
-          <a:lstStyle/>
-          <a:p>
-            <a:r>
-              <a:rPr lang="is-IS" dirty="0" smtClean="0"/>
-              <a:t>Leiðin </a:t>
-            </a:r>
-            <a:r>
-              <a:rPr lang="is-IS" dirty="0" err="1" smtClean="0"/>
-              <a:t>úr</a:t>
-            </a:r>
-            <a:r>
-              <a:rPr lang="is-IS" dirty="0" smtClean="0"/>
-              <a:t> SQL</a:t>
-            </a:r>
-            <a:endParaRPr lang="is-IS" dirty="0"/>
-          </a:p>
-        </p:txBody>
-      </p:sp>
-      <p:pic>
-        <p:nvPicPr>
-          <p:cNvPr id="4" name="Content Placeholder 3"/>
-          <p:cNvPicPr>
-            <a:picLocks noGrp="1" noChangeAspect="1"/>
-          </p:cNvPicPr>
-          <p:nvPr>
-            <p:ph idx="1"/>
-          </p:nvPr>
-        </p:nvPicPr>
-        <p:blipFill>
-          <a:blip r:embed="rId2">
-            <a:extLst>
-              <a:ext uri="{28A0092B-C50C-407E-A947-70E740481C1C}">
-                <a14:useLocalDpi xmlns:a14="http://schemas.microsoft.com/office/drawing/2010/main" val="0"/>
-              </a:ext>
-            </a:extLst>
-          </a:blip>
-          <a:stretch>
-            <a:fillRect/>
-          </a:stretch>
-        </p:blipFill>
-        <p:spPr>
-          <a:xfrm>
-            <a:off x="957323" y="2490537"/>
-            <a:ext cx="10547290" cy="2653779"/>
-          </a:xfrm>
-        </p:spPr>
-      </p:pic>
-    </p:spTree>
-    <p:extLst>
-      <p:ext uri="{BB962C8B-B14F-4D97-AF65-F5344CB8AC3E}">
-        <p14:creationId xmlns:p14="http://schemas.microsoft.com/office/powerpoint/2010/main" val="574316553"/>
-      </p:ext>
-    </p:extLst>
-  </p:cSld>
-  <p:clrMapOvr>
-    <a:masterClrMapping/>
-  </p:clrMapOvr>
-  <mc:AlternateContent xmlns:mc="http://schemas.openxmlformats.org/markup-compatibility/2006" xmlns:p14="http://schemas.microsoft.com/office/powerpoint/2010/main">
-    <mc:Choice Requires="p14">
-      <p:transition spd="slow" p14:dur="3400">
-        <p14:reveal/>
-      </p:transition>
-    </mc:Choice>
-    <mc:Fallback xmlns="">
-      <p:transition spd="slow">
-        <p:fade/>
-      </p:transition>
-    </mc:Fallback>
-  </mc:AlternateContent>
-  <p:timing>
-    <p:tnLst>
-      <p:par>
-        <p:cTn id="1" dur="indefinite" restart="never" nodeType="tmRoot"/>
-      </p:par>
-    </p:tnLst>
-  </p:timing>
-</p:sld>
-</file>
-
-<file path=ppt/slides/slide5.xml><?xml version="1.0" encoding="utf-8"?>
-<p:sld xmlns:a="http://schemas.openxmlformats.org/drawingml/2006/main" xmlns:r="http://schemas.openxmlformats.org/officeDocument/2006/relationships" xmlns:p="http://schemas.openxmlformats.org/presentationml/2006/main">
-  <p:cSld>
-    <p:spTree>
-      <p:nvGrpSpPr>
-        <p:cNvPr id="1" name=""/>
-        <p:cNvGrpSpPr/>
-        <p:nvPr/>
-      </p:nvGrpSpPr>
-      <p:grpSpPr>
-        <a:xfrm>
-          <a:off x="0" y="0"/>
-          <a:ext cx="0" cy="0"/>
-          <a:chOff x="0" y="0"/>
-          <a:chExt cx="0" cy="0"/>
-        </a:xfrm>
-      </p:grpSpPr>
-      <p:sp>
-        <p:nvSpPr>
-          <p:cNvPr id="4" name="Title 3"/>
-          <p:cNvSpPr>
-            <a:spLocks noGrp="1"/>
-          </p:cNvSpPr>
-          <p:nvPr>
-            <p:ph type="title"/>
-          </p:nvPr>
-        </p:nvSpPr>
-        <p:spPr>
-          <a:xfrm>
-            <a:off x="2589212" y="2326024"/>
-            <a:ext cx="8915399" cy="1468800"/>
-          </a:xfrm>
-        </p:spPr>
-        <p:txBody>
-          <a:bodyPr/>
-          <a:lstStyle/>
-          <a:p>
-            <a:r>
-              <a:rPr lang="is-IS" dirty="0" smtClean="0"/>
-              <a:t>SQL =&gt; Notendaviðmót</a:t>
-            </a:r>
-            <a:endParaRPr lang="is-IS" dirty="0"/>
-          </a:p>
-        </p:txBody>
-      </p:sp>
-      <p:sp>
-        <p:nvSpPr>
-          <p:cNvPr id="8" name="Text Placeholder 7"/>
-          <p:cNvSpPr>
-            <a:spLocks noGrp="1"/>
-          </p:cNvSpPr>
-          <p:nvPr>
-            <p:ph type="body" idx="1"/>
-          </p:nvPr>
-        </p:nvSpPr>
-        <p:spPr>
-          <a:xfrm>
-            <a:off x="2589212" y="5154392"/>
-            <a:ext cx="8915399" cy="860400"/>
-          </a:xfrm>
-        </p:spPr>
-        <p:txBody>
-          <a:bodyPr/>
-          <a:lstStyle/>
-          <a:p>
-            <a:endParaRPr lang="is-IS" dirty="0"/>
-          </a:p>
-        </p:txBody>
-      </p:sp>
-    </p:spTree>
-    <p:extLst>
-      <p:ext uri="{BB962C8B-B14F-4D97-AF65-F5344CB8AC3E}">
-        <p14:creationId xmlns:p14="http://schemas.microsoft.com/office/powerpoint/2010/main" val="1428249607"/>
-      </p:ext>
-    </p:extLst>
-  </p:cSld>
-  <p:clrMapOvr>
-    <a:masterClrMapping/>
-  </p:clrMapOvr>
-  <mc:AlternateContent xmlns:mc="http://schemas.openxmlformats.org/markup-compatibility/2006" xmlns:p14="http://schemas.microsoft.com/office/powerpoint/2010/main">
-    <mc:Choice Requires="p14">
-      <p:transition spd="slow" p14:dur="1500">
-        <p:split orient="vert"/>
-      </p:transition>
-    </mc:Choice>
-    <mc:Fallback xmlns="">
-      <p:transition spd="slow">
-        <p:split orient="vert"/>
-      </p:transition>
-    </mc:Fallback>
-  </mc:AlternateContent>
-  <p:timing>
-    <p:tnLst>
-      <p:par>
-        <p:cTn id="1" dur="indefinite" restart="never" nodeType="tmRoot"/>
-      </p:par>
-    </p:tnLst>
-  </p:timing>
-</p:sld>
-</file>
-
-<file path=ppt/slides/slide6.xml><?xml version="1.0" encoding="utf-8"?>
-<p:sld xmlns:a="http://schemas.openxmlformats.org/drawingml/2006/main" xmlns:r="http://schemas.openxmlformats.org/officeDocument/2006/relationships" xmlns:p="http://schemas.openxmlformats.org/presentationml/2006/main">
-  <p:cSld>
-    <p:spTree>
-      <p:nvGrpSpPr>
-        <p:cNvPr id="1" name=""/>
-        <p:cNvGrpSpPr/>
-        <p:nvPr/>
-      </p:nvGrpSpPr>
-      <p:grpSpPr>
-        <a:xfrm>
-          <a:off x="0" y="0"/>
-          <a:ext cx="0" cy="0"/>
-          <a:chOff x="0" y="0"/>
-          <a:chExt cx="0" cy="0"/>
-        </a:xfrm>
-      </p:grpSpPr>
-      <p:sp>
-        <p:nvSpPr>
-          <p:cNvPr id="2" name="Title 1"/>
-          <p:cNvSpPr>
-            <a:spLocks noGrp="1"/>
-          </p:cNvSpPr>
-          <p:nvPr>
-            <p:ph type="title"/>
-          </p:nvPr>
-        </p:nvSpPr>
-        <p:spPr/>
-        <p:txBody>
-          <a:bodyPr/>
-          <a:lstStyle/>
-          <a:p>
-            <a:endParaRPr lang="en-GB"/>
-          </a:p>
-        </p:txBody>
-      </p:sp>
-      <p:pic>
-        <p:nvPicPr>
-          <p:cNvPr id="5" name="Content Placeholder 4"/>
-          <p:cNvPicPr>
-            <a:picLocks noGrp="1" noChangeAspect="1"/>
-          </p:cNvPicPr>
-          <p:nvPr>
-            <p:ph idx="1"/>
-          </p:nvPr>
-        </p:nvPicPr>
-        <p:blipFill>
-          <a:blip r:embed="rId2">
-            <a:extLst>
-              <a:ext uri="{28A0092B-C50C-407E-A947-70E740481C1C}">
-                <a14:useLocalDpi xmlns:a14="http://schemas.microsoft.com/office/drawing/2010/main" val="0"/>
-              </a:ext>
-            </a:extLst>
-          </a:blip>
-          <a:stretch>
-            <a:fillRect/>
-          </a:stretch>
-        </p:blipFill>
-        <p:spPr>
-          <a:xfrm>
-            <a:off x="0" y="0"/>
-            <a:ext cx="12190899" cy="6857999"/>
-          </a:xfrm>
-        </p:spPr>
-      </p:pic>
-    </p:spTree>
-    <p:extLst>
-      <p:ext uri="{BB962C8B-B14F-4D97-AF65-F5344CB8AC3E}">
-        <p14:creationId xmlns:p14="http://schemas.microsoft.com/office/powerpoint/2010/main" val="3560646934"/>
-      </p:ext>
-    </p:extLst>
-  </p:cSld>
-  <p:clrMapOvr>
-    <a:masterClrMapping/>
-  </p:clrMapOvr>
-  <p:timing>
-    <p:tnLst>
-      <p:par>
-        <p:cTn id="1" dur="indefinite" restart="never" nodeType="tmRoot"/>
-      </p:par>
-    </p:tnLst>
-  </p:timing>
-</p:sld>
-</file>
-
-<file path=ppt/slides/slide7.xml><?xml version="1.0" encoding="utf-8"?>
-<p:sld xmlns:a="http://schemas.openxmlformats.org/drawingml/2006/main" xmlns:r="http://schemas.openxmlformats.org/officeDocument/2006/relationships" xmlns:p="http://schemas.openxmlformats.org/presentationml/2006/main">
-  <p:cSld>
-    <p:spTree>
-      <p:nvGrpSpPr>
-        <p:cNvPr id="1" name=""/>
-        <p:cNvGrpSpPr/>
-        <p:nvPr/>
-      </p:nvGrpSpPr>
-      <p:grpSpPr>
-        <a:xfrm>
-          <a:off x="0" y="0"/>
-          <a:ext cx="0" cy="0"/>
-          <a:chOff x="0" y="0"/>
-          <a:chExt cx="0" cy="0"/>
-        </a:xfrm>
-      </p:grpSpPr>
-      <p:sp>
-        <p:nvSpPr>
-          <p:cNvPr id="2" name="Title 1"/>
-          <p:cNvSpPr>
-            <a:spLocks noGrp="1"/>
-          </p:cNvSpPr>
-          <p:nvPr>
-            <p:ph type="title"/>
-          </p:nvPr>
-        </p:nvSpPr>
-        <p:spPr/>
-        <p:txBody>
-          <a:bodyPr/>
-          <a:lstStyle/>
-          <a:p>
-            <a:r>
-              <a:rPr lang="is-IS" dirty="0" smtClean="0"/>
-              <a:t>Áhugavert</a:t>
-            </a:r>
-            <a:endParaRPr lang="is-IS" dirty="0"/>
-          </a:p>
-        </p:txBody>
-      </p:sp>
-      <p:pic>
-        <p:nvPicPr>
-          <p:cNvPr id="5" name="Content Placeholder 4"/>
-          <p:cNvPicPr>
-            <a:picLocks noGrp="1" noChangeAspect="1"/>
-          </p:cNvPicPr>
-          <p:nvPr>
-            <p:ph idx="1"/>
-          </p:nvPr>
-        </p:nvPicPr>
-        <p:blipFill>
-          <a:blip r:embed="rId2">
-            <a:extLst>
-              <a:ext uri="{28A0092B-C50C-407E-A947-70E740481C1C}">
-                <a14:useLocalDpi xmlns:a14="http://schemas.microsoft.com/office/drawing/2010/main" val="0"/>
-              </a:ext>
-            </a:extLst>
-          </a:blip>
-          <a:stretch>
-            <a:fillRect/>
-          </a:stretch>
-        </p:blipFill>
-        <p:spPr>
-          <a:xfrm>
-            <a:off x="915117" y="1905000"/>
-            <a:ext cx="10589495" cy="3566655"/>
-          </a:xfrm>
-        </p:spPr>
-      </p:pic>
-    </p:spTree>
-    <p:extLst>
-      <p:ext uri="{BB962C8B-B14F-4D97-AF65-F5344CB8AC3E}">
-        <p14:creationId xmlns:p14="http://schemas.microsoft.com/office/powerpoint/2010/main" val="821489740"/>
-      </p:ext>
-    </p:extLst>
-  </p:cSld>
-  <p:clrMapOvr>
-    <a:masterClrMapping/>
-  </p:clrMapOvr>
-  <mc:AlternateContent xmlns:mc="http://schemas.openxmlformats.org/markup-compatibility/2006" xmlns:p15="http://schemas.microsoft.com/office/powerpoint/2012/main">
-    <mc:Choice Requires="p15">
-      <p:transition xmlns:p14="http://schemas.microsoft.com/office/powerpoint/2010/main" spd="slow" p14:dur="2000">
-        <p15:prstTrans prst="fallOver"/>
-      </p:transition>
-    </mc:Choice>
-    <mc:Fallback xmlns="">
-      <p:transition spd="slow">
-        <p:fade/>
-      </p:transition>
-    </mc:Fallback>
-  </mc:AlternateContent>
-  <p:timing>
-    <p:tnLst>
-      <p:par>
-        <p:cTn id="1" dur="indefinite" restart="never" nodeType="tmRoot"/>
-      </p:par>
-    </p:tnLst>
-  </p:timing>
-</p:sld>
-</file>
-
-<file path=ppt/slides/slide8.xml><?xml version="1.0" encoding="utf-8"?>
-<p:sld xmlns:a="http://schemas.openxmlformats.org/drawingml/2006/main" xmlns:r="http://schemas.openxmlformats.org/officeDocument/2006/relationships" xmlns:p="http://schemas.openxmlformats.org/presentationml/2006/main">
-  <p:cSld>
-    <p:spTree>
-      <p:nvGrpSpPr>
-        <p:cNvPr id="1" name=""/>
-        <p:cNvGrpSpPr/>
-        <p:nvPr/>
-      </p:nvGrpSpPr>
-      <p:grpSpPr>
-        <a:xfrm>
-          <a:off x="0" y="0"/>
-          <a:ext cx="0" cy="0"/>
-          <a:chOff x="0" y="0"/>
-          <a:chExt cx="0" cy="0"/>
-        </a:xfrm>
-      </p:grpSpPr>
-      <p:sp>
-        <p:nvSpPr>
-          <p:cNvPr id="2" name="Title 1"/>
-          <p:cNvSpPr>
-            <a:spLocks noGrp="1"/>
-          </p:cNvSpPr>
-          <p:nvPr>
-            <p:ph type="title"/>
-          </p:nvPr>
-        </p:nvSpPr>
-        <p:spPr/>
-        <p:txBody>
-          <a:bodyPr/>
-          <a:lstStyle/>
-          <a:p>
-            <a:r>
-              <a:rPr lang="is-IS" dirty="0"/>
-              <a:t>Topp tíu listi</a:t>
-            </a:r>
-          </a:p>
-        </p:txBody>
-      </p:sp>
-      <p:pic>
-        <p:nvPicPr>
-          <p:cNvPr id="4" name="Content Placeholder 3"/>
-          <p:cNvPicPr>
-            <a:picLocks noGrp="1" noChangeAspect="1"/>
-          </p:cNvPicPr>
-          <p:nvPr>
-            <p:ph idx="1"/>
-          </p:nvPr>
-        </p:nvPicPr>
-        <p:blipFill>
-          <a:blip r:embed="rId2">
-            <a:extLst>
-              <a:ext uri="{28A0092B-C50C-407E-A947-70E740481C1C}">
-                <a14:useLocalDpi xmlns:a14="http://schemas.microsoft.com/office/drawing/2010/main" val="0"/>
-              </a:ext>
-            </a:extLst>
-          </a:blip>
-          <a:stretch>
-            <a:fillRect/>
-          </a:stretch>
-        </p:blipFill>
-        <p:spPr>
-          <a:xfrm>
-            <a:off x="2589212" y="2926996"/>
-            <a:ext cx="8915400" cy="3761466"/>
-          </a:xfrm>
-        </p:spPr>
-      </p:pic>
-      <p:sp>
-        <p:nvSpPr>
-          <p:cNvPr id="5" name="Content Placeholder 2"/>
-          <p:cNvSpPr txBox="1">
-            <a:spLocks/>
-          </p:cNvSpPr>
-          <p:nvPr/>
-        </p:nvSpPr>
-        <p:spPr>
-          <a:xfrm>
-            <a:off x="2589212" y="2133600"/>
-            <a:ext cx="8915400" cy="3777622"/>
-          </a:xfrm>
-          <a:prstGeom prst="rect">
-            <a:avLst/>
-          </a:prstGeom>
-        </p:spPr>
-        <p:txBody>
-          <a:bodyPr vert="horz" lIns="91440" tIns="45720" rIns="91440" bIns="45720" rtlCol="0">
-            <a:normAutofit/>
-          </a:bodyPr>
-          <a:lstStyle>
-            <a:lvl1pPr marL="342900" indent="-342900" algn="l" defTabSz="457200" rtl="0" eaLnBrk="1" latinLnBrk="0" hangingPunct="1">
-              <a:spcBef>
-                <a:spcPts val="1000"/>
-              </a:spcBef>
-              <a:spcAft>
-                <a:spcPts val="0"/>
-              </a:spcAft>
-              <a:buClr>
-                <a:schemeClr val="accent1"/>
-              </a:buClr>
-              <a:buFont typeface="Wingdings 3" charset="2"/>
-              <a:buChar char=""/>
-              <a:defRPr sz="1800" kern="1200">
-                <a:solidFill>
-                  <a:schemeClr val="tx1">
-                    <a:lumMod val="75000"/>
-                    <a:lumOff val="25000"/>
-                  </a:schemeClr>
-                </a:solidFill>
-                <a:latin typeface="+mn-lt"/>
-                <a:ea typeface="+mn-ea"/>
-                <a:cs typeface="+mn-cs"/>
-              </a:defRPr>
-            </a:lvl1pPr>
-            <a:lvl2pPr marL="742950" indent="-285750" algn="l" defTabSz="457200" rtl="0" eaLnBrk="1" latinLnBrk="0" hangingPunct="1">
-              <a:spcBef>
-                <a:spcPts val="1000"/>
-              </a:spcBef>
-              <a:spcAft>
-                <a:spcPts val="0"/>
-              </a:spcAft>
-              <a:buClr>
-                <a:schemeClr val="accent1"/>
-              </a:buClr>
-              <a:buFont typeface="Wingdings 3" charset="2"/>
-              <a:buChar char=""/>
-              <a:defRPr sz="1600" kern="1200">
-                <a:solidFill>
-                  <a:schemeClr val="tx1">
-                    <a:lumMod val="75000"/>
-                    <a:lumOff val="25000"/>
-                  </a:schemeClr>
-                </a:solidFill>
-                <a:latin typeface="+mn-lt"/>
-                <a:ea typeface="+mn-ea"/>
-                <a:cs typeface="+mn-cs"/>
-              </a:defRPr>
-            </a:lvl2pPr>
-            <a:lvl3pPr marL="1143000" indent="-228600" algn="l" defTabSz="457200" rtl="0" eaLnBrk="1" latinLnBrk="0" hangingPunct="1">
-              <a:spcBef>
-                <a:spcPts val="1000"/>
-              </a:spcBef>
-              <a:spcAft>
-                <a:spcPts val="0"/>
-              </a:spcAft>
-              <a:buClr>
-                <a:schemeClr val="accent1"/>
-              </a:buClr>
-              <a:buFont typeface="Wingdings 3" charset="2"/>
-              <a:buChar char=""/>
-              <a:defRPr sz="1400" kern="1200">
-                <a:solidFill>
-                  <a:schemeClr val="tx1">
-                    <a:lumMod val="75000"/>
-                    <a:lumOff val="25000"/>
-                  </a:schemeClr>
-                </a:solidFill>
-                <a:latin typeface="+mn-lt"/>
-                <a:ea typeface="+mn-ea"/>
-                <a:cs typeface="+mn-cs"/>
-              </a:defRPr>
-            </a:lvl3pPr>
-            <a:lvl4pPr marL="1600200" indent="-228600" algn="l" defTabSz="457200" rtl="0" eaLnBrk="1" latinLnBrk="0" hangingPunct="1">
-              <a:spcBef>
-                <a:spcPts val="1000"/>
-              </a:spcBef>
-              <a:spcAft>
-                <a:spcPts val="0"/>
-              </a:spcAft>
-              <a:buClr>
-                <a:schemeClr val="accent1"/>
-              </a:buClr>
-              <a:buFont typeface="Wingdings 3" charset="2"/>
-              <a:buChar char=""/>
-              <a:defRPr sz="1200" kern="1200">
-                <a:solidFill>
-                  <a:schemeClr val="tx1">
-                    <a:lumMod val="75000"/>
-                    <a:lumOff val="25000"/>
-                  </a:schemeClr>
-                </a:solidFill>
-                <a:latin typeface="+mn-lt"/>
-                <a:ea typeface="+mn-ea"/>
-                <a:cs typeface="+mn-cs"/>
-              </a:defRPr>
-            </a:lvl4pPr>
-            <a:lvl5pPr marL="2057400" indent="-228600" algn="l" defTabSz="457200" rtl="0" eaLnBrk="1" latinLnBrk="0" hangingPunct="1">
-              <a:spcBef>
-                <a:spcPts val="1000"/>
-              </a:spcBef>
-              <a:spcAft>
-                <a:spcPts val="0"/>
-              </a:spcAft>
-              <a:buClr>
-                <a:schemeClr val="accent1"/>
-              </a:buClr>
-              <a:buFont typeface="Wingdings 3" charset="2"/>
-              <a:buChar char=""/>
-              <a:defRPr sz="1200" kern="1200">
-                <a:solidFill>
-                  <a:schemeClr val="tx1">
-                    <a:lumMod val="75000"/>
-                    <a:lumOff val="25000"/>
-                  </a:schemeClr>
-                </a:solidFill>
-                <a:latin typeface="+mn-lt"/>
-                <a:ea typeface="+mn-ea"/>
-                <a:cs typeface="+mn-cs"/>
-              </a:defRPr>
-            </a:lvl5pPr>
-            <a:lvl6pPr marL="2514600" indent="-228600" algn="l" defTabSz="457200" rtl="0" eaLnBrk="1" latinLnBrk="0" hangingPunct="1">
-              <a:spcBef>
-                <a:spcPts val="1000"/>
-              </a:spcBef>
-              <a:spcAft>
-                <a:spcPts val="0"/>
-              </a:spcAft>
-              <a:buClr>
-                <a:schemeClr val="accent1"/>
-              </a:buClr>
-              <a:buFont typeface="Wingdings 3" charset="2"/>
-              <a:buChar char=""/>
-              <a:defRPr sz="1200" kern="1200">
-                <a:solidFill>
-                  <a:schemeClr val="tx1">
-                    <a:lumMod val="75000"/>
-                    <a:lumOff val="25000"/>
-                  </a:schemeClr>
-                </a:solidFill>
-                <a:latin typeface="+mn-lt"/>
-                <a:ea typeface="+mn-ea"/>
-                <a:cs typeface="+mn-cs"/>
-              </a:defRPr>
-            </a:lvl6pPr>
-            <a:lvl7pPr marL="2971800" indent="-228600" algn="l" defTabSz="457200" rtl="0" eaLnBrk="1" latinLnBrk="0" hangingPunct="1">
-              <a:spcBef>
-                <a:spcPts val="1000"/>
-              </a:spcBef>
-              <a:spcAft>
-                <a:spcPts val="0"/>
-              </a:spcAft>
-              <a:buClr>
-                <a:schemeClr val="accent1"/>
-              </a:buClr>
-              <a:buFont typeface="Wingdings 3" charset="2"/>
-              <a:buChar char=""/>
-              <a:defRPr sz="1200" kern="1200">
-                <a:solidFill>
-                  <a:schemeClr val="tx1">
-                    <a:lumMod val="75000"/>
-                    <a:lumOff val="25000"/>
-                  </a:schemeClr>
-                </a:solidFill>
-                <a:latin typeface="+mn-lt"/>
-                <a:ea typeface="+mn-ea"/>
-                <a:cs typeface="+mn-cs"/>
-              </a:defRPr>
-            </a:lvl7pPr>
-            <a:lvl8pPr marL="3429000" indent="-228600" algn="l" defTabSz="457200" rtl="0" eaLnBrk="1" latinLnBrk="0" hangingPunct="1">
-              <a:spcBef>
-                <a:spcPts val="1000"/>
-              </a:spcBef>
-              <a:spcAft>
-                <a:spcPts val="0"/>
-              </a:spcAft>
-              <a:buClr>
-                <a:schemeClr val="accent1"/>
-              </a:buClr>
-              <a:buFont typeface="Wingdings 3" charset="2"/>
-              <a:buChar char=""/>
-              <a:defRPr sz="1200" kern="1200">
-                <a:solidFill>
-                  <a:schemeClr val="tx1">
-                    <a:lumMod val="75000"/>
-                    <a:lumOff val="25000"/>
-                  </a:schemeClr>
-                </a:solidFill>
-                <a:latin typeface="+mn-lt"/>
-                <a:ea typeface="+mn-ea"/>
-                <a:cs typeface="+mn-cs"/>
-              </a:defRPr>
-            </a:lvl8pPr>
-            <a:lvl9pPr marL="3886200" indent="-228600" algn="l" defTabSz="457200" rtl="0" eaLnBrk="1" latinLnBrk="0" hangingPunct="1">
-              <a:spcBef>
-                <a:spcPts val="1000"/>
-              </a:spcBef>
-              <a:spcAft>
-                <a:spcPts val="0"/>
-              </a:spcAft>
-              <a:buClr>
-                <a:schemeClr val="accent1"/>
-              </a:buClr>
-              <a:buFont typeface="Wingdings 3" charset="2"/>
-              <a:buChar char=""/>
-              <a:defRPr sz="1200" kern="1200">
-                <a:solidFill>
-                  <a:schemeClr val="tx1">
-                    <a:lumMod val="75000"/>
-                    <a:lumOff val="25000"/>
-                  </a:schemeClr>
-                </a:solidFill>
-                <a:latin typeface="+mn-lt"/>
-                <a:ea typeface="+mn-ea"/>
-                <a:cs typeface="+mn-cs"/>
-              </a:defRPr>
-            </a:lvl9pPr>
-          </a:lstStyle>
-          <a:p>
-            <a:r>
-              <a:rPr lang="is-IS" dirty="0" smtClean="0"/>
-              <a:t>Hægt að velja listan í öfugri röð, það land sem er valið (Ísland) kemur líka fyrir á listanum</a:t>
-            </a:r>
-            <a:endParaRPr lang="is-IS" dirty="0"/>
-          </a:p>
-        </p:txBody>
-      </p:sp>
-    </p:spTree>
-    <p:extLst>
-      <p:ext uri="{BB962C8B-B14F-4D97-AF65-F5344CB8AC3E}">
-        <p14:creationId xmlns:p14="http://schemas.microsoft.com/office/powerpoint/2010/main" val="2195403750"/>
-      </p:ext>
-    </p:extLst>
-  </p:cSld>
-  <p:clrMapOvr>
-    <a:masterClrMapping/>
-  </p:clrMapOvr>
-  <p:transition spd="slow">
-    <p:cover/>
-  </p:transition>
-  <p:timing>
-    <p:tnLst>
-      <p:par>
-        <p:cTn id="1" dur="indefinite" restart="never" nodeType="tmRoot"/>
-      </p:par>
-    </p:tnLst>
-  </p:timing>
-</p:sld>
-</file>
-
-<file path=ppt/slides/slide9.xml><?xml version="1.0" encoding="utf-8"?>
-<p:sld xmlns:a="http://schemas.openxmlformats.org/drawingml/2006/main" xmlns:r="http://schemas.openxmlformats.org/officeDocument/2006/relationships" xmlns:p="http://schemas.openxmlformats.org/presentationml/2006/main">
-  <p:cSld>
-    <p:spTree>
-      <p:nvGrpSpPr>
-        <p:cNvPr id="1" name=""/>
-        <p:cNvGrpSpPr/>
-        <p:nvPr/>
-      </p:nvGrpSpPr>
-      <p:grpSpPr>
-        <a:xfrm>
-          <a:off x="0" y="0"/>
-          <a:ext cx="0" cy="0"/>
-          <a:chOff x="0" y="0"/>
-          <a:chExt cx="0" cy="0"/>
-        </a:xfrm>
-      </p:grpSpPr>
-      <p:sp>
-        <p:nvSpPr>
-          <p:cNvPr id="2" name="Title 1"/>
-          <p:cNvSpPr>
-            <a:spLocks noGrp="1"/>
-          </p:cNvSpPr>
-          <p:nvPr>
-            <p:ph type="title"/>
-          </p:nvPr>
-        </p:nvSpPr>
-        <p:spPr/>
-        <p:txBody>
-          <a:bodyPr/>
-          <a:lstStyle/>
-          <a:p>
-            <a:pPr algn="ctr"/>
-            <a:r>
-              <a:rPr lang="is-IS" dirty="0" smtClean="0"/>
-              <a:t>Best í heimi?</a:t>
-            </a:r>
-            <a:endParaRPr lang="is-IS" dirty="0"/>
-          </a:p>
-        </p:txBody>
-      </p:sp>
-      <p:sp>
-        <p:nvSpPr>
-          <p:cNvPr id="3" name="Content Placeholder 2"/>
-          <p:cNvSpPr>
-            <a:spLocks noGrp="1"/>
-          </p:cNvSpPr>
-          <p:nvPr>
-            <p:ph idx="1"/>
-          </p:nvPr>
-        </p:nvSpPr>
-        <p:spPr/>
-        <p:txBody>
-          <a:bodyPr anchor="ctr">
-            <a:normAutofit fontScale="92500"/>
-          </a:bodyPr>
-          <a:lstStyle/>
-          <a:p>
-            <a:pPr algn="ctr">
-              <a:lnSpc>
-                <a:spcPct val="250000"/>
-              </a:lnSpc>
-            </a:pPr>
-            <a:r>
-              <a:rPr lang="is-IS" sz="3200" dirty="0"/>
-              <a:t>Hvar er best að búa?</a:t>
-            </a:r>
-          </a:p>
-          <a:p>
-            <a:pPr algn="ctr">
-              <a:lnSpc>
-                <a:spcPct val="250000"/>
-              </a:lnSpc>
-            </a:pPr>
-            <a:r>
-              <a:rPr lang="is-IS" sz="3200" dirty="0" smtClean="0"/>
-              <a:t>Hvað </a:t>
-            </a:r>
-            <a:r>
-              <a:rPr lang="is-IS" sz="3200" dirty="0"/>
-              <a:t>hefur áhrif</a:t>
-            </a:r>
-            <a:r>
-              <a:rPr lang="is-IS" sz="3200" dirty="0" smtClean="0"/>
-              <a:t>?</a:t>
-            </a:r>
-          </a:p>
-          <a:p>
-            <a:pPr algn="ctr">
-              <a:lnSpc>
-                <a:spcPct val="250000"/>
-              </a:lnSpc>
-            </a:pPr>
-            <a:r>
-              <a:rPr lang="is-IS" sz="3200" dirty="0" smtClean="0"/>
-              <a:t>Hvar stendur Ísland</a:t>
-            </a:r>
-            <a:r>
-              <a:rPr lang="is-IS" sz="3200" dirty="0" smtClean="0"/>
-              <a:t>?</a:t>
-            </a:r>
-            <a:endParaRPr lang="is-IS" sz="3200" dirty="0" smtClean="0"/>
-          </a:p>
-        </p:txBody>
-      </p:sp>
-    </p:spTree>
-    <p:extLst>
-      <p:ext uri="{BB962C8B-B14F-4D97-AF65-F5344CB8AC3E}">
-        <p14:creationId xmlns:p14="http://schemas.microsoft.com/office/powerpoint/2010/main" val="3270220427"/>
-      </p:ext>
-    </p:extLst>
-  </p:cSld>
-  <p:clrMapOvr>
-    <a:masterClrMapping/>
-  </p:clrMapOvr>
-  <p:timing>
-    <p:tnLst>
-      <p:par>
-        <p:cTn id="1" dur="indefinite" restart="never" nodeType="tmRoot"/>
-      </p:par>
-    </p:tnLst>
-  </p:timing>
-</p:sld>
-</file>
-
 <file path=ppt/theme/theme1.xml><?xml version="1.0" encoding="utf-8"?>
 <a:theme xmlns:a="http://schemas.openxmlformats.org/drawingml/2006/main" name="Wisp">
   <a:themeElements>

--- a/Verkefni3/kynning/Kynning.pptx
+++ b/Verkefni3/kynning/Kynning.pptx
@@ -8144,8 +8144,8 @@
         </p:blipFill>
         <p:spPr>
           <a:xfrm>
-            <a:off x="6124075" y="2472258"/>
-            <a:ext cx="4788568" cy="3763816"/>
+            <a:off x="6698395" y="2923674"/>
+            <a:ext cx="4214248" cy="3312400"/>
           </a:xfrm>
           <a:prstGeom prst="rect">
             <a:avLst/>
@@ -8858,11 +8858,7 @@
           <a:p>
             <a:r>
               <a:rPr lang="is-IS" dirty="0" smtClean="0"/>
-              <a:t>Leið </a:t>
-            </a:r>
-            <a:r>
-              <a:rPr lang="is-IS" dirty="0" smtClean="0"/>
-              <a:t>úr SQL</a:t>
+              <a:t>SQL tölfur</a:t>
             </a:r>
             <a:endParaRPr lang="is-IS" dirty="0"/>
           </a:p>

--- a/Verkefni3/kynning/Kynning.pptx
+++ b/Verkefni3/kynning/Kynning.pptx
@@ -8858,7 +8858,7 @@
           <a:p>
             <a:r>
               <a:rPr lang="is-IS" dirty="0" smtClean="0"/>
-              <a:t>SQL tölfur</a:t>
+              <a:t>SQL töflur</a:t>
             </a:r>
             <a:endParaRPr lang="is-IS" dirty="0"/>
           </a:p>
